--- a/Piazza-Presentazione.pptx
+++ b/Piazza-Presentazione.pptx
@@ -6,7 +6,7 @@
     <p:sldMasterId id="2147483725" r:id="rId2"/>
   </p:sldMasterIdLst>
   <p:notesMasterIdLst>
-    <p:notesMasterId r:id="rId21"/>
+    <p:notesMasterId r:id="rId23"/>
   </p:notesMasterIdLst>
   <p:sldIdLst>
     <p:sldId id="256" r:id="rId3"/>
@@ -23,42 +23,44 @@
     <p:sldId id="287" r:id="rId14"/>
     <p:sldId id="284" r:id="rId15"/>
     <p:sldId id="288" r:id="rId16"/>
-    <p:sldId id="289" r:id="rId17"/>
-    <p:sldId id="282" r:id="rId18"/>
-    <p:sldId id="290" r:id="rId19"/>
-    <p:sldId id="272" r:id="rId20"/>
+    <p:sldId id="291" r:id="rId17"/>
+    <p:sldId id="289" r:id="rId18"/>
+    <p:sldId id="292" r:id="rId19"/>
+    <p:sldId id="282" r:id="rId20"/>
+    <p:sldId id="290" r:id="rId21"/>
+    <p:sldId id="272" r:id="rId22"/>
   </p:sldIdLst>
   <p:sldSz cx="9144000" cy="5143500" type="screen16x9"/>
   <p:notesSz cx="6858000" cy="9144000"/>
   <p:embeddedFontLst>
     <p:embeddedFont>
       <p:font typeface="Bahnschrift SemiBold SemiConden" panose="020B0502040204020203" pitchFamily="34" charset="0"/>
-      <p:bold r:id="rId22"/>
+      <p:bold r:id="rId24"/>
     </p:embeddedFont>
     <p:embeddedFont>
       <p:font typeface="Calibri" panose="020F0502020204030204" pitchFamily="34" charset="0"/>
-      <p:regular r:id="rId23"/>
-      <p:bold r:id="rId24"/>
-      <p:italic r:id="rId25"/>
-      <p:boldItalic r:id="rId26"/>
+      <p:regular r:id="rId25"/>
+      <p:bold r:id="rId26"/>
+      <p:italic r:id="rId27"/>
+      <p:boldItalic r:id="rId28"/>
     </p:embeddedFont>
     <p:embeddedFont>
       <p:font typeface="Cambria Math" panose="02040503050406030204" pitchFamily="18" charset="0"/>
-      <p:regular r:id="rId27"/>
+      <p:regular r:id="rId29"/>
     </p:embeddedFont>
     <p:embeddedFont>
       <p:font typeface="Open Sans" panose="020B0604020202020204" charset="0"/>
-      <p:regular r:id="rId28"/>
-      <p:bold r:id="rId29"/>
-      <p:italic r:id="rId30"/>
-      <p:boldItalic r:id="rId31"/>
+      <p:regular r:id="rId30"/>
+      <p:bold r:id="rId31"/>
+      <p:italic r:id="rId32"/>
+      <p:boldItalic r:id="rId33"/>
     </p:embeddedFont>
     <p:embeddedFont>
       <p:font typeface="Roboto" panose="020B0604020202020204" charset="0"/>
-      <p:regular r:id="rId32"/>
-      <p:bold r:id="rId33"/>
-      <p:italic r:id="rId34"/>
-      <p:boldItalic r:id="rId35"/>
+      <p:regular r:id="rId34"/>
+      <p:bold r:id="rId35"/>
+      <p:italic r:id="rId36"/>
+      <p:boldItalic r:id="rId37"/>
     </p:embeddedFont>
   </p:embeddedFontLst>
   <p:defaultTextStyle>
@@ -929,7 +931,50 @@
               </a:spcAft>
               <a:buNone/>
             </a:pPr>
-            <a:endParaRPr lang="it-IT" dirty="0"/>
+            <a:r>
+              <a:rPr lang="it-IT" dirty="0"/>
+              <a:t>-   I risultati rispecchiano la correlation Matrix.</a:t>
+            </a:r>
+          </a:p>
+          <a:p>
+            <a:pPr marL="171450" lvl="0" indent="-171450" algn="l" rtl="0">
+              <a:spcBef>
+                <a:spcPts val="0"/>
+              </a:spcBef>
+              <a:spcAft>
+                <a:spcPts val="0"/>
+              </a:spcAft>
+              <a:buFontTx/>
+              <a:buChar char="-"/>
+            </a:pPr>
+            <a:r>
+              <a:rPr lang="it-IT" dirty="0"/>
+              <a:t>La presenza/assenza di sol non inficia sulle performance dei </a:t>
+            </a:r>
+            <a:r>
+              <a:rPr lang="it-IT" dirty="0" err="1"/>
+              <a:t>predittori</a:t>
+            </a:r>
+            <a:r>
+              <a:rPr lang="it-IT" dirty="0"/>
+              <a:t>.</a:t>
+            </a:r>
+          </a:p>
+          <a:p>
+            <a:pPr marL="171450" lvl="0" indent="-171450" algn="l" rtl="0">
+              <a:spcBef>
+                <a:spcPts val="0"/>
+              </a:spcBef>
+              <a:spcAft>
+                <a:spcPts val="0"/>
+              </a:spcAft>
+              <a:buFontTx/>
+              <a:buChar char="-"/>
+            </a:pPr>
+            <a:r>
+              <a:rPr lang="it-IT" dirty="0"/>
+              <a:t>Regression Tree si comporta meglio.</a:t>
+            </a:r>
           </a:p>
         </p:txBody>
       </p:sp>
@@ -1029,16 +1074,36 @@
           </a:bodyPr>
           <a:lstStyle/>
           <a:p>
-            <a:pPr marL="0" lvl="0" indent="0" algn="l" rtl="0">
-              <a:spcBef>
-                <a:spcPts val="0"/>
-              </a:spcBef>
-              <a:spcAft>
-                <a:spcPts val="0"/>
-              </a:spcAft>
-              <a:buNone/>
+            <a:pPr marL="171450" lvl="0" indent="-171450" algn="l" rtl="0">
+              <a:spcBef>
+                <a:spcPts val="0"/>
+              </a:spcBef>
+              <a:spcAft>
+                <a:spcPts val="0"/>
+              </a:spcAft>
+              <a:buFontTx/>
+              <a:buChar char="-"/>
             </a:pPr>
-            <a:endParaRPr lang="it-IT" dirty="0"/>
+            <a:r>
+              <a:rPr lang="it-IT" dirty="0"/>
+              <a:t>Scarse performance diffuse.</a:t>
+            </a:r>
+          </a:p>
+          <a:p>
+            <a:pPr marL="171450" lvl="0" indent="-171450" algn="l" rtl="0">
+              <a:spcBef>
+                <a:spcPts val="0"/>
+              </a:spcBef>
+              <a:spcAft>
+                <a:spcPts val="0"/>
+              </a:spcAft>
+              <a:buFontTx/>
+              <a:buChar char="-"/>
+            </a:pPr>
+            <a:r>
+              <a:rPr lang="it-IT" dirty="0"/>
+              <a:t>Sol infatti era scarsamente correlata con le feature considerate.</a:t>
+            </a:r>
           </a:p>
         </p:txBody>
       </p:sp>
@@ -1558,6 +1623,130 @@
           </a:bodyPr>
           <a:lstStyle/>
           <a:p>
+            <a:pPr marL="0" marR="0" lvl="0" indent="0" algn="l" defTabSz="914400" rtl="0" eaLnBrk="1" fontAlgn="auto" latinLnBrk="0" hangingPunct="1">
+              <a:lnSpc>
+                <a:spcPct val="100000"/>
+              </a:lnSpc>
+              <a:spcBef>
+                <a:spcPts val="0"/>
+              </a:spcBef>
+              <a:spcAft>
+                <a:spcPts val="0"/>
+              </a:spcAft>
+              <a:buClr>
+                <a:srgbClr val="000000"/>
+              </a:buClr>
+              <a:buSzPts val="1100"/>
+              <a:buFont typeface="Arial"/>
+              <a:buNone/>
+              <a:tabLst/>
+              <a:defRPr/>
+            </a:pPr>
+            <a:endParaRPr lang="it-IT" sz="1100" dirty="0">
+              <a:effectLst/>
+              <a:latin typeface="Calibri" panose="020F0502020204030204" pitchFamily="34" charset="0"/>
+              <a:ea typeface="Calibri" panose="020F0502020204030204" pitchFamily="34" charset="0"/>
+              <a:cs typeface="Times New Roman" panose="02020603050405020304" pitchFamily="18" charset="0"/>
+            </a:endParaRPr>
+          </a:p>
+        </p:txBody>
+      </p:sp>
+      <p:sp>
+        <p:nvSpPr>
+          <p:cNvPr id="912" name="Google Shape;912;g75f9428cb9_5_135:notes"/>
+          <p:cNvSpPr>
+            <a:spLocks noGrp="1" noRot="1" noChangeAspect="1"/>
+          </p:cNvSpPr>
+          <p:nvPr>
+            <p:ph type="sldImg" idx="2"/>
+          </p:nvPr>
+        </p:nvSpPr>
+        <p:spPr>
+          <a:xfrm>
+            <a:off x="381000" y="685800"/>
+            <a:ext cx="6096000" cy="3429000"/>
+          </a:xfrm>
+          <a:custGeom>
+            <a:avLst/>
+            <a:gdLst/>
+            <a:ahLst/>
+            <a:cxnLst/>
+            <a:rect l="l" t="t" r="r" b="b"/>
+            <a:pathLst>
+              <a:path w="120000" h="120000" extrusionOk="0">
+                <a:moveTo>
+                  <a:pt x="0" y="0"/>
+                </a:moveTo>
+                <a:lnTo>
+                  <a:pt x="120000" y="0"/>
+                </a:lnTo>
+                <a:lnTo>
+                  <a:pt x="120000" y="120000"/>
+                </a:lnTo>
+                <a:lnTo>
+                  <a:pt x="0" y="120000"/>
+                </a:lnTo>
+                <a:close/>
+              </a:path>
+            </a:pathLst>
+          </a:custGeom>
+        </p:spPr>
+      </p:sp>
+    </p:spTree>
+    <p:extLst>
+      <p:ext uri="{BB962C8B-B14F-4D97-AF65-F5344CB8AC3E}">
+        <p14:creationId xmlns:p14="http://schemas.microsoft.com/office/powerpoint/2010/main" val="3615895178"/>
+      </p:ext>
+    </p:extLst>
+  </p:cSld>
+  <p:clrMapOvr>
+    <a:masterClrMapping/>
+  </p:clrMapOvr>
+</p:notes>
+</file>
+
+<file path=ppt/notesSlides/notesSlide16.xml><?xml version="1.0" encoding="utf-8"?>
+<p:notes xmlns:a="http://schemas.openxmlformats.org/drawingml/2006/main" xmlns:r="http://schemas.openxmlformats.org/officeDocument/2006/relationships" xmlns:p="http://schemas.openxmlformats.org/presentationml/2006/main" showMasterSp="0" showMasterPhAnim="0">
+  <p:cSld>
+    <p:spTree>
+      <p:nvGrpSpPr>
+        <p:cNvPr id="1" name="Shape 910"/>
+        <p:cNvGrpSpPr/>
+        <p:nvPr/>
+      </p:nvGrpSpPr>
+      <p:grpSpPr>
+        <a:xfrm>
+          <a:off x="0" y="0"/>
+          <a:ext cx="0" cy="0"/>
+          <a:chOff x="0" y="0"/>
+          <a:chExt cx="0" cy="0"/>
+        </a:xfrm>
+      </p:grpSpPr>
+      <p:sp>
+        <p:nvSpPr>
+          <p:cNvPr id="911" name="Google Shape;911;g75f9428cb9_5_135:notes"/>
+          <p:cNvSpPr txBox="1">
+            <a:spLocks noGrp="1"/>
+          </p:cNvSpPr>
+          <p:nvPr>
+            <p:ph type="body" idx="1"/>
+          </p:nvPr>
+        </p:nvSpPr>
+        <p:spPr>
+          <a:xfrm>
+            <a:off x="685800" y="4343400"/>
+            <a:ext cx="5486400" cy="4114800"/>
+          </a:xfrm>
+          <a:prstGeom prst="rect">
+            <a:avLst/>
+          </a:prstGeom>
+        </p:spPr>
+        <p:txBody>
+          <a:bodyPr spcFirstLastPara="1" wrap="square" lIns="91425" tIns="91425" rIns="91425" bIns="91425" anchor="t" anchorCtr="0">
+            <a:noAutofit/>
+          </a:bodyPr>
+          <a:lstStyle/>
+          <a:p>
             <a:pPr marL="0" lvl="0" indent="0" algn="l" rtl="0">
               <a:spcBef>
                 <a:spcPts val="0"/>
@@ -1625,7 +1814,131 @@
 </p:notes>
 </file>
 
-<file path=ppt/notesSlides/notesSlide16.xml><?xml version="1.0" encoding="utf-8"?>
+<file path=ppt/notesSlides/notesSlide17.xml><?xml version="1.0" encoding="utf-8"?>
+<p:notes xmlns:a="http://schemas.openxmlformats.org/drawingml/2006/main" xmlns:r="http://schemas.openxmlformats.org/officeDocument/2006/relationships" xmlns:p="http://schemas.openxmlformats.org/presentationml/2006/main" showMasterSp="0" showMasterPhAnim="0">
+  <p:cSld>
+    <p:spTree>
+      <p:nvGrpSpPr>
+        <p:cNvPr id="1" name="Shape 910"/>
+        <p:cNvGrpSpPr/>
+        <p:nvPr/>
+      </p:nvGrpSpPr>
+      <p:grpSpPr>
+        <a:xfrm>
+          <a:off x="0" y="0"/>
+          <a:ext cx="0" cy="0"/>
+          <a:chOff x="0" y="0"/>
+          <a:chExt cx="0" cy="0"/>
+        </a:xfrm>
+      </p:grpSpPr>
+      <p:sp>
+        <p:nvSpPr>
+          <p:cNvPr id="911" name="Google Shape;911;g75f9428cb9_5_135:notes"/>
+          <p:cNvSpPr txBox="1">
+            <a:spLocks noGrp="1"/>
+          </p:cNvSpPr>
+          <p:nvPr>
+            <p:ph type="body" idx="1"/>
+          </p:nvPr>
+        </p:nvSpPr>
+        <p:spPr>
+          <a:xfrm>
+            <a:off x="685800" y="4343400"/>
+            <a:ext cx="5486400" cy="4114800"/>
+          </a:xfrm>
+          <a:prstGeom prst="rect">
+            <a:avLst/>
+          </a:prstGeom>
+        </p:spPr>
+        <p:txBody>
+          <a:bodyPr spcFirstLastPara="1" wrap="square" lIns="91425" tIns="91425" rIns="91425" bIns="91425" anchor="t" anchorCtr="0">
+            <a:noAutofit/>
+          </a:bodyPr>
+          <a:lstStyle/>
+          <a:p>
+            <a:pPr marL="0" marR="0" lvl="0" indent="0" algn="l" defTabSz="914400" rtl="0" eaLnBrk="1" fontAlgn="auto" latinLnBrk="0" hangingPunct="1">
+              <a:lnSpc>
+                <a:spcPct val="100000"/>
+              </a:lnSpc>
+              <a:spcBef>
+                <a:spcPts val="0"/>
+              </a:spcBef>
+              <a:spcAft>
+                <a:spcPts val="0"/>
+              </a:spcAft>
+              <a:buClr>
+                <a:srgbClr val="000000"/>
+              </a:buClr>
+              <a:buSzPts val="1100"/>
+              <a:buFont typeface="Arial"/>
+              <a:buNone/>
+              <a:tabLst/>
+              <a:defRPr/>
+            </a:pPr>
+            <a:endParaRPr lang="it-IT" sz="1100" dirty="0">
+              <a:effectLst/>
+              <a:latin typeface="Calibri" panose="020F0502020204030204" pitchFamily="34" charset="0"/>
+              <a:ea typeface="Calibri" panose="020F0502020204030204" pitchFamily="34" charset="0"/>
+              <a:cs typeface="Times New Roman" panose="02020603050405020304" pitchFamily="18" charset="0"/>
+            </a:endParaRPr>
+          </a:p>
+        </p:txBody>
+      </p:sp>
+      <p:sp>
+        <p:nvSpPr>
+          <p:cNvPr id="912" name="Google Shape;912;g75f9428cb9_5_135:notes"/>
+          <p:cNvSpPr>
+            <a:spLocks noGrp="1" noRot="1" noChangeAspect="1"/>
+          </p:cNvSpPr>
+          <p:nvPr>
+            <p:ph type="sldImg" idx="2"/>
+          </p:nvPr>
+        </p:nvSpPr>
+        <p:spPr>
+          <a:xfrm>
+            <a:off x="381000" y="685800"/>
+            <a:ext cx="6096000" cy="3429000"/>
+          </a:xfrm>
+          <a:custGeom>
+            <a:avLst/>
+            <a:gdLst/>
+            <a:ahLst/>
+            <a:cxnLst/>
+            <a:rect l="l" t="t" r="r" b="b"/>
+            <a:pathLst>
+              <a:path w="120000" h="120000" extrusionOk="0">
+                <a:moveTo>
+                  <a:pt x="0" y="0"/>
+                </a:moveTo>
+                <a:lnTo>
+                  <a:pt x="120000" y="0"/>
+                </a:lnTo>
+                <a:lnTo>
+                  <a:pt x="120000" y="120000"/>
+                </a:lnTo>
+                <a:lnTo>
+                  <a:pt x="0" y="120000"/>
+                </a:lnTo>
+                <a:close/>
+              </a:path>
+            </a:pathLst>
+          </a:custGeom>
+        </p:spPr>
+      </p:sp>
+    </p:spTree>
+    <p:extLst>
+      <p:ext uri="{BB962C8B-B14F-4D97-AF65-F5344CB8AC3E}">
+        <p14:creationId xmlns:p14="http://schemas.microsoft.com/office/powerpoint/2010/main" val="2095994724"/>
+      </p:ext>
+    </p:extLst>
+  </p:cSld>
+  <p:clrMapOvr>
+    <a:masterClrMapping/>
+  </p:clrMapOvr>
+</p:notes>
+</file>
+
+<file path=ppt/notesSlides/notesSlide18.xml><?xml version="1.0" encoding="utf-8"?>
 <p:notes xmlns:a="http://schemas.openxmlformats.org/drawingml/2006/main" xmlns:r="http://schemas.openxmlformats.org/officeDocument/2006/relationships" xmlns:p="http://schemas.openxmlformats.org/presentationml/2006/main" showMasterSp="0" showMasterPhAnim="0">
   <p:cSld>
     <p:spTree>
@@ -1734,7 +2047,7 @@
 </p:notes>
 </file>
 
-<file path=ppt/notesSlides/notesSlide17.xml><?xml version="1.0" encoding="utf-8"?>
+<file path=ppt/notesSlides/notesSlide19.xml><?xml version="1.0" encoding="utf-8"?>
 <p:notes xmlns:a="http://schemas.openxmlformats.org/drawingml/2006/main" xmlns:r="http://schemas.openxmlformats.org/officeDocument/2006/relationships" xmlns:p="http://schemas.openxmlformats.org/presentationml/2006/main" showMasterSp="0" showMasterPhAnim="0">
   <p:cSld>
     <p:spTree>
@@ -1843,110 +2156,6 @@
 </p:notes>
 </file>
 
-<file path=ppt/notesSlides/notesSlide18.xml><?xml version="1.0" encoding="utf-8"?>
-<p:notes xmlns:a="http://schemas.openxmlformats.org/drawingml/2006/main" xmlns:r="http://schemas.openxmlformats.org/officeDocument/2006/relationships" xmlns:p="http://schemas.openxmlformats.org/presentationml/2006/main" showMasterSp="0" showMasterPhAnim="0">
-  <p:cSld>
-    <p:spTree>
-      <p:nvGrpSpPr>
-        <p:cNvPr id="1" name="Shape 1202"/>
-        <p:cNvGrpSpPr/>
-        <p:nvPr/>
-      </p:nvGrpSpPr>
-      <p:grpSpPr>
-        <a:xfrm>
-          <a:off x="0" y="0"/>
-          <a:ext cx="0" cy="0"/>
-          <a:chOff x="0" y="0"/>
-          <a:chExt cx="0" cy="0"/>
-        </a:xfrm>
-      </p:grpSpPr>
-      <p:sp>
-        <p:nvSpPr>
-          <p:cNvPr id="1203" name="Google Shape;1203;g6c836bee97_4_252:notes"/>
-          <p:cNvSpPr txBox="1">
-            <a:spLocks noGrp="1"/>
-          </p:cNvSpPr>
-          <p:nvPr>
-            <p:ph type="body" idx="1"/>
-          </p:nvPr>
-        </p:nvSpPr>
-        <p:spPr>
-          <a:xfrm>
-            <a:off x="685800" y="4400550"/>
-            <a:ext cx="5486400" cy="3600600"/>
-          </a:xfrm>
-          <a:prstGeom prst="rect">
-            <a:avLst/>
-          </a:prstGeom>
-        </p:spPr>
-        <p:txBody>
-          <a:bodyPr spcFirstLastPara="1" wrap="square" lIns="91425" tIns="91425" rIns="91425" bIns="91425" anchor="t" anchorCtr="0">
-            <a:noAutofit/>
-          </a:bodyPr>
-          <a:lstStyle/>
-          <a:p>
-            <a:pPr marL="0" lvl="0" indent="0" algn="l" rtl="0">
-              <a:spcBef>
-                <a:spcPts val="0"/>
-              </a:spcBef>
-              <a:spcAft>
-                <a:spcPts val="0"/>
-              </a:spcAft>
-              <a:buNone/>
-            </a:pPr>
-            <a:endParaRPr/>
-          </a:p>
-        </p:txBody>
-      </p:sp>
-      <p:sp>
-        <p:nvSpPr>
-          <p:cNvPr id="1204" name="Google Shape;1204;g6c836bee97_4_252:notes"/>
-          <p:cNvSpPr>
-            <a:spLocks noGrp="1" noRot="1" noChangeAspect="1"/>
-          </p:cNvSpPr>
-          <p:nvPr>
-            <p:ph type="sldImg" idx="2"/>
-          </p:nvPr>
-        </p:nvSpPr>
-        <p:spPr>
-          <a:xfrm>
-            <a:off x="685800" y="1143000"/>
-            <a:ext cx="5486400" cy="3086100"/>
-          </a:xfrm>
-          <a:custGeom>
-            <a:avLst/>
-            <a:gdLst/>
-            <a:ahLst/>
-            <a:cxnLst/>
-            <a:rect l="l" t="t" r="r" b="b"/>
-            <a:pathLst>
-              <a:path w="120000" h="120000" extrusionOk="0">
-                <a:moveTo>
-                  <a:pt x="0" y="0"/>
-                </a:moveTo>
-                <a:lnTo>
-                  <a:pt x="120000" y="0"/>
-                </a:lnTo>
-                <a:lnTo>
-                  <a:pt x="120000" y="120000"/>
-                </a:lnTo>
-                <a:lnTo>
-                  <a:pt x="0" y="120000"/>
-                </a:lnTo>
-                <a:close/>
-              </a:path>
-            </a:pathLst>
-          </a:custGeom>
-        </p:spPr>
-      </p:sp>
-    </p:spTree>
-  </p:cSld>
-  <p:clrMapOvr>
-    <a:masterClrMapping/>
-  </p:clrMapOvr>
-</p:notes>
-</file>
-
 <file path=ppt/notesSlides/notesSlide2.xml><?xml version="1.0" encoding="utf-8"?>
 <p:notes xmlns:a="http://schemas.openxmlformats.org/drawingml/2006/main" xmlns:r="http://schemas.openxmlformats.org/officeDocument/2006/relationships" xmlns:p="http://schemas.openxmlformats.org/presentationml/2006/main" showMasterSp="0" showMasterPhAnim="0">
   <p:cSld>
@@ -2016,6 +2225,110 @@
           <a:xfrm>
             <a:off x="381000" y="685800"/>
             <a:ext cx="6096000" cy="3429000"/>
+          </a:xfrm>
+          <a:custGeom>
+            <a:avLst/>
+            <a:gdLst/>
+            <a:ahLst/>
+            <a:cxnLst/>
+            <a:rect l="l" t="t" r="r" b="b"/>
+            <a:pathLst>
+              <a:path w="120000" h="120000" extrusionOk="0">
+                <a:moveTo>
+                  <a:pt x="0" y="0"/>
+                </a:moveTo>
+                <a:lnTo>
+                  <a:pt x="120000" y="0"/>
+                </a:lnTo>
+                <a:lnTo>
+                  <a:pt x="120000" y="120000"/>
+                </a:lnTo>
+                <a:lnTo>
+                  <a:pt x="0" y="120000"/>
+                </a:lnTo>
+                <a:close/>
+              </a:path>
+            </a:pathLst>
+          </a:custGeom>
+        </p:spPr>
+      </p:sp>
+    </p:spTree>
+  </p:cSld>
+  <p:clrMapOvr>
+    <a:masterClrMapping/>
+  </p:clrMapOvr>
+</p:notes>
+</file>
+
+<file path=ppt/notesSlides/notesSlide20.xml><?xml version="1.0" encoding="utf-8"?>
+<p:notes xmlns:a="http://schemas.openxmlformats.org/drawingml/2006/main" xmlns:r="http://schemas.openxmlformats.org/officeDocument/2006/relationships" xmlns:p="http://schemas.openxmlformats.org/presentationml/2006/main" showMasterSp="0" showMasterPhAnim="0">
+  <p:cSld>
+    <p:spTree>
+      <p:nvGrpSpPr>
+        <p:cNvPr id="1" name="Shape 1202"/>
+        <p:cNvGrpSpPr/>
+        <p:nvPr/>
+      </p:nvGrpSpPr>
+      <p:grpSpPr>
+        <a:xfrm>
+          <a:off x="0" y="0"/>
+          <a:ext cx="0" cy="0"/>
+          <a:chOff x="0" y="0"/>
+          <a:chExt cx="0" cy="0"/>
+        </a:xfrm>
+      </p:grpSpPr>
+      <p:sp>
+        <p:nvSpPr>
+          <p:cNvPr id="1203" name="Google Shape;1203;g6c836bee97_4_252:notes"/>
+          <p:cNvSpPr txBox="1">
+            <a:spLocks noGrp="1"/>
+          </p:cNvSpPr>
+          <p:nvPr>
+            <p:ph type="body" idx="1"/>
+          </p:nvPr>
+        </p:nvSpPr>
+        <p:spPr>
+          <a:xfrm>
+            <a:off x="685800" y="4400550"/>
+            <a:ext cx="5486400" cy="3600600"/>
+          </a:xfrm>
+          <a:prstGeom prst="rect">
+            <a:avLst/>
+          </a:prstGeom>
+        </p:spPr>
+        <p:txBody>
+          <a:bodyPr spcFirstLastPara="1" wrap="square" lIns="91425" tIns="91425" rIns="91425" bIns="91425" anchor="t" anchorCtr="0">
+            <a:noAutofit/>
+          </a:bodyPr>
+          <a:lstStyle/>
+          <a:p>
+            <a:pPr marL="0" lvl="0" indent="0" algn="l" rtl="0">
+              <a:spcBef>
+                <a:spcPts val="0"/>
+              </a:spcBef>
+              <a:spcAft>
+                <a:spcPts val="0"/>
+              </a:spcAft>
+              <a:buNone/>
+            </a:pPr>
+            <a:endParaRPr/>
+          </a:p>
+        </p:txBody>
+      </p:sp>
+      <p:sp>
+        <p:nvSpPr>
+          <p:cNvPr id="1204" name="Google Shape;1204;g6c836bee97_4_252:notes"/>
+          <p:cNvSpPr>
+            <a:spLocks noGrp="1" noRot="1" noChangeAspect="1"/>
+          </p:cNvSpPr>
+          <p:nvPr>
+            <p:ph type="sldImg" idx="2"/>
+          </p:nvPr>
+        </p:nvSpPr>
+        <p:spPr>
+          <a:xfrm>
+            <a:off x="685800" y="1143000"/>
+            <a:ext cx="5486400" cy="3086100"/>
           </a:xfrm>
           <a:custGeom>
             <a:avLst/>
@@ -22360,8 +22673,8 @@
         </p:nvSpPr>
         <p:spPr>
           <a:xfrm>
-            <a:off x="835630" y="192350"/>
-            <a:ext cx="5420390" cy="551728"/>
+            <a:off x="780627" y="192350"/>
+            <a:ext cx="5475393" cy="551728"/>
           </a:xfrm>
           <a:prstGeom prst="rect">
             <a:avLst/>
@@ -23727,6 +24040,131 @@
   <p:clrMapOvr>
     <a:masterClrMapping/>
   </p:clrMapOvr>
+  <p:timing>
+    <p:tnLst>
+      <p:par>
+        <p:cTn id="1" dur="indefinite" restart="never" nodeType="tmRoot">
+          <p:childTnLst>
+            <p:seq concurrent="1" nextAc="seek">
+              <p:cTn id="2" dur="indefinite" nodeType="mainSeq">
+                <p:childTnLst>
+                  <p:par>
+                    <p:cTn id="3" fill="hold">
+                      <p:stCondLst>
+                        <p:cond delay="indefinite"/>
+                        <p:cond evt="onBegin" delay="0">
+                          <p:tn val="2"/>
+                        </p:cond>
+                      </p:stCondLst>
+                      <p:childTnLst>
+                        <p:par>
+                          <p:cTn id="4" fill="hold">
+                            <p:stCondLst>
+                              <p:cond delay="0"/>
+                            </p:stCondLst>
+                            <p:childTnLst>
+                              <p:par>
+                                <p:cTn id="5" presetID="10" presetClass="entr" presetSubtype="0" fill="hold" grpId="0" nodeType="withEffect">
+                                  <p:stCondLst>
+                                    <p:cond delay="750"/>
+                                  </p:stCondLst>
+                                  <p:childTnLst>
+                                    <p:set>
+                                      <p:cBhvr>
+                                        <p:cTn id="6" dur="1" fill="hold">
+                                          <p:stCondLst>
+                                            <p:cond delay="0"/>
+                                          </p:stCondLst>
+                                        </p:cTn>
+                                        <p:tgtEl>
+                                          <p:spTgt spid="58"/>
+                                        </p:tgtEl>
+                                        <p:attrNameLst>
+                                          <p:attrName>style.visibility</p:attrName>
+                                        </p:attrNameLst>
+                                      </p:cBhvr>
+                                      <p:to>
+                                        <p:strVal val="visible"/>
+                                      </p:to>
+                                    </p:set>
+                                    <p:animEffect transition="in" filter="fade">
+                                      <p:cBhvr>
+                                        <p:cTn id="7" dur="500"/>
+                                        <p:tgtEl>
+                                          <p:spTgt spid="58"/>
+                                        </p:tgtEl>
+                                      </p:cBhvr>
+                                    </p:animEffect>
+                                  </p:childTnLst>
+                                </p:cTn>
+                              </p:par>
+                              <p:par>
+                                <p:cTn id="8" presetID="10" presetClass="entr" presetSubtype="0" fill="hold" grpId="0" nodeType="withEffect">
+                                  <p:stCondLst>
+                                    <p:cond delay="750"/>
+                                  </p:stCondLst>
+                                  <p:childTnLst>
+                                    <p:set>
+                                      <p:cBhvr>
+                                        <p:cTn id="9" dur="1" fill="hold">
+                                          <p:stCondLst>
+                                            <p:cond delay="0"/>
+                                          </p:stCondLst>
+                                        </p:cTn>
+                                        <p:tgtEl>
+                                          <p:spTgt spid="59"/>
+                                        </p:tgtEl>
+                                        <p:attrNameLst>
+                                          <p:attrName>style.visibility</p:attrName>
+                                        </p:attrNameLst>
+                                      </p:cBhvr>
+                                      <p:to>
+                                        <p:strVal val="visible"/>
+                                      </p:to>
+                                    </p:set>
+                                    <p:animEffect transition="in" filter="fade">
+                                      <p:cBhvr>
+                                        <p:cTn id="10" dur="500"/>
+                                        <p:tgtEl>
+                                          <p:spTgt spid="59"/>
+                                        </p:tgtEl>
+                                      </p:cBhvr>
+                                    </p:animEffect>
+                                  </p:childTnLst>
+                                </p:cTn>
+                              </p:par>
+                            </p:childTnLst>
+                          </p:cTn>
+                        </p:par>
+                      </p:childTnLst>
+                    </p:cTn>
+                  </p:par>
+                </p:childTnLst>
+              </p:cTn>
+              <p:prevCondLst>
+                <p:cond evt="onPrev" delay="0">
+                  <p:tgtEl>
+                    <p:sldTgt/>
+                  </p:tgtEl>
+                </p:cond>
+              </p:prevCondLst>
+              <p:nextCondLst>
+                <p:cond evt="onNext" delay="0">
+                  <p:tgtEl>
+                    <p:sldTgt/>
+                  </p:tgtEl>
+                </p:cond>
+              </p:nextCondLst>
+            </p:seq>
+          </p:childTnLst>
+        </p:cTn>
+      </p:par>
+    </p:tnLst>
+    <p:bldLst>
+      <p:bldP spid="58" grpId="0" animBg="1"/>
+      <p:bldP spid="59" grpId="0" animBg="1"/>
+    </p:bldLst>
+  </p:timing>
 </p:sld>
 </file>
 
@@ -23771,8 +24209,8 @@
         </p:nvSpPr>
         <p:spPr>
           <a:xfrm>
-            <a:off x="824114" y="192819"/>
-            <a:ext cx="5932640" cy="551728"/>
+            <a:off x="780627" y="192819"/>
+            <a:ext cx="5976127" cy="551728"/>
           </a:xfrm>
           <a:prstGeom prst="rect">
             <a:avLst/>
@@ -25163,6 +25601,131 @@
   <p:clrMapOvr>
     <a:masterClrMapping/>
   </p:clrMapOvr>
+  <p:timing>
+    <p:tnLst>
+      <p:par>
+        <p:cTn id="1" dur="indefinite" restart="never" nodeType="tmRoot">
+          <p:childTnLst>
+            <p:seq concurrent="1" nextAc="seek">
+              <p:cTn id="2" dur="indefinite" nodeType="mainSeq">
+                <p:childTnLst>
+                  <p:par>
+                    <p:cTn id="3" fill="hold">
+                      <p:stCondLst>
+                        <p:cond delay="indefinite"/>
+                        <p:cond evt="onBegin" delay="0">
+                          <p:tn val="2"/>
+                        </p:cond>
+                      </p:stCondLst>
+                      <p:childTnLst>
+                        <p:par>
+                          <p:cTn id="4" fill="hold">
+                            <p:stCondLst>
+                              <p:cond delay="0"/>
+                            </p:stCondLst>
+                            <p:childTnLst>
+                              <p:par>
+                                <p:cTn id="5" presetID="10" presetClass="entr" presetSubtype="0" fill="hold" grpId="0" nodeType="withEffect">
+                                  <p:stCondLst>
+                                    <p:cond delay="750"/>
+                                  </p:stCondLst>
+                                  <p:childTnLst>
+                                    <p:set>
+                                      <p:cBhvr>
+                                        <p:cTn id="6" dur="1" fill="hold">
+                                          <p:stCondLst>
+                                            <p:cond delay="0"/>
+                                          </p:stCondLst>
+                                        </p:cTn>
+                                        <p:tgtEl>
+                                          <p:spTgt spid="28"/>
+                                        </p:tgtEl>
+                                        <p:attrNameLst>
+                                          <p:attrName>style.visibility</p:attrName>
+                                        </p:attrNameLst>
+                                      </p:cBhvr>
+                                      <p:to>
+                                        <p:strVal val="visible"/>
+                                      </p:to>
+                                    </p:set>
+                                    <p:animEffect transition="in" filter="fade">
+                                      <p:cBhvr>
+                                        <p:cTn id="7" dur="500"/>
+                                        <p:tgtEl>
+                                          <p:spTgt spid="28"/>
+                                        </p:tgtEl>
+                                      </p:cBhvr>
+                                    </p:animEffect>
+                                  </p:childTnLst>
+                                </p:cTn>
+                              </p:par>
+                              <p:par>
+                                <p:cTn id="8" presetID="10" presetClass="entr" presetSubtype="0" fill="hold" grpId="0" nodeType="withEffect">
+                                  <p:stCondLst>
+                                    <p:cond delay="750"/>
+                                  </p:stCondLst>
+                                  <p:childTnLst>
+                                    <p:set>
+                                      <p:cBhvr>
+                                        <p:cTn id="9" dur="1" fill="hold">
+                                          <p:stCondLst>
+                                            <p:cond delay="0"/>
+                                          </p:stCondLst>
+                                        </p:cTn>
+                                        <p:tgtEl>
+                                          <p:spTgt spid="29"/>
+                                        </p:tgtEl>
+                                        <p:attrNameLst>
+                                          <p:attrName>style.visibility</p:attrName>
+                                        </p:attrNameLst>
+                                      </p:cBhvr>
+                                      <p:to>
+                                        <p:strVal val="visible"/>
+                                      </p:to>
+                                    </p:set>
+                                    <p:animEffect transition="in" filter="fade">
+                                      <p:cBhvr>
+                                        <p:cTn id="10" dur="500"/>
+                                        <p:tgtEl>
+                                          <p:spTgt spid="29"/>
+                                        </p:tgtEl>
+                                      </p:cBhvr>
+                                    </p:animEffect>
+                                  </p:childTnLst>
+                                </p:cTn>
+                              </p:par>
+                            </p:childTnLst>
+                          </p:cTn>
+                        </p:par>
+                      </p:childTnLst>
+                    </p:cTn>
+                  </p:par>
+                </p:childTnLst>
+              </p:cTn>
+              <p:prevCondLst>
+                <p:cond evt="onPrev" delay="0">
+                  <p:tgtEl>
+                    <p:sldTgt/>
+                  </p:tgtEl>
+                </p:cond>
+              </p:prevCondLst>
+              <p:nextCondLst>
+                <p:cond evt="onNext" delay="0">
+                  <p:tgtEl>
+                    <p:sldTgt/>
+                  </p:tgtEl>
+                </p:cond>
+              </p:nextCondLst>
+            </p:seq>
+          </p:childTnLst>
+        </p:cTn>
+      </p:par>
+    </p:tnLst>
+    <p:bldLst>
+      <p:bldP spid="28" grpId="0" animBg="1"/>
+      <p:bldP spid="29" grpId="0" animBg="1"/>
+    </p:bldLst>
+  </p:timing>
 </p:sld>
 </file>
 
@@ -25207,8 +25770,8 @@
         </p:nvSpPr>
         <p:spPr>
           <a:xfrm>
-            <a:off x="590571" y="374674"/>
-            <a:ext cx="6482615" cy="649500"/>
+            <a:off x="495255" y="374674"/>
+            <a:ext cx="6577931" cy="649500"/>
           </a:xfrm>
           <a:prstGeom prst="rect">
             <a:avLst/>
@@ -25240,7 +25803,7 @@
                 <a:latin typeface="Roboto"/>
                 <a:ea typeface="Roboto"/>
               </a:rPr>
-              <a:t>Multi-Layer Perceptron Regression</a:t>
+              <a:t>3.2) MLP con tre feature</a:t>
             </a:r>
           </a:p>
           <a:p>
@@ -26345,7 +26908,7 @@
         </p:nvSpPr>
         <p:spPr>
           <a:xfrm>
-            <a:off x="476271" y="1041908"/>
+            <a:off x="476271" y="963758"/>
             <a:ext cx="8221007" cy="1900777"/>
           </a:xfrm>
           <a:prstGeom prst="rect">
@@ -26373,7 +26936,34 @@
                 <a:ea typeface="Calibri" panose="020F0502020204030204" pitchFamily="34" charset="0"/>
                 <a:cs typeface="Times New Roman" panose="02020603050405020304" pitchFamily="18" charset="0"/>
               </a:rPr>
-              <a:t>4 NN con 1 target a rotazione tra </a:t>
+              <a:t>4 NN di tipo </a:t>
+            </a:r>
+            <a:r>
+              <a:rPr lang="it-IT" sz="1600" b="1" dirty="0">
+                <a:effectLst/>
+                <a:latin typeface="Calibri" panose="020F0502020204030204" pitchFamily="34" charset="0"/>
+                <a:ea typeface="Calibri" panose="020F0502020204030204" pitchFamily="34" charset="0"/>
+                <a:cs typeface="Times New Roman" panose="02020603050405020304" pitchFamily="18" charset="0"/>
+              </a:rPr>
+              <a:t>Multi-Layer Perceptron </a:t>
+            </a:r>
+            <a:r>
+              <a:rPr lang="it-IT" sz="1600" b="1" dirty="0" err="1">
+                <a:effectLst/>
+                <a:latin typeface="Calibri" panose="020F0502020204030204" pitchFamily="34" charset="0"/>
+                <a:ea typeface="Calibri" panose="020F0502020204030204" pitchFamily="34" charset="0"/>
+                <a:cs typeface="Times New Roman" panose="02020603050405020304" pitchFamily="18" charset="0"/>
+              </a:rPr>
+              <a:t>Regressor</a:t>
+            </a:r>
+            <a:r>
+              <a:rPr lang="it-IT" sz="1600" dirty="0">
+                <a:effectLst/>
+                <a:latin typeface="Calibri" panose="020F0502020204030204" pitchFamily="34" charset="0"/>
+                <a:ea typeface="Calibri" panose="020F0502020204030204" pitchFamily="34" charset="0"/>
+                <a:cs typeface="Times New Roman" panose="02020603050405020304" pitchFamily="18" charset="0"/>
+              </a:rPr>
+              <a:t> con 1 target a rotazione tra </a:t>
             </a:r>
             <a:r>
               <a:rPr lang="it-IT" sz="1600" i="1" dirty="0">
@@ -26447,7 +27037,23 @@
                 <a:ea typeface="Calibri" panose="020F0502020204030204" pitchFamily="34" charset="0"/>
                 <a:cs typeface="Times New Roman" panose="02020603050405020304" pitchFamily="18" charset="0"/>
               </a:rPr>
-              <a:t>Utilizzo di 2 diversi metodi.</a:t>
+              <a:t>Utilizzo di 2 diversi </a:t>
+            </a:r>
+            <a:r>
+              <a:rPr lang="it-IT" sz="1600" b="1" dirty="0">
+                <a:latin typeface="Calibri" panose="020F0502020204030204" pitchFamily="34" charset="0"/>
+                <a:ea typeface="Calibri" panose="020F0502020204030204" pitchFamily="34" charset="0"/>
+                <a:cs typeface="Times New Roman" panose="02020603050405020304" pitchFamily="18" charset="0"/>
+              </a:rPr>
+              <a:t>metodi</a:t>
+            </a:r>
+            <a:r>
+              <a:rPr lang="it-IT" sz="1600" dirty="0">
+                <a:latin typeface="Calibri" panose="020F0502020204030204" pitchFamily="34" charset="0"/>
+                <a:ea typeface="Calibri" panose="020F0502020204030204" pitchFamily="34" charset="0"/>
+                <a:cs typeface="Times New Roman" panose="02020603050405020304" pitchFamily="18" charset="0"/>
+              </a:rPr>
+              <a:t>.</a:t>
             </a:r>
           </a:p>
         </p:txBody>
@@ -26501,7 +27107,17 @@
                 <a:latin typeface="Calibri" panose="020F0502020204030204" pitchFamily="34" charset="0"/>
                 <a:cs typeface="Calibri" panose="020F0502020204030204" pitchFamily="34" charset="0"/>
               </a:rPr>
-              <a:t>dataset con i valori originali.</a:t>
+              <a:t>dataset con i valori </a:t>
+            </a:r>
+            <a:r>
+              <a:rPr lang="it-IT" b="1" dirty="0">
+                <a:solidFill>
+                  <a:srgbClr val="C00000"/>
+                </a:solidFill>
+                <a:latin typeface="Calibri" panose="020F0502020204030204" pitchFamily="34" charset="0"/>
+                <a:cs typeface="Calibri" panose="020F0502020204030204" pitchFamily="34" charset="0"/>
+              </a:rPr>
+              <a:t>originali.</a:t>
             </a:r>
           </a:p>
           <a:p>
@@ -26521,7 +27137,24 @@
                 <a:latin typeface="Calibri" panose="020F0502020204030204" pitchFamily="34" charset="0"/>
                 <a:cs typeface="Calibri" panose="020F0502020204030204" pitchFamily="34" charset="0"/>
               </a:rPr>
-              <a:t>dataset con i valori standardizzati (normalizzazione Z-score).</a:t>
+              <a:t>dataset con i valori </a:t>
+            </a:r>
+            <a:r>
+              <a:rPr lang="it-IT" b="1" dirty="0">
+                <a:solidFill>
+                  <a:srgbClr val="C00000"/>
+                </a:solidFill>
+                <a:latin typeface="Calibri" panose="020F0502020204030204" pitchFamily="34" charset="0"/>
+                <a:cs typeface="Calibri" panose="020F0502020204030204" pitchFamily="34" charset="0"/>
+              </a:rPr>
+              <a:t>standardizzati</a:t>
+            </a:r>
+            <a:r>
+              <a:rPr lang="it-IT" dirty="0">
+                <a:latin typeface="Calibri" panose="020F0502020204030204" pitchFamily="34" charset="0"/>
+                <a:cs typeface="Calibri" panose="020F0502020204030204" pitchFamily="34" charset="0"/>
+              </a:rPr>
+              <a:t> (normalizzazione Z-score).</a:t>
             </a:r>
           </a:p>
           <a:p>
@@ -26544,7 +27177,24 @@
                 <a:latin typeface="Calibri" panose="020F0502020204030204" pitchFamily="34" charset="0"/>
                 <a:cs typeface="Calibri" panose="020F0502020204030204" pitchFamily="34" charset="0"/>
               </a:rPr>
-              <a:t>dataset con i valori normalizzati (normalizzazione Min-Max scaling).</a:t>
+              <a:t>dataset con i valori </a:t>
+            </a:r>
+            <a:r>
+              <a:rPr lang="it-IT" b="1" dirty="0">
+                <a:solidFill>
+                  <a:srgbClr val="C00000"/>
+                </a:solidFill>
+                <a:latin typeface="Calibri" panose="020F0502020204030204" pitchFamily="34" charset="0"/>
+                <a:cs typeface="Calibri" panose="020F0502020204030204" pitchFamily="34" charset="0"/>
+              </a:rPr>
+              <a:t>normalizzati</a:t>
+            </a:r>
+            <a:r>
+              <a:rPr lang="it-IT" dirty="0">
+                <a:latin typeface="Calibri" panose="020F0502020204030204" pitchFamily="34" charset="0"/>
+                <a:cs typeface="Calibri" panose="020F0502020204030204" pitchFamily="34" charset="0"/>
+              </a:rPr>
+              <a:t> (normalizzazione Min-Max scaling).</a:t>
             </a:r>
           </a:p>
           <a:p>
@@ -26600,13 +27250,23 @@
               </a:tabLst>
             </a:pPr>
             <a:r>
+              <a:rPr lang="it-IT" b="1" dirty="0">
+                <a:solidFill>
+                  <a:srgbClr val="C00000"/>
+                </a:solidFill>
+                <a:latin typeface="Calibri" panose="020F0502020204030204" pitchFamily="34" charset="0"/>
+                <a:cs typeface="Calibri" panose="020F0502020204030204" pitchFamily="34" charset="0"/>
+              </a:rPr>
+              <a:t>Simple Holdout </a:t>
+            </a:r>
+            <a:r>
               <a:rPr lang="it-IT" dirty="0">
                 <a:effectLst/>
                 <a:latin typeface="Calibri" panose="020F0502020204030204" pitchFamily="34" charset="0"/>
                 <a:ea typeface="Calibri" panose="020F0502020204030204" pitchFamily="34" charset="0"/>
                 <a:cs typeface="Calibri" panose="020F0502020204030204" pitchFamily="34" charset="0"/>
               </a:rPr>
-              <a:t>Simple Holdout con iper-parametri di default.</a:t>
+              <a:t>con iper-parametri di default.</a:t>
             </a:r>
           </a:p>
           <a:p>
@@ -26631,7 +27291,17 @@
                 <a:ea typeface="Calibri" panose="020F0502020204030204" pitchFamily="34" charset="0"/>
                 <a:cs typeface="Calibri" panose="020F0502020204030204" pitchFamily="34" charset="0"/>
               </a:rPr>
-              <a:t>Tuning degli iper-parametri con la GridSearchCV.</a:t>
+              <a:t>Tuning degli iper-parametri con la </a:t>
+            </a:r>
+            <a:r>
+              <a:rPr lang="it-IT" b="1" dirty="0">
+                <a:solidFill>
+                  <a:srgbClr val="C00000"/>
+                </a:solidFill>
+                <a:latin typeface="Calibri" panose="020F0502020204030204" pitchFamily="34" charset="0"/>
+                <a:cs typeface="Calibri" panose="020F0502020204030204" pitchFamily="34" charset="0"/>
+              </a:rPr>
+              <a:t>GridSearchCV.</a:t>
             </a:r>
           </a:p>
           <a:p>
@@ -26737,6 +27407,218 @@
   <p:clrMapOvr>
     <a:masterClrMapping/>
   </p:clrMapOvr>
+  <p:timing>
+    <p:tnLst>
+      <p:par>
+        <p:cTn id="1" dur="indefinite" restart="never" nodeType="tmRoot">
+          <p:childTnLst>
+            <p:seq concurrent="1" nextAc="seek">
+              <p:cTn id="2" dur="indefinite" nodeType="mainSeq">
+                <p:childTnLst>
+                  <p:par>
+                    <p:cTn id="3" fill="hold">
+                      <p:stCondLst>
+                        <p:cond delay="indefinite"/>
+                      </p:stCondLst>
+                      <p:childTnLst>
+                        <p:par>
+                          <p:cTn id="4" fill="hold">
+                            <p:stCondLst>
+                              <p:cond delay="0"/>
+                            </p:stCondLst>
+                            <p:childTnLst>
+                              <p:par>
+                                <p:cTn id="5" presetID="10" presetClass="entr" presetSubtype="0" fill="hold" grpId="0" nodeType="clickEffect">
+                                  <p:stCondLst>
+                                    <p:cond delay="0"/>
+                                  </p:stCondLst>
+                                  <p:childTnLst>
+                                    <p:set>
+                                      <p:cBhvr>
+                                        <p:cTn id="6" dur="1" fill="hold">
+                                          <p:stCondLst>
+                                            <p:cond delay="0"/>
+                                          </p:stCondLst>
+                                        </p:cTn>
+                                        <p:tgtEl>
+                                          <p:spTgt spid="32"/>
+                                        </p:tgtEl>
+                                        <p:attrNameLst>
+                                          <p:attrName>style.visibility</p:attrName>
+                                        </p:attrNameLst>
+                                      </p:cBhvr>
+                                      <p:to>
+                                        <p:strVal val="visible"/>
+                                      </p:to>
+                                    </p:set>
+                                    <p:animEffect transition="in" filter="fade">
+                                      <p:cBhvr>
+                                        <p:cTn id="7" dur="500"/>
+                                        <p:tgtEl>
+                                          <p:spTgt spid="32"/>
+                                        </p:tgtEl>
+                                      </p:cBhvr>
+                                    </p:animEffect>
+                                  </p:childTnLst>
+                                </p:cTn>
+                              </p:par>
+                              <p:par>
+                                <p:cTn id="8" presetID="10" presetClass="entr" presetSubtype="0" fill="hold" grpId="0" nodeType="withEffect">
+                                  <p:stCondLst>
+                                    <p:cond delay="0"/>
+                                  </p:stCondLst>
+                                  <p:childTnLst>
+                                    <p:set>
+                                      <p:cBhvr>
+                                        <p:cTn id="9" dur="1" fill="hold">
+                                          <p:stCondLst>
+                                            <p:cond delay="0"/>
+                                          </p:stCondLst>
+                                        </p:cTn>
+                                        <p:tgtEl>
+                                          <p:spTgt spid="3"/>
+                                        </p:tgtEl>
+                                        <p:attrNameLst>
+                                          <p:attrName>style.visibility</p:attrName>
+                                        </p:attrNameLst>
+                                      </p:cBhvr>
+                                      <p:to>
+                                        <p:strVal val="visible"/>
+                                      </p:to>
+                                    </p:set>
+                                    <p:animEffect transition="in" filter="fade">
+                                      <p:cBhvr>
+                                        <p:cTn id="10" dur="500"/>
+                                        <p:tgtEl>
+                                          <p:spTgt spid="3"/>
+                                        </p:tgtEl>
+                                      </p:cBhvr>
+                                    </p:animEffect>
+                                  </p:childTnLst>
+                                </p:cTn>
+                              </p:par>
+                            </p:childTnLst>
+                          </p:cTn>
+                        </p:par>
+                      </p:childTnLst>
+                    </p:cTn>
+                  </p:par>
+                  <p:par>
+                    <p:cTn id="11" fill="hold">
+                      <p:stCondLst>
+                        <p:cond delay="indefinite"/>
+                      </p:stCondLst>
+                      <p:childTnLst>
+                        <p:par>
+                          <p:cTn id="12" fill="hold">
+                            <p:stCondLst>
+                              <p:cond delay="0"/>
+                            </p:stCondLst>
+                            <p:childTnLst>
+                              <p:par>
+                                <p:cTn id="13" presetID="10" presetClass="entr" presetSubtype="0" fill="hold" grpId="0" nodeType="clickEffect">
+                                  <p:stCondLst>
+                                    <p:cond delay="0"/>
+                                  </p:stCondLst>
+                                  <p:childTnLst>
+                                    <p:set>
+                                      <p:cBhvr>
+                                        <p:cTn id="14" dur="1" fill="hold">
+                                          <p:stCondLst>
+                                            <p:cond delay="0"/>
+                                          </p:stCondLst>
+                                        </p:cTn>
+                                        <p:tgtEl>
+                                          <p:spTgt spid="30"/>
+                                        </p:tgtEl>
+                                        <p:attrNameLst>
+                                          <p:attrName>style.visibility</p:attrName>
+                                        </p:attrNameLst>
+                                      </p:cBhvr>
+                                      <p:to>
+                                        <p:strVal val="visible"/>
+                                      </p:to>
+                                    </p:set>
+                                    <p:animEffect transition="in" filter="fade">
+                                      <p:cBhvr>
+                                        <p:cTn id="15" dur="500"/>
+                                        <p:tgtEl>
+                                          <p:spTgt spid="30"/>
+                                        </p:tgtEl>
+                                      </p:cBhvr>
+                                    </p:animEffect>
+                                  </p:childTnLst>
+                                </p:cTn>
+                              </p:par>
+                              <p:par>
+                                <p:cTn id="16" presetID="10" presetClass="entr" presetSubtype="0" fill="hold" grpId="0" nodeType="withEffect">
+                                  <p:stCondLst>
+                                    <p:cond delay="0"/>
+                                  </p:stCondLst>
+                                  <p:childTnLst>
+                                    <p:set>
+                                      <p:cBhvr>
+                                        <p:cTn id="17" dur="1" fill="hold">
+                                          <p:stCondLst>
+                                            <p:cond delay="0"/>
+                                          </p:stCondLst>
+                                        </p:cTn>
+                                        <p:tgtEl>
+                                          <p:spTgt spid="4"/>
+                                        </p:tgtEl>
+                                        <p:attrNameLst>
+                                          <p:attrName>style.visibility</p:attrName>
+                                        </p:attrNameLst>
+                                      </p:cBhvr>
+                                      <p:to>
+                                        <p:strVal val="visible"/>
+                                      </p:to>
+                                    </p:set>
+                                    <p:animEffect transition="in" filter="fade">
+                                      <p:cBhvr>
+                                        <p:cTn id="18" dur="500"/>
+                                        <p:tgtEl>
+                                          <p:spTgt spid="4"/>
+                                        </p:tgtEl>
+                                      </p:cBhvr>
+                                    </p:animEffect>
+                                  </p:childTnLst>
+                                </p:cTn>
+                              </p:par>
+                            </p:childTnLst>
+                          </p:cTn>
+                        </p:par>
+                      </p:childTnLst>
+                    </p:cTn>
+                  </p:par>
+                </p:childTnLst>
+              </p:cTn>
+              <p:prevCondLst>
+                <p:cond evt="onPrev" delay="0">
+                  <p:tgtEl>
+                    <p:sldTgt/>
+                  </p:tgtEl>
+                </p:cond>
+              </p:prevCondLst>
+              <p:nextCondLst>
+                <p:cond evt="onNext" delay="0">
+                  <p:tgtEl>
+                    <p:sldTgt/>
+                  </p:tgtEl>
+                </p:cond>
+              </p:nextCondLst>
+            </p:seq>
+          </p:childTnLst>
+        </p:cTn>
+      </p:par>
+    </p:tnLst>
+    <p:bldLst>
+      <p:bldP spid="3" grpId="0" animBg="1"/>
+      <p:bldP spid="4" grpId="0" animBg="1"/>
+      <p:bldP spid="30" grpId="0" animBg="1"/>
+      <p:bldP spid="32" grpId="0" animBg="1"/>
+    </p:bldLst>
+  </p:timing>
 </p:sld>
 </file>
 
@@ -26814,7 +27696,7 @@
                 <a:latin typeface="Roboto"/>
                 <a:ea typeface="Roboto"/>
               </a:rPr>
-              <a:t>MLP con 3 feature - risultati</a:t>
+              <a:t>MLP con tre feature – R2 ottenuti</a:t>
             </a:r>
           </a:p>
           <a:p>
@@ -27991,7 +28873,7 @@
         </p:nvSpPr>
         <p:spPr>
           <a:xfrm>
-            <a:off x="6736081" y="1850760"/>
+            <a:off x="6736081" y="1402080"/>
             <a:ext cx="1961197" cy="573300"/>
           </a:xfrm>
           <a:prstGeom prst="roundRect">
@@ -28022,7 +28904,7 @@
               <a:buNone/>
             </a:pPr>
             <a:r>
-              <a:rPr lang="it" sz="1200" b="1" dirty="0">
+              <a:rPr lang="it" sz="1200" b="1" u="sng" dirty="0">
                 <a:solidFill>
                   <a:srgbClr val="FFFFFF"/>
                 </a:solidFill>
@@ -28114,7 +28996,7 @@
         </p:nvSpPr>
         <p:spPr>
           <a:xfrm>
-            <a:off x="518160" y="3580183"/>
+            <a:off x="518159" y="3937933"/>
             <a:ext cx="1961197" cy="573300"/>
           </a:xfrm>
           <a:prstGeom prst="roundRect">
@@ -28145,7 +29027,7 @@
               <a:buNone/>
             </a:pPr>
             <a:r>
-              <a:rPr lang="it" sz="1200" b="1" dirty="0">
+              <a:rPr lang="it" sz="1200" b="1" u="sng" dirty="0">
                 <a:solidFill>
                   <a:srgbClr val="FFFFFF"/>
                 </a:solidFill>
@@ -28229,6 +29111,210 @@
   <p:clrMapOvr>
     <a:masterClrMapping/>
   </p:clrMapOvr>
+  <p:timing>
+    <p:tnLst>
+      <p:par>
+        <p:cTn id="1" dur="indefinite" restart="never" nodeType="tmRoot">
+          <p:childTnLst>
+            <p:seq concurrent="1" nextAc="seek">
+              <p:cTn id="2" dur="indefinite" nodeType="mainSeq">
+                <p:childTnLst>
+                  <p:par>
+                    <p:cTn id="3" fill="hold">
+                      <p:stCondLst>
+                        <p:cond delay="indefinite"/>
+                        <p:cond evt="onBegin" delay="0">
+                          <p:tn val="2"/>
+                        </p:cond>
+                      </p:stCondLst>
+                      <p:childTnLst>
+                        <p:par>
+                          <p:cTn id="4" fill="hold">
+                            <p:stCondLst>
+                              <p:cond delay="0"/>
+                            </p:stCondLst>
+                            <p:childTnLst>
+                              <p:par>
+                                <p:cTn id="5" presetID="10" presetClass="entr" presetSubtype="0" fill="hold" nodeType="withEffect">
+                                  <p:stCondLst>
+                                    <p:cond delay="0"/>
+                                  </p:stCondLst>
+                                  <p:childTnLst>
+                                    <p:set>
+                                      <p:cBhvr>
+                                        <p:cTn id="6" dur="1" fill="hold">
+                                          <p:stCondLst>
+                                            <p:cond delay="0"/>
+                                          </p:stCondLst>
+                                        </p:cTn>
+                                        <p:tgtEl>
+                                          <p:spTgt spid="28"/>
+                                        </p:tgtEl>
+                                        <p:attrNameLst>
+                                          <p:attrName>style.visibility</p:attrName>
+                                        </p:attrNameLst>
+                                      </p:cBhvr>
+                                      <p:to>
+                                        <p:strVal val="visible"/>
+                                      </p:to>
+                                    </p:set>
+                                    <p:animEffect transition="in" filter="fade">
+                                      <p:cBhvr>
+                                        <p:cTn id="7" dur="500"/>
+                                        <p:tgtEl>
+                                          <p:spTgt spid="28"/>
+                                        </p:tgtEl>
+                                      </p:cBhvr>
+                                    </p:animEffect>
+                                  </p:childTnLst>
+                                </p:cTn>
+                              </p:par>
+                              <p:par>
+                                <p:cTn id="8" presetID="10" presetClass="entr" presetSubtype="0" fill="hold" grpId="0" nodeType="withEffect">
+                                  <p:stCondLst>
+                                    <p:cond delay="0"/>
+                                  </p:stCondLst>
+                                  <p:childTnLst>
+                                    <p:set>
+                                      <p:cBhvr>
+                                        <p:cTn id="9" dur="1" fill="hold">
+                                          <p:stCondLst>
+                                            <p:cond delay="0"/>
+                                          </p:stCondLst>
+                                        </p:cTn>
+                                        <p:tgtEl>
+                                          <p:spTgt spid="31"/>
+                                        </p:tgtEl>
+                                        <p:attrNameLst>
+                                          <p:attrName>style.visibility</p:attrName>
+                                        </p:attrNameLst>
+                                      </p:cBhvr>
+                                      <p:to>
+                                        <p:strVal val="visible"/>
+                                      </p:to>
+                                    </p:set>
+                                    <p:animEffect transition="in" filter="fade">
+                                      <p:cBhvr>
+                                        <p:cTn id="10" dur="500"/>
+                                        <p:tgtEl>
+                                          <p:spTgt spid="31"/>
+                                        </p:tgtEl>
+                                      </p:cBhvr>
+                                    </p:animEffect>
+                                  </p:childTnLst>
+                                </p:cTn>
+                              </p:par>
+                            </p:childTnLst>
+                          </p:cTn>
+                        </p:par>
+                        <p:par>
+                          <p:cTn id="11" fill="hold">
+                            <p:stCondLst>
+                              <p:cond delay="500"/>
+                            </p:stCondLst>
+                            <p:childTnLst>
+                              <p:par>
+                                <p:cTn id="12" presetID="10" presetClass="entr" presetSubtype="0" fill="hold" nodeType="afterEffect">
+                                  <p:stCondLst>
+                                    <p:cond delay="500"/>
+                                  </p:stCondLst>
+                                  <p:childTnLst>
+                                    <p:set>
+                                      <p:cBhvr>
+                                        <p:cTn id="13" dur="1" fill="hold">
+                                          <p:stCondLst>
+                                            <p:cond delay="0"/>
+                                          </p:stCondLst>
+                                        </p:cTn>
+                                        <p:tgtEl>
+                                          <p:spTgt spid="3"/>
+                                        </p:tgtEl>
+                                        <p:attrNameLst>
+                                          <p:attrName>style.visibility</p:attrName>
+                                        </p:attrNameLst>
+                                      </p:cBhvr>
+                                      <p:to>
+                                        <p:strVal val="visible"/>
+                                      </p:to>
+                                    </p:set>
+                                    <p:animEffect transition="in" filter="fade">
+                                      <p:cBhvr>
+                                        <p:cTn id="14" dur="500"/>
+                                        <p:tgtEl>
+                                          <p:spTgt spid="3"/>
+                                        </p:tgtEl>
+                                      </p:cBhvr>
+                                    </p:animEffect>
+                                  </p:childTnLst>
+                                </p:cTn>
+                              </p:par>
+                              <p:par>
+                                <p:cTn id="15" presetID="10" presetClass="entr" presetSubtype="0" fill="hold" grpId="0" nodeType="withEffect">
+                                  <p:stCondLst>
+                                    <p:cond delay="500"/>
+                                  </p:stCondLst>
+                                  <p:childTnLst>
+                                    <p:set>
+                                      <p:cBhvr>
+                                        <p:cTn id="16" dur="1" fill="hold">
+                                          <p:stCondLst>
+                                            <p:cond delay="0"/>
+                                          </p:stCondLst>
+                                        </p:cTn>
+                                        <p:tgtEl>
+                                          <p:spTgt spid="32"/>
+                                        </p:tgtEl>
+                                        <p:attrNameLst>
+                                          <p:attrName>style.visibility</p:attrName>
+                                        </p:attrNameLst>
+                                      </p:cBhvr>
+                                      <p:to>
+                                        <p:strVal val="visible"/>
+                                      </p:to>
+                                    </p:set>
+                                    <p:animEffect transition="in" filter="fade">
+                                      <p:cBhvr>
+                                        <p:cTn id="17" dur="500"/>
+                                        <p:tgtEl>
+                                          <p:spTgt spid="32"/>
+                                        </p:tgtEl>
+                                      </p:cBhvr>
+                                    </p:animEffect>
+                                  </p:childTnLst>
+                                </p:cTn>
+                              </p:par>
+                            </p:childTnLst>
+                          </p:cTn>
+                        </p:par>
+                      </p:childTnLst>
+                    </p:cTn>
+                  </p:par>
+                </p:childTnLst>
+              </p:cTn>
+              <p:prevCondLst>
+                <p:cond evt="onPrev" delay="0">
+                  <p:tgtEl>
+                    <p:sldTgt/>
+                  </p:tgtEl>
+                </p:cond>
+              </p:prevCondLst>
+              <p:nextCondLst>
+                <p:cond evt="onNext" delay="0">
+                  <p:tgtEl>
+                    <p:sldTgt/>
+                  </p:tgtEl>
+                </p:cond>
+              </p:nextCondLst>
+            </p:seq>
+          </p:childTnLst>
+        </p:cTn>
+      </p:par>
+    </p:tnLst>
+    <p:bldLst>
+      <p:bldP spid="31" grpId="0" animBg="1"/>
+      <p:bldP spid="32" grpId="0" animBg="1"/>
+    </p:bldLst>
+  </p:timing>
 </p:sld>
 </file>
 
@@ -28273,8 +29359,8 @@
         </p:nvSpPr>
         <p:spPr>
           <a:xfrm>
-            <a:off x="495254" y="377912"/>
-            <a:ext cx="6524801" cy="649500"/>
+            <a:off x="512706" y="331022"/>
+            <a:ext cx="6465163" cy="649500"/>
           </a:xfrm>
           <a:prstGeom prst="rect">
             <a:avLst/>
@@ -28306,7 +29392,7 @@
                 <a:latin typeface="Roboto"/>
                 <a:ea typeface="Roboto"/>
               </a:rPr>
-              <a:t>MLP con feature nTraces</a:t>
+              <a:t>3.3) MLP con feature nTraces</a:t>
             </a:r>
           </a:p>
           <a:p>
@@ -29397,8 +30483,8 @@
           </a:p>
         </p:txBody>
       </p:sp>
-      <mc:AlternateContent xmlns:mc="http://schemas.openxmlformats.org/markup-compatibility/2006">
-        <mc:Choice xmlns:a14="http://schemas.microsoft.com/office/drawing/2010/main" Requires="a14">
+      <mc:AlternateContent xmlns:mc="http://schemas.openxmlformats.org/markup-compatibility/2006" xmlns:a14="http://schemas.microsoft.com/office/drawing/2010/main">
+        <mc:Choice Requires="a14">
           <p:sp>
             <p:nvSpPr>
               <p:cNvPr id="29" name="CasellaDiTesto 28">
@@ -29938,7 +31024,7 @@
             </p:txBody>
           </p:sp>
         </mc:Choice>
-        <mc:Fallback>
+        <mc:Fallback xmlns="">
           <p:sp>
             <p:nvSpPr>
               <p:cNvPr id="29" name="CasellaDiTesto 28">
@@ -30293,144 +31379,84 @@
           </a:p>
         </p:txBody>
       </p:sp>
-      <p:grpSp>
-        <p:nvGrpSpPr>
-          <p:cNvPr id="10" name="Gruppo 9">
+      <p:pic>
+        <p:nvPicPr>
+          <p:cNvPr id="5" name="Immagine 4">
             <a:extLst>
               <a:ext uri="{FF2B5EF4-FFF2-40B4-BE49-F238E27FC236}">
-                <a16:creationId xmlns:a16="http://schemas.microsoft.com/office/drawing/2014/main" id="{3BD2BF1E-660C-4C40-86B9-8107E6ECE846}"/>
+                <a16:creationId xmlns:a16="http://schemas.microsoft.com/office/drawing/2014/main" id="{EB22FE96-995A-4CE0-B404-76D575C77F58}"/>
               </a:ext>
             </a:extLst>
           </p:cNvPr>
-          <p:cNvGrpSpPr/>
+          <p:cNvPicPr>
+            <a:picLocks noChangeAspect="1"/>
+          </p:cNvPicPr>
           <p:nvPr/>
-        </p:nvGrpSpPr>
-        <p:grpSpPr>
+        </p:nvPicPr>
+        <p:blipFill rotWithShape="1">
+          <a:blip r:embed="rId4"/>
+          <a:srcRect l="896" r="1145"/>
+          <a:stretch/>
+        </p:blipFill>
+        <p:spPr>
           <a:xfrm>
             <a:off x="612426" y="2738146"/>
             <a:ext cx="6699348" cy="2138751"/>
-            <a:chOff x="612426" y="2738146"/>
-            <a:chExt cx="6699348" cy="2138751"/>
           </a:xfrm>
-        </p:grpSpPr>
-        <p:pic>
-          <p:nvPicPr>
-            <p:cNvPr id="5" name="Immagine 4">
-              <a:extLst>
-                <a:ext uri="{FF2B5EF4-FFF2-40B4-BE49-F238E27FC236}">
-                  <a16:creationId xmlns:a16="http://schemas.microsoft.com/office/drawing/2014/main" id="{EB22FE96-995A-4CE0-B404-76D575C77F58}"/>
-                </a:ext>
-              </a:extLst>
-            </p:cNvPr>
-            <p:cNvPicPr>
-              <a:picLocks noChangeAspect="1"/>
-            </p:cNvPicPr>
-            <p:nvPr/>
-          </p:nvPicPr>
-          <p:blipFill rotWithShape="1">
-            <a:blip r:embed="rId4"/>
-            <a:srcRect l="896" r="1145"/>
-            <a:stretch/>
-          </p:blipFill>
-          <p:spPr>
-            <a:xfrm>
-              <a:off x="612426" y="2738146"/>
-              <a:ext cx="6699348" cy="2138751"/>
-            </a:xfrm>
-            <a:prstGeom prst="rect">
-              <a:avLst/>
-            </a:prstGeom>
-            <a:effectLst>
-              <a:outerShdw blurRad="50800" dist="38100" dir="8100000" algn="tr" rotWithShape="0">
-                <a:prstClr val="black">
-                  <a:alpha val="40000"/>
-                </a:prstClr>
-              </a:outerShdw>
-            </a:effectLst>
-          </p:spPr>
-        </p:pic>
-        <p:sp>
-          <p:nvSpPr>
-            <p:cNvPr id="8" name="Rettangolo 7">
-              <a:extLst>
-                <a:ext uri="{FF2B5EF4-FFF2-40B4-BE49-F238E27FC236}">
-                  <a16:creationId xmlns:a16="http://schemas.microsoft.com/office/drawing/2014/main" id="{059BA139-36BE-4D10-8187-21A41F97E56E}"/>
-                </a:ext>
-              </a:extLst>
-            </p:cNvPr>
-            <p:cNvSpPr/>
-            <p:nvPr/>
-          </p:nvSpPr>
-          <p:spPr>
-            <a:xfrm>
-              <a:off x="1847466" y="4264619"/>
-              <a:ext cx="1584960" cy="246421"/>
-            </a:xfrm>
-            <a:prstGeom prst="rect">
-              <a:avLst/>
-            </a:prstGeom>
-            <a:noFill/>
-          </p:spPr>
-          <p:style>
-            <a:lnRef idx="2">
-              <a:schemeClr val="accent1"/>
-            </a:lnRef>
-            <a:fillRef idx="1">
-              <a:schemeClr val="lt1"/>
-            </a:fillRef>
-            <a:effectRef idx="0">
-              <a:schemeClr val="accent1"/>
-            </a:effectRef>
-            <a:fontRef idx="minor">
-              <a:schemeClr val="dk1"/>
-            </a:fontRef>
-          </p:style>
-          <p:txBody>
-            <a:bodyPr rtlCol="0" anchor="ctr"/>
-            <a:lstStyle/>
-            <a:p>
-              <a:pPr algn="ctr"/>
-              <a:endParaRPr lang="it-IT"/>
-            </a:p>
-          </p:txBody>
-        </p:sp>
-      </p:grpSp>
+          <a:prstGeom prst="rect">
+            <a:avLst/>
+          </a:prstGeom>
+          <a:effectLst>
+            <a:outerShdw blurRad="50800" dist="38100" dir="8100000" algn="tr" rotWithShape="0">
+              <a:prstClr val="black">
+                <a:alpha val="40000"/>
+              </a:prstClr>
+            </a:outerShdw>
+          </a:effectLst>
+        </p:spPr>
+      </p:pic>
       <p:sp>
         <p:nvSpPr>
-          <p:cNvPr id="46" name="CasellaDiTesto 45">
+          <p:cNvPr id="8" name="Rettangolo 7">
             <a:extLst>
               <a:ext uri="{FF2B5EF4-FFF2-40B4-BE49-F238E27FC236}">
-                <a16:creationId xmlns:a16="http://schemas.microsoft.com/office/drawing/2014/main" id="{DD6007A1-8400-4FAA-A873-3EB3094A899A}"/>
+                <a16:creationId xmlns:a16="http://schemas.microsoft.com/office/drawing/2014/main" id="{059BA139-36BE-4D10-8187-21A41F97E56E}"/>
               </a:ext>
             </a:extLst>
           </p:cNvPr>
-          <p:cNvSpPr txBox="1"/>
+          <p:cNvSpPr/>
           <p:nvPr/>
         </p:nvSpPr>
         <p:spPr>
           <a:xfrm>
-            <a:off x="6913087" y="2864804"/>
-            <a:ext cx="1046099" cy="523220"/>
+            <a:off x="1847466" y="4264619"/>
+            <a:ext cx="1584960" cy="246421"/>
           </a:xfrm>
           <a:prstGeom prst="rect">
             <a:avLst/>
           </a:prstGeom>
           <a:noFill/>
         </p:spPr>
+        <p:style>
+          <a:lnRef idx="2">
+            <a:schemeClr val="accent1"/>
+          </a:lnRef>
+          <a:fillRef idx="1">
+            <a:schemeClr val="lt1"/>
+          </a:fillRef>
+          <a:effectRef idx="0">
+            <a:schemeClr val="accent1"/>
+          </a:effectRef>
+          <a:fontRef idx="minor">
+            <a:schemeClr val="dk1"/>
+          </a:fontRef>
+        </p:style>
         <p:txBody>
-          <a:bodyPr wrap="square" rtlCol="0">
-            <a:spAutoFit/>
-          </a:bodyPr>
+          <a:bodyPr rtlCol="0" anchor="ctr"/>
           <a:lstStyle/>
           <a:p>
-            <a:r>
-              <a:rPr lang="it-IT" b="1" dirty="0">
-                <a:solidFill>
-                  <a:srgbClr val="FF0000"/>
-                </a:solidFill>
-              </a:rPr>
-              <a:t>Oppure Grafico?!</a:t>
-            </a:r>
+            <a:pPr algn="ctr"/>
+            <a:endParaRPr lang="it-IT"/>
           </a:p>
         </p:txBody>
       </p:sp>
@@ -30444,6 +31470,219 @@
   <p:clrMapOvr>
     <a:masterClrMapping/>
   </p:clrMapOvr>
+  <p:timing>
+    <p:tnLst>
+      <p:par>
+        <p:cTn id="1" dur="indefinite" restart="never" nodeType="tmRoot">
+          <p:childTnLst>
+            <p:seq concurrent="1" nextAc="seek">
+              <p:cTn id="2" dur="indefinite" nodeType="mainSeq">
+                <p:childTnLst>
+                  <p:par>
+                    <p:cTn id="3" fill="hold">
+                      <p:stCondLst>
+                        <p:cond delay="indefinite"/>
+                        <p:cond evt="onBegin" delay="0">
+                          <p:tn val="2"/>
+                        </p:cond>
+                      </p:stCondLst>
+                      <p:childTnLst>
+                        <p:par>
+                          <p:cTn id="4" fill="hold">
+                            <p:stCondLst>
+                              <p:cond delay="0"/>
+                            </p:stCondLst>
+                            <p:childTnLst>
+                              <p:par>
+                                <p:cTn id="5" presetID="10" presetClass="entr" presetSubtype="0" fill="hold" nodeType="withEffect">
+                                  <p:stCondLst>
+                                    <p:cond delay="750"/>
+                                  </p:stCondLst>
+                                  <p:childTnLst>
+                                    <p:set>
+                                      <p:cBhvr>
+                                        <p:cTn id="6" dur="1" fill="hold">
+                                          <p:stCondLst>
+                                            <p:cond delay="0"/>
+                                          </p:stCondLst>
+                                        </p:cTn>
+                                        <p:tgtEl>
+                                          <p:spTgt spid="5"/>
+                                        </p:tgtEl>
+                                        <p:attrNameLst>
+                                          <p:attrName>style.visibility</p:attrName>
+                                        </p:attrNameLst>
+                                      </p:cBhvr>
+                                      <p:to>
+                                        <p:strVal val="visible"/>
+                                      </p:to>
+                                    </p:set>
+                                    <p:animEffect transition="in" filter="fade">
+                                      <p:cBhvr>
+                                        <p:cTn id="7" dur="500"/>
+                                        <p:tgtEl>
+                                          <p:spTgt spid="5"/>
+                                        </p:tgtEl>
+                                      </p:cBhvr>
+                                    </p:animEffect>
+                                  </p:childTnLst>
+                                </p:cTn>
+                              </p:par>
+                            </p:childTnLst>
+                          </p:cTn>
+                        </p:par>
+                      </p:childTnLst>
+                    </p:cTn>
+                  </p:par>
+                  <p:par>
+                    <p:cTn id="8" fill="hold">
+                      <p:stCondLst>
+                        <p:cond delay="indefinite"/>
+                      </p:stCondLst>
+                      <p:childTnLst>
+                        <p:par>
+                          <p:cTn id="9" fill="hold">
+                            <p:stCondLst>
+                              <p:cond delay="0"/>
+                            </p:stCondLst>
+                            <p:childTnLst>
+                              <p:par>
+                                <p:cTn id="10" presetID="10" presetClass="entr" presetSubtype="0" fill="hold" grpId="0" nodeType="clickEffect">
+                                  <p:stCondLst>
+                                    <p:cond delay="0"/>
+                                  </p:stCondLst>
+                                  <p:childTnLst>
+                                    <p:set>
+                                      <p:cBhvr>
+                                        <p:cTn id="11" dur="1" fill="hold">
+                                          <p:stCondLst>
+                                            <p:cond delay="0"/>
+                                          </p:stCondLst>
+                                        </p:cTn>
+                                        <p:tgtEl>
+                                          <p:spTgt spid="8"/>
+                                        </p:tgtEl>
+                                        <p:attrNameLst>
+                                          <p:attrName>style.visibility</p:attrName>
+                                        </p:attrNameLst>
+                                      </p:cBhvr>
+                                      <p:to>
+                                        <p:strVal val="visible"/>
+                                      </p:to>
+                                    </p:set>
+                                    <p:animEffect transition="in" filter="fade">
+                                      <p:cBhvr>
+                                        <p:cTn id="12" dur="500"/>
+                                        <p:tgtEl>
+                                          <p:spTgt spid="8"/>
+                                        </p:tgtEl>
+                                      </p:cBhvr>
+                                    </p:animEffect>
+                                  </p:childTnLst>
+                                </p:cTn>
+                              </p:par>
+                              <p:par>
+                                <p:cTn id="13" presetID="10" presetClass="entr" presetSubtype="0" fill="hold" grpId="0" nodeType="withEffect">
+                                  <p:stCondLst>
+                                    <p:cond delay="750"/>
+                                  </p:stCondLst>
+                                  <p:childTnLst>
+                                    <p:set>
+                                      <p:cBhvr>
+                                        <p:cTn id="14" dur="1" fill="hold">
+                                          <p:stCondLst>
+                                            <p:cond delay="0"/>
+                                          </p:stCondLst>
+                                        </p:cTn>
+                                        <p:tgtEl>
+                                          <p:spTgt spid="7"/>
+                                        </p:tgtEl>
+                                        <p:attrNameLst>
+                                          <p:attrName>style.visibility</p:attrName>
+                                        </p:attrNameLst>
+                                      </p:cBhvr>
+                                      <p:to>
+                                        <p:strVal val="visible"/>
+                                      </p:to>
+                                    </p:set>
+                                    <p:animEffect transition="in" filter="fade">
+                                      <p:cBhvr>
+                                        <p:cTn id="15" dur="500"/>
+                                        <p:tgtEl>
+                                          <p:spTgt spid="7"/>
+                                        </p:tgtEl>
+                                      </p:cBhvr>
+                                    </p:animEffect>
+                                  </p:childTnLst>
+                                </p:cTn>
+                              </p:par>
+                              <p:par>
+                                <p:cTn id="16" presetID="10" presetClass="entr" presetSubtype="0" fill="hold" nodeType="withEffect">
+                                  <p:stCondLst>
+                                    <p:cond delay="750"/>
+                                  </p:stCondLst>
+                                  <p:childTnLst>
+                                    <p:set>
+                                      <p:cBhvr>
+                                        <p:cTn id="17" dur="1" fill="hold">
+                                          <p:stCondLst>
+                                            <p:cond delay="0"/>
+                                          </p:stCondLst>
+                                        </p:cTn>
+                                        <p:tgtEl>
+                                          <p:spTgt spid="6"/>
+                                        </p:tgtEl>
+                                        <p:attrNameLst>
+                                          <p:attrName>style.visibility</p:attrName>
+                                        </p:attrNameLst>
+                                      </p:cBhvr>
+                                      <p:to>
+                                        <p:strVal val="visible"/>
+                                      </p:to>
+                                    </p:set>
+                                    <p:animEffect transition="in" filter="fade">
+                                      <p:cBhvr>
+                                        <p:cTn id="18" dur="500"/>
+                                        <p:tgtEl>
+                                          <p:spTgt spid="6"/>
+                                        </p:tgtEl>
+                                      </p:cBhvr>
+                                    </p:animEffect>
+                                  </p:childTnLst>
+                                </p:cTn>
+                              </p:par>
+                            </p:childTnLst>
+                          </p:cTn>
+                        </p:par>
+                      </p:childTnLst>
+                    </p:cTn>
+                  </p:par>
+                </p:childTnLst>
+              </p:cTn>
+              <p:prevCondLst>
+                <p:cond evt="onPrev" delay="0">
+                  <p:tgtEl>
+                    <p:sldTgt/>
+                  </p:tgtEl>
+                </p:cond>
+              </p:prevCondLst>
+              <p:nextCondLst>
+                <p:cond evt="onNext" delay="0">
+                  <p:tgtEl>
+                    <p:sldTgt/>
+                  </p:tgtEl>
+                </p:cond>
+              </p:nextCondLst>
+            </p:seq>
+          </p:childTnLst>
+        </p:cTn>
+      </p:par>
+    </p:tnLst>
+    <p:bldLst>
+      <p:bldP spid="7" grpId="0"/>
+      <p:bldP spid="8" grpId="0" animBg="1"/>
+    </p:bldLst>
+  </p:timing>
 </p:sld>
 </file>
 
@@ -30488,7 +31727,7 @@
         </p:nvSpPr>
         <p:spPr>
           <a:xfrm>
-            <a:off x="495254" y="377912"/>
+            <a:off x="495254" y="284132"/>
             <a:ext cx="6524801" cy="649500"/>
           </a:xfrm>
           <a:prstGeom prst="rect">
@@ -30521,7 +31760,7 @@
                 <a:latin typeface="Roboto"/>
                 <a:ea typeface="Roboto"/>
               </a:rPr>
-              <a:t>MLP con feature nTraces - PV - Load</a:t>
+              <a:t>MLP con feature nTraces (2)</a:t>
             </a:r>
           </a:p>
           <a:p>
@@ -31617,6 +32856,1148 @@
           <p:cNvPr id="3" name="Immagine 2">
             <a:extLst>
               <a:ext uri="{FF2B5EF4-FFF2-40B4-BE49-F238E27FC236}">
+                <a16:creationId xmlns:a16="http://schemas.microsoft.com/office/drawing/2014/main" id="{C5FE9EED-0F90-4E18-A60E-4A477AF3ECAE}"/>
+              </a:ext>
+            </a:extLst>
+          </p:cNvPr>
+          <p:cNvPicPr>
+            <a:picLocks noChangeAspect="1"/>
+          </p:cNvPicPr>
+          <p:nvPr/>
+        </p:nvPicPr>
+        <p:blipFill>
+          <a:blip r:embed="rId3"/>
+          <a:stretch>
+            <a:fillRect/>
+          </a:stretch>
+        </p:blipFill>
+        <p:spPr>
+          <a:xfrm>
+            <a:off x="1858609" y="871633"/>
+            <a:ext cx="5411151" cy="4071041"/>
+          </a:xfrm>
+          <a:prstGeom prst="rect">
+            <a:avLst/>
+          </a:prstGeom>
+          <a:effectLst>
+            <a:outerShdw blurRad="50800" dist="38100" dir="8100000" algn="tr" rotWithShape="0">
+              <a:prstClr val="black">
+                <a:alpha val="40000"/>
+              </a:prstClr>
+            </a:outerShdw>
+          </a:effectLst>
+        </p:spPr>
+      </p:pic>
+    </p:spTree>
+    <p:extLst>
+      <p:ext uri="{BB962C8B-B14F-4D97-AF65-F5344CB8AC3E}">
+        <p14:creationId xmlns:p14="http://schemas.microsoft.com/office/powerpoint/2010/main" val="3820770884"/>
+      </p:ext>
+    </p:extLst>
+  </p:cSld>
+  <p:clrMapOvr>
+    <a:masterClrMapping/>
+  </p:clrMapOvr>
+</p:sld>
+</file>
+
+<file path=ppt/slides/slide16.xml><?xml version="1.0" encoding="utf-8"?>
+<p:sld xmlns:a="http://schemas.openxmlformats.org/drawingml/2006/main" xmlns:r="http://schemas.openxmlformats.org/officeDocument/2006/relationships" xmlns:p="http://schemas.openxmlformats.org/presentationml/2006/main">
+  <p:cSld>
+    <p:bg>
+      <p:bgPr>
+        <a:gradFill>
+          <a:gsLst>
+            <a:gs pos="0">
+              <a:srgbClr val="F2F2F2"/>
+            </a:gs>
+            <a:gs pos="100000">
+              <a:srgbClr val="A6A6A6"/>
+            </a:gs>
+          </a:gsLst>
+          <a:lin ang="5400012" scaled="0"/>
+        </a:gradFill>
+        <a:effectLst/>
+      </p:bgPr>
+    </p:bg>
+    <p:spTree>
+      <p:nvGrpSpPr>
+        <p:cNvPr id="1" name="Shape 913"/>
+        <p:cNvGrpSpPr/>
+        <p:nvPr/>
+      </p:nvGrpSpPr>
+      <p:grpSpPr>
+        <a:xfrm>
+          <a:off x="0" y="0"/>
+          <a:ext cx="0" cy="0"/>
+          <a:chOff x="0" y="0"/>
+          <a:chExt cx="0" cy="0"/>
+        </a:xfrm>
+      </p:grpSpPr>
+      <p:sp>
+        <p:nvSpPr>
+          <p:cNvPr id="924" name="Google Shape;924;p87"/>
+          <p:cNvSpPr txBox="1"/>
+          <p:nvPr/>
+        </p:nvSpPr>
+        <p:spPr>
+          <a:xfrm>
+            <a:off x="495254" y="377912"/>
+            <a:ext cx="6524801" cy="649500"/>
+          </a:xfrm>
+          <a:prstGeom prst="rect">
+            <a:avLst/>
+          </a:prstGeom>
+          <a:noFill/>
+          <a:ln>
+            <a:noFill/>
+          </a:ln>
+        </p:spPr>
+        <p:txBody>
+          <a:bodyPr spcFirstLastPara="1" wrap="square" lIns="68575" tIns="34275" rIns="68575" bIns="34275" anchor="t" anchorCtr="0">
+            <a:noAutofit/>
+          </a:bodyPr>
+          <a:lstStyle/>
+          <a:p>
+            <a:pPr>
+              <a:buClr>
+                <a:schemeClr val="dk1"/>
+              </a:buClr>
+              <a:buSzPts val="1100"/>
+            </a:pPr>
+            <a:r>
+              <a:rPr lang="it-IT" sz="2400" dirty="0">
+                <a:solidFill>
+                  <a:schemeClr val="accent2">
+                    <a:lumMod val="50000"/>
+                  </a:schemeClr>
+                </a:solidFill>
+                <a:latin typeface="Roboto"/>
+                <a:ea typeface="Roboto"/>
+              </a:rPr>
+              <a:t>3.4) MLP con feature nTraces - PV - Load</a:t>
+            </a:r>
+          </a:p>
+          <a:p>
+            <a:pPr marL="0" marR="0" lvl="0" indent="0" algn="l" rtl="0">
+              <a:lnSpc>
+                <a:spcPct val="100000"/>
+              </a:lnSpc>
+              <a:spcBef>
+                <a:spcPts val="0"/>
+              </a:spcBef>
+              <a:spcAft>
+                <a:spcPts val="0"/>
+              </a:spcAft>
+              <a:buClr>
+                <a:schemeClr val="dk1"/>
+              </a:buClr>
+              <a:buSzPts val="3800"/>
+              <a:buFont typeface="Arial"/>
+              <a:buNone/>
+            </a:pPr>
+            <a:endParaRPr sz="2800" dirty="0"/>
+          </a:p>
+        </p:txBody>
+      </p:sp>
+      <p:grpSp>
+        <p:nvGrpSpPr>
+          <p:cNvPr id="931" name="Google Shape;931;p87"/>
+          <p:cNvGrpSpPr/>
+          <p:nvPr/>
+        </p:nvGrpSpPr>
+        <p:grpSpPr>
+          <a:xfrm>
+            <a:off x="7311774" y="73947"/>
+            <a:ext cx="1385504" cy="379137"/>
+            <a:chOff x="1001485" y="2416628"/>
+            <a:chExt cx="6338079" cy="1915800"/>
+          </a:xfrm>
+        </p:grpSpPr>
+        <p:sp>
+          <p:nvSpPr>
+            <p:cNvPr id="932" name="Google Shape;932;p87"/>
+            <p:cNvSpPr/>
+            <p:nvPr/>
+          </p:nvSpPr>
+          <p:spPr>
+            <a:xfrm>
+              <a:off x="1001485" y="2416628"/>
+              <a:ext cx="1915800" cy="1915800"/>
+            </a:xfrm>
+            <a:prstGeom prst="ellipse">
+              <a:avLst/>
+            </a:prstGeom>
+            <a:solidFill>
+              <a:srgbClr val="B7B7B7"/>
+            </a:solidFill>
+            <a:ln>
+              <a:noFill/>
+            </a:ln>
+            <a:effectLst>
+              <a:outerShdw blurRad="57150" dist="19050" dir="5400000" algn="bl" rotWithShape="0">
+                <a:srgbClr val="000000">
+                  <a:alpha val="50000"/>
+                </a:srgbClr>
+              </a:outerShdw>
+            </a:effectLst>
+          </p:spPr>
+          <p:txBody>
+            <a:bodyPr spcFirstLastPara="1" wrap="square" lIns="68575" tIns="34275" rIns="68575" bIns="34275" anchor="ctr" anchorCtr="0">
+              <a:noAutofit/>
+            </a:bodyPr>
+            <a:lstStyle/>
+            <a:p>
+              <a:pPr marL="0" marR="0" lvl="0" indent="0" algn="ctr" rtl="0">
+                <a:spcBef>
+                  <a:spcPts val="0"/>
+                </a:spcBef>
+                <a:spcAft>
+                  <a:spcPts val="0"/>
+                </a:spcAft>
+                <a:buNone/>
+              </a:pPr>
+              <a:endParaRPr sz="1400" b="0" i="0" u="none" strike="noStrike" cap="none">
+                <a:solidFill>
+                  <a:schemeClr val="lt1"/>
+                </a:solidFill>
+                <a:latin typeface="Calibri"/>
+                <a:ea typeface="Calibri"/>
+                <a:cs typeface="Calibri"/>
+                <a:sym typeface="Calibri"/>
+              </a:endParaRPr>
+            </a:p>
+          </p:txBody>
+        </p:sp>
+        <p:sp>
+          <p:nvSpPr>
+            <p:cNvPr id="933" name="Google Shape;933;p87"/>
+            <p:cNvSpPr/>
+            <p:nvPr/>
+          </p:nvSpPr>
+          <p:spPr>
+            <a:xfrm>
+              <a:off x="2351314" y="2416628"/>
+              <a:ext cx="1915800" cy="1915800"/>
+            </a:xfrm>
+            <a:prstGeom prst="ellipse">
+              <a:avLst/>
+            </a:prstGeom>
+            <a:solidFill>
+              <a:srgbClr val="B7B7B7"/>
+            </a:solidFill>
+            <a:ln>
+              <a:noFill/>
+            </a:ln>
+            <a:effectLst>
+              <a:outerShdw blurRad="57150" dist="19050" dir="5400000" algn="bl" rotWithShape="0">
+                <a:srgbClr val="000000">
+                  <a:alpha val="50000"/>
+                </a:srgbClr>
+              </a:outerShdw>
+            </a:effectLst>
+          </p:spPr>
+          <p:txBody>
+            <a:bodyPr spcFirstLastPara="1" wrap="square" lIns="68575" tIns="34275" rIns="68575" bIns="34275" anchor="ctr" anchorCtr="0">
+              <a:noAutofit/>
+            </a:bodyPr>
+            <a:lstStyle/>
+            <a:p>
+              <a:pPr marL="0" marR="0" lvl="0" indent="0" algn="ctr" rtl="0">
+                <a:spcBef>
+                  <a:spcPts val="0"/>
+                </a:spcBef>
+                <a:spcAft>
+                  <a:spcPts val="0"/>
+                </a:spcAft>
+                <a:buNone/>
+              </a:pPr>
+              <a:endParaRPr sz="1400" b="0" i="0" u="none" strike="noStrike" cap="none">
+                <a:solidFill>
+                  <a:schemeClr val="lt1"/>
+                </a:solidFill>
+                <a:latin typeface="Calibri"/>
+                <a:ea typeface="Calibri"/>
+                <a:cs typeface="Calibri"/>
+                <a:sym typeface="Calibri"/>
+              </a:endParaRPr>
+            </a:p>
+          </p:txBody>
+        </p:sp>
+        <p:sp>
+          <p:nvSpPr>
+            <p:cNvPr id="934" name="Google Shape;934;p87"/>
+            <p:cNvSpPr/>
+            <p:nvPr/>
+          </p:nvSpPr>
+          <p:spPr>
+            <a:xfrm>
+              <a:off x="3896292" y="2416628"/>
+              <a:ext cx="1915800" cy="1915800"/>
+            </a:xfrm>
+            <a:prstGeom prst="ellipse">
+              <a:avLst/>
+            </a:prstGeom>
+            <a:solidFill>
+              <a:schemeClr val="accent4"/>
+            </a:solidFill>
+            <a:ln>
+              <a:noFill/>
+            </a:ln>
+            <a:effectLst>
+              <a:outerShdw blurRad="57150" dist="19050" dir="5400000" algn="bl" rotWithShape="0">
+                <a:srgbClr val="000000">
+                  <a:alpha val="50000"/>
+                </a:srgbClr>
+              </a:outerShdw>
+            </a:effectLst>
+          </p:spPr>
+          <p:txBody>
+            <a:bodyPr spcFirstLastPara="1" wrap="square" lIns="68575" tIns="34275" rIns="68575" bIns="34275" anchor="ctr" anchorCtr="0">
+              <a:noAutofit/>
+            </a:bodyPr>
+            <a:lstStyle/>
+            <a:p>
+              <a:pPr marL="0" marR="0" lvl="0" indent="0" algn="ctr" rtl="0">
+                <a:lnSpc>
+                  <a:spcPct val="100000"/>
+                </a:lnSpc>
+                <a:spcBef>
+                  <a:spcPts val="0"/>
+                </a:spcBef>
+                <a:spcAft>
+                  <a:spcPts val="0"/>
+                </a:spcAft>
+                <a:buNone/>
+              </a:pPr>
+              <a:endParaRPr>
+                <a:solidFill>
+                  <a:schemeClr val="lt1"/>
+                </a:solidFill>
+                <a:latin typeface="Calibri"/>
+                <a:ea typeface="Calibri"/>
+                <a:cs typeface="Calibri"/>
+                <a:sym typeface="Calibri"/>
+              </a:endParaRPr>
+            </a:p>
+          </p:txBody>
+        </p:sp>
+        <p:sp>
+          <p:nvSpPr>
+            <p:cNvPr id="935" name="Google Shape;935;p87"/>
+            <p:cNvSpPr/>
+            <p:nvPr/>
+          </p:nvSpPr>
+          <p:spPr>
+            <a:xfrm>
+              <a:off x="5423764" y="2416628"/>
+              <a:ext cx="1915800" cy="1915800"/>
+            </a:xfrm>
+            <a:prstGeom prst="ellipse">
+              <a:avLst/>
+            </a:prstGeom>
+            <a:solidFill>
+              <a:srgbClr val="B7B7B7"/>
+            </a:solidFill>
+            <a:ln>
+              <a:noFill/>
+            </a:ln>
+            <a:effectLst>
+              <a:outerShdw blurRad="57150" dist="19050" dir="5400000" algn="bl" rotWithShape="0">
+                <a:srgbClr val="000000">
+                  <a:alpha val="50000"/>
+                </a:srgbClr>
+              </a:outerShdw>
+            </a:effectLst>
+          </p:spPr>
+          <p:txBody>
+            <a:bodyPr spcFirstLastPara="1" wrap="square" lIns="68575" tIns="34275" rIns="68575" bIns="34275" anchor="ctr" anchorCtr="0">
+              <a:noAutofit/>
+            </a:bodyPr>
+            <a:lstStyle/>
+            <a:p>
+              <a:pPr marL="0" lvl="0" indent="0" algn="ctr" rtl="0">
+                <a:spcBef>
+                  <a:spcPts val="0"/>
+                </a:spcBef>
+                <a:spcAft>
+                  <a:spcPts val="0"/>
+                </a:spcAft>
+                <a:buClr>
+                  <a:schemeClr val="lt1"/>
+                </a:buClr>
+                <a:buSzPts val="6000"/>
+                <a:buFont typeface="Arial"/>
+                <a:buNone/>
+              </a:pPr>
+              <a:r>
+                <a:rPr lang="it" sz="1000" b="1">
+                  <a:solidFill>
+                    <a:srgbClr val="FFFFFF"/>
+                  </a:solidFill>
+                </a:rPr>
+                <a:t>04</a:t>
+              </a:r>
+              <a:endParaRPr sz="1400" b="0" i="0" u="none" strike="noStrike" cap="none">
+                <a:solidFill>
+                  <a:schemeClr val="lt1"/>
+                </a:solidFill>
+                <a:latin typeface="Calibri"/>
+                <a:ea typeface="Calibri"/>
+                <a:cs typeface="Calibri"/>
+                <a:sym typeface="Calibri"/>
+              </a:endParaRPr>
+            </a:p>
+          </p:txBody>
+        </p:sp>
+      </p:grpSp>
+      <p:sp>
+        <p:nvSpPr>
+          <p:cNvPr id="936" name="Google Shape;936;p87"/>
+          <p:cNvSpPr txBox="1"/>
+          <p:nvPr/>
+        </p:nvSpPr>
+        <p:spPr>
+          <a:xfrm>
+            <a:off x="7353960" y="149012"/>
+            <a:ext cx="322200" cy="228900"/>
+          </a:xfrm>
+          <a:prstGeom prst="rect">
+            <a:avLst/>
+          </a:prstGeom>
+          <a:noFill/>
+          <a:ln>
+            <a:noFill/>
+          </a:ln>
+          <a:effectLst>
+            <a:outerShdw blurRad="57150" dist="19050" dir="5400000" algn="bl" rotWithShape="0">
+              <a:srgbClr val="000000">
+                <a:alpha val="50000"/>
+              </a:srgbClr>
+            </a:outerShdw>
+          </a:effectLst>
+        </p:spPr>
+        <p:txBody>
+          <a:bodyPr spcFirstLastPara="1" wrap="square" lIns="68575" tIns="34275" rIns="68575" bIns="34275" anchor="t" anchorCtr="0">
+            <a:noAutofit/>
+          </a:bodyPr>
+          <a:lstStyle/>
+          <a:p>
+            <a:pPr marL="0" marR="0" lvl="0" indent="0" algn="ctr" rtl="0">
+              <a:lnSpc>
+                <a:spcPct val="100000"/>
+              </a:lnSpc>
+              <a:spcBef>
+                <a:spcPts val="0"/>
+              </a:spcBef>
+              <a:spcAft>
+                <a:spcPts val="0"/>
+              </a:spcAft>
+              <a:buClr>
+                <a:srgbClr val="FFFFFF"/>
+              </a:buClr>
+              <a:buSzPts val="6000"/>
+              <a:buFont typeface="Arial"/>
+              <a:buNone/>
+            </a:pPr>
+            <a:r>
+              <a:rPr lang="it" sz="1000" b="1" i="0" u="none" strike="noStrike" cap="none">
+                <a:solidFill>
+                  <a:srgbClr val="FFFFFF"/>
+                </a:solidFill>
+                <a:latin typeface="Arial"/>
+                <a:ea typeface="Arial"/>
+                <a:cs typeface="Arial"/>
+                <a:sym typeface="Arial"/>
+              </a:rPr>
+              <a:t>01</a:t>
+            </a:r>
+            <a:endParaRPr sz="1000"/>
+          </a:p>
+        </p:txBody>
+      </p:sp>
+      <p:sp>
+        <p:nvSpPr>
+          <p:cNvPr id="937" name="Google Shape;937;p87"/>
+          <p:cNvSpPr txBox="1"/>
+          <p:nvPr/>
+        </p:nvSpPr>
+        <p:spPr>
+          <a:xfrm>
+            <a:off x="7644681" y="149012"/>
+            <a:ext cx="322200" cy="228900"/>
+          </a:xfrm>
+          <a:prstGeom prst="rect">
+            <a:avLst/>
+          </a:prstGeom>
+          <a:noFill/>
+          <a:ln>
+            <a:noFill/>
+          </a:ln>
+          <a:effectLst>
+            <a:outerShdw blurRad="57150" dist="19050" dir="5400000" algn="bl" rotWithShape="0">
+              <a:srgbClr val="000000">
+                <a:alpha val="50000"/>
+              </a:srgbClr>
+            </a:outerShdw>
+          </a:effectLst>
+        </p:spPr>
+        <p:txBody>
+          <a:bodyPr spcFirstLastPara="1" wrap="square" lIns="68575" tIns="34275" rIns="68575" bIns="34275" anchor="t" anchorCtr="0">
+            <a:noAutofit/>
+          </a:bodyPr>
+          <a:lstStyle/>
+          <a:p>
+            <a:pPr marL="0" marR="0" lvl="0" indent="0" algn="ctr" rtl="0">
+              <a:lnSpc>
+                <a:spcPct val="100000"/>
+              </a:lnSpc>
+              <a:spcBef>
+                <a:spcPts val="0"/>
+              </a:spcBef>
+              <a:spcAft>
+                <a:spcPts val="0"/>
+              </a:spcAft>
+              <a:buClr>
+                <a:srgbClr val="FFFFFF"/>
+              </a:buClr>
+              <a:buSzPts val="6000"/>
+              <a:buFont typeface="Arial"/>
+              <a:buNone/>
+            </a:pPr>
+            <a:r>
+              <a:rPr lang="it" sz="1000" b="1" i="0" u="none" strike="noStrike" cap="none">
+                <a:solidFill>
+                  <a:srgbClr val="FFFFFF"/>
+                </a:solidFill>
+                <a:latin typeface="Arial"/>
+                <a:ea typeface="Arial"/>
+                <a:cs typeface="Arial"/>
+                <a:sym typeface="Arial"/>
+              </a:rPr>
+              <a:t>02</a:t>
+            </a:r>
+            <a:endParaRPr sz="1000"/>
+          </a:p>
+        </p:txBody>
+      </p:sp>
+      <p:sp>
+        <p:nvSpPr>
+          <p:cNvPr id="938" name="Google Shape;938;p87"/>
+          <p:cNvSpPr txBox="1"/>
+          <p:nvPr/>
+        </p:nvSpPr>
+        <p:spPr>
+          <a:xfrm>
+            <a:off x="7986170" y="149012"/>
+            <a:ext cx="322200" cy="228900"/>
+          </a:xfrm>
+          <a:prstGeom prst="rect">
+            <a:avLst/>
+          </a:prstGeom>
+          <a:noFill/>
+          <a:ln>
+            <a:noFill/>
+          </a:ln>
+          <a:effectLst>
+            <a:outerShdw blurRad="57150" dist="19050" dir="5400000" algn="bl" rotWithShape="0">
+              <a:srgbClr val="000000">
+                <a:alpha val="50000"/>
+              </a:srgbClr>
+            </a:outerShdw>
+          </a:effectLst>
+        </p:spPr>
+        <p:txBody>
+          <a:bodyPr spcFirstLastPara="1" wrap="square" lIns="68575" tIns="34275" rIns="68575" bIns="34275" anchor="t" anchorCtr="0">
+            <a:noAutofit/>
+          </a:bodyPr>
+          <a:lstStyle/>
+          <a:p>
+            <a:pPr marL="0" marR="0" lvl="0" indent="0" algn="ctr" rtl="0">
+              <a:lnSpc>
+                <a:spcPct val="100000"/>
+              </a:lnSpc>
+              <a:spcBef>
+                <a:spcPts val="0"/>
+              </a:spcBef>
+              <a:spcAft>
+                <a:spcPts val="0"/>
+              </a:spcAft>
+              <a:buClr>
+                <a:srgbClr val="FFFFFF"/>
+              </a:buClr>
+              <a:buSzPts val="6000"/>
+              <a:buFont typeface="Arial"/>
+              <a:buNone/>
+            </a:pPr>
+            <a:r>
+              <a:rPr lang="it" sz="1000" b="1">
+                <a:solidFill>
+                  <a:srgbClr val="FFFFFF"/>
+                </a:solidFill>
+              </a:rPr>
+              <a:t>03</a:t>
+            </a:r>
+            <a:endParaRPr>
+              <a:solidFill>
+                <a:srgbClr val="FFFFFF"/>
+              </a:solidFill>
+              <a:latin typeface="Calibri"/>
+              <a:ea typeface="Calibri"/>
+              <a:cs typeface="Calibri"/>
+              <a:sym typeface="Calibri"/>
+            </a:endParaRPr>
+          </a:p>
+        </p:txBody>
+      </p:sp>
+      <p:sp>
+        <p:nvSpPr>
+          <p:cNvPr id="939" name="Google Shape;939;p87"/>
+          <p:cNvSpPr/>
+          <p:nvPr/>
+        </p:nvSpPr>
+        <p:spPr>
+          <a:xfrm>
+            <a:off x="6978175" y="543075"/>
+            <a:ext cx="2052000" cy="61800"/>
+          </a:xfrm>
+          <a:prstGeom prst="ellipse">
+            <a:avLst/>
+          </a:prstGeom>
+          <a:solidFill>
+            <a:schemeClr val="dk2">
+              <a:alpha val="9800"/>
+            </a:schemeClr>
+          </a:solidFill>
+          <a:ln>
+            <a:noFill/>
+          </a:ln>
+        </p:spPr>
+        <p:txBody>
+          <a:bodyPr spcFirstLastPara="1" wrap="square" lIns="68575" tIns="34275" rIns="68575" bIns="34275" anchor="ctr" anchorCtr="0">
+            <a:noAutofit/>
+          </a:bodyPr>
+          <a:lstStyle/>
+          <a:p>
+            <a:pPr marL="0" marR="0" lvl="0" indent="0" algn="ctr" rtl="0">
+              <a:spcBef>
+                <a:spcPts val="0"/>
+              </a:spcBef>
+              <a:spcAft>
+                <a:spcPts val="0"/>
+              </a:spcAft>
+              <a:buNone/>
+            </a:pPr>
+            <a:endParaRPr sz="1400" b="0" i="0" u="none" strike="noStrike" cap="none">
+              <a:solidFill>
+                <a:schemeClr val="lt1"/>
+              </a:solidFill>
+              <a:latin typeface="Calibri"/>
+              <a:ea typeface="Calibri"/>
+              <a:cs typeface="Calibri"/>
+              <a:sym typeface="Calibri"/>
+            </a:endParaRPr>
+          </a:p>
+        </p:txBody>
+      </p:sp>
+      <p:grpSp>
+        <p:nvGrpSpPr>
+          <p:cNvPr id="940" name="Google Shape;940;p87"/>
+          <p:cNvGrpSpPr/>
+          <p:nvPr/>
+        </p:nvGrpSpPr>
+        <p:grpSpPr>
+          <a:xfrm>
+            <a:off x="7311774" y="73947"/>
+            <a:ext cx="1385504" cy="379137"/>
+            <a:chOff x="1001485" y="2416628"/>
+            <a:chExt cx="6338079" cy="1915800"/>
+          </a:xfrm>
+        </p:grpSpPr>
+        <p:sp>
+          <p:nvSpPr>
+            <p:cNvPr id="941" name="Google Shape;941;p87"/>
+            <p:cNvSpPr/>
+            <p:nvPr/>
+          </p:nvSpPr>
+          <p:spPr>
+            <a:xfrm>
+              <a:off x="1001485" y="2416628"/>
+              <a:ext cx="1915800" cy="1915800"/>
+            </a:xfrm>
+            <a:prstGeom prst="ellipse">
+              <a:avLst/>
+            </a:prstGeom>
+            <a:solidFill>
+              <a:srgbClr val="B7B7B7"/>
+            </a:solidFill>
+            <a:ln>
+              <a:noFill/>
+            </a:ln>
+            <a:effectLst>
+              <a:outerShdw blurRad="57150" dist="19050" dir="5400000" algn="bl" rotWithShape="0">
+                <a:srgbClr val="000000">
+                  <a:alpha val="50000"/>
+                </a:srgbClr>
+              </a:outerShdw>
+            </a:effectLst>
+          </p:spPr>
+          <p:txBody>
+            <a:bodyPr spcFirstLastPara="1" wrap="square" lIns="68575" tIns="34275" rIns="68575" bIns="34275" anchor="ctr" anchorCtr="0">
+              <a:noAutofit/>
+            </a:bodyPr>
+            <a:lstStyle/>
+            <a:p>
+              <a:pPr marL="0" marR="0" lvl="0" indent="0" algn="ctr" rtl="0">
+                <a:spcBef>
+                  <a:spcPts val="0"/>
+                </a:spcBef>
+                <a:spcAft>
+                  <a:spcPts val="0"/>
+                </a:spcAft>
+                <a:buNone/>
+              </a:pPr>
+              <a:endParaRPr sz="1400" b="0" i="0" u="none" strike="noStrike" cap="none">
+                <a:solidFill>
+                  <a:schemeClr val="lt1"/>
+                </a:solidFill>
+                <a:latin typeface="Calibri"/>
+                <a:ea typeface="Calibri"/>
+                <a:cs typeface="Calibri"/>
+                <a:sym typeface="Calibri"/>
+              </a:endParaRPr>
+            </a:p>
+          </p:txBody>
+        </p:sp>
+        <p:sp>
+          <p:nvSpPr>
+            <p:cNvPr id="942" name="Google Shape;942;p87"/>
+            <p:cNvSpPr/>
+            <p:nvPr/>
+          </p:nvSpPr>
+          <p:spPr>
+            <a:xfrm>
+              <a:off x="2351314" y="2416628"/>
+              <a:ext cx="1915800" cy="1915800"/>
+            </a:xfrm>
+            <a:prstGeom prst="ellipse">
+              <a:avLst/>
+            </a:prstGeom>
+            <a:solidFill>
+              <a:srgbClr val="B7B7B7"/>
+            </a:solidFill>
+            <a:ln>
+              <a:noFill/>
+            </a:ln>
+            <a:effectLst>
+              <a:outerShdw blurRad="57150" dist="19050" dir="5400000" algn="bl" rotWithShape="0">
+                <a:srgbClr val="000000">
+                  <a:alpha val="50000"/>
+                </a:srgbClr>
+              </a:outerShdw>
+            </a:effectLst>
+          </p:spPr>
+          <p:txBody>
+            <a:bodyPr spcFirstLastPara="1" wrap="square" lIns="68575" tIns="34275" rIns="68575" bIns="34275" anchor="ctr" anchorCtr="0">
+              <a:noAutofit/>
+            </a:bodyPr>
+            <a:lstStyle/>
+            <a:p>
+              <a:pPr marL="0" marR="0" lvl="0" indent="0" algn="ctr" rtl="0">
+                <a:spcBef>
+                  <a:spcPts val="0"/>
+                </a:spcBef>
+                <a:spcAft>
+                  <a:spcPts val="0"/>
+                </a:spcAft>
+                <a:buNone/>
+              </a:pPr>
+              <a:endParaRPr sz="1400" b="0" i="0" u="none" strike="noStrike" cap="none">
+                <a:solidFill>
+                  <a:schemeClr val="lt1"/>
+                </a:solidFill>
+                <a:latin typeface="Calibri"/>
+                <a:ea typeface="Calibri"/>
+                <a:cs typeface="Calibri"/>
+                <a:sym typeface="Calibri"/>
+              </a:endParaRPr>
+            </a:p>
+          </p:txBody>
+        </p:sp>
+        <p:sp>
+          <p:nvSpPr>
+            <p:cNvPr id="943" name="Google Shape;943;p87"/>
+            <p:cNvSpPr/>
+            <p:nvPr/>
+          </p:nvSpPr>
+          <p:spPr>
+            <a:xfrm>
+              <a:off x="3896292" y="2416628"/>
+              <a:ext cx="1915800" cy="1915800"/>
+            </a:xfrm>
+            <a:prstGeom prst="ellipse">
+              <a:avLst/>
+            </a:prstGeom>
+            <a:solidFill>
+              <a:srgbClr val="FF9900"/>
+            </a:solidFill>
+            <a:ln>
+              <a:noFill/>
+            </a:ln>
+            <a:effectLst>
+              <a:outerShdw blurRad="57150" dist="19050" dir="5400000" algn="bl" rotWithShape="0">
+                <a:srgbClr val="000000">
+                  <a:alpha val="50000"/>
+                </a:srgbClr>
+              </a:outerShdw>
+            </a:effectLst>
+          </p:spPr>
+          <p:txBody>
+            <a:bodyPr spcFirstLastPara="1" wrap="square" lIns="68575" tIns="34275" rIns="68575" bIns="34275" anchor="ctr" anchorCtr="0">
+              <a:noAutofit/>
+            </a:bodyPr>
+            <a:lstStyle/>
+            <a:p>
+              <a:pPr marL="0" marR="0" lvl="0" indent="0" algn="ctr" rtl="0">
+                <a:spcBef>
+                  <a:spcPts val="0"/>
+                </a:spcBef>
+                <a:spcAft>
+                  <a:spcPts val="0"/>
+                </a:spcAft>
+                <a:buNone/>
+              </a:pPr>
+              <a:endParaRPr sz="1400" b="0" i="0" u="none" strike="noStrike" cap="none">
+                <a:solidFill>
+                  <a:schemeClr val="lt1"/>
+                </a:solidFill>
+                <a:latin typeface="Calibri"/>
+                <a:ea typeface="Calibri"/>
+                <a:cs typeface="Calibri"/>
+                <a:sym typeface="Calibri"/>
+              </a:endParaRPr>
+            </a:p>
+          </p:txBody>
+        </p:sp>
+        <p:sp>
+          <p:nvSpPr>
+            <p:cNvPr id="944" name="Google Shape;944;p87"/>
+            <p:cNvSpPr/>
+            <p:nvPr/>
+          </p:nvSpPr>
+          <p:spPr>
+            <a:xfrm>
+              <a:off x="5423764" y="2416628"/>
+              <a:ext cx="1915800" cy="1915800"/>
+            </a:xfrm>
+            <a:prstGeom prst="ellipse">
+              <a:avLst/>
+            </a:prstGeom>
+            <a:solidFill>
+              <a:srgbClr val="B7B7B7"/>
+            </a:solidFill>
+            <a:ln>
+              <a:noFill/>
+            </a:ln>
+            <a:effectLst>
+              <a:outerShdw blurRad="57150" dist="19050" dir="5400000" algn="bl" rotWithShape="0">
+                <a:srgbClr val="000000">
+                  <a:alpha val="50000"/>
+                </a:srgbClr>
+              </a:outerShdw>
+            </a:effectLst>
+          </p:spPr>
+          <p:txBody>
+            <a:bodyPr spcFirstLastPara="1" wrap="square" lIns="68575" tIns="34275" rIns="68575" bIns="34275" anchor="ctr" anchorCtr="0">
+              <a:noAutofit/>
+            </a:bodyPr>
+            <a:lstStyle/>
+            <a:p>
+              <a:pPr marL="0" lvl="0" indent="0" algn="ctr" rtl="0">
+                <a:spcBef>
+                  <a:spcPts val="0"/>
+                </a:spcBef>
+                <a:spcAft>
+                  <a:spcPts val="0"/>
+                </a:spcAft>
+                <a:buClr>
+                  <a:schemeClr val="lt1"/>
+                </a:buClr>
+                <a:buSzPts val="6000"/>
+                <a:buFont typeface="Arial"/>
+                <a:buNone/>
+              </a:pPr>
+              <a:endParaRPr sz="1400" b="0" i="0" u="none" strike="noStrike" cap="none">
+                <a:solidFill>
+                  <a:schemeClr val="lt1"/>
+                </a:solidFill>
+                <a:latin typeface="Calibri"/>
+                <a:ea typeface="Calibri"/>
+                <a:cs typeface="Calibri"/>
+                <a:sym typeface="Calibri"/>
+              </a:endParaRPr>
+            </a:p>
+          </p:txBody>
+        </p:sp>
+      </p:grpSp>
+      <p:sp>
+        <p:nvSpPr>
+          <p:cNvPr id="945" name="Google Shape;945;p87"/>
+          <p:cNvSpPr/>
+          <p:nvPr/>
+        </p:nvSpPr>
+        <p:spPr>
+          <a:xfrm>
+            <a:off x="6978175" y="543075"/>
+            <a:ext cx="2052000" cy="61800"/>
+          </a:xfrm>
+          <a:prstGeom prst="ellipse">
+            <a:avLst/>
+          </a:prstGeom>
+          <a:solidFill>
+            <a:schemeClr val="dk2">
+              <a:alpha val="9800"/>
+            </a:schemeClr>
+          </a:solidFill>
+          <a:ln>
+            <a:noFill/>
+          </a:ln>
+        </p:spPr>
+        <p:txBody>
+          <a:bodyPr spcFirstLastPara="1" wrap="square" lIns="68575" tIns="34275" rIns="68575" bIns="34275" anchor="ctr" anchorCtr="0">
+            <a:noAutofit/>
+          </a:bodyPr>
+          <a:lstStyle/>
+          <a:p>
+            <a:pPr marL="0" marR="0" lvl="0" indent="0" algn="ctr" rtl="0">
+              <a:spcBef>
+                <a:spcPts val="0"/>
+              </a:spcBef>
+              <a:spcAft>
+                <a:spcPts val="0"/>
+              </a:spcAft>
+              <a:buNone/>
+            </a:pPr>
+            <a:endParaRPr sz="1400" b="0" i="0" u="none" strike="noStrike" cap="none">
+              <a:solidFill>
+                <a:schemeClr val="lt1"/>
+              </a:solidFill>
+              <a:latin typeface="Calibri"/>
+              <a:ea typeface="Calibri"/>
+              <a:cs typeface="Calibri"/>
+              <a:sym typeface="Calibri"/>
+            </a:endParaRPr>
+          </a:p>
+        </p:txBody>
+      </p:sp>
+      <p:sp>
+        <p:nvSpPr>
+          <p:cNvPr id="946" name="Google Shape;946;p87"/>
+          <p:cNvSpPr txBox="1"/>
+          <p:nvPr/>
+        </p:nvSpPr>
+        <p:spPr>
+          <a:xfrm>
+            <a:off x="8326545" y="149012"/>
+            <a:ext cx="322200" cy="228900"/>
+          </a:xfrm>
+          <a:prstGeom prst="rect">
+            <a:avLst/>
+          </a:prstGeom>
+          <a:noFill/>
+          <a:ln>
+            <a:noFill/>
+          </a:ln>
+          <a:effectLst>
+            <a:outerShdw blurRad="57150" dist="19050" dir="5400000" algn="bl" rotWithShape="0">
+              <a:srgbClr val="000000">
+                <a:alpha val="50000"/>
+              </a:srgbClr>
+            </a:outerShdw>
+          </a:effectLst>
+        </p:spPr>
+        <p:txBody>
+          <a:bodyPr spcFirstLastPara="1" wrap="square" lIns="68575" tIns="34275" rIns="68575" bIns="34275" anchor="t" anchorCtr="0">
+            <a:noAutofit/>
+          </a:bodyPr>
+          <a:lstStyle/>
+          <a:p>
+            <a:pPr marL="0" marR="0" lvl="0" indent="0" algn="ctr" rtl="0">
+              <a:lnSpc>
+                <a:spcPct val="100000"/>
+              </a:lnSpc>
+              <a:spcBef>
+                <a:spcPts val="0"/>
+              </a:spcBef>
+              <a:spcAft>
+                <a:spcPts val="0"/>
+              </a:spcAft>
+              <a:buClr>
+                <a:srgbClr val="FFFFFF"/>
+              </a:buClr>
+              <a:buSzPts val="6000"/>
+              <a:buFont typeface="Arial"/>
+              <a:buNone/>
+            </a:pPr>
+            <a:r>
+              <a:rPr lang="it" sz="1000" b="1" i="0" u="none" strike="noStrike" cap="none">
+                <a:solidFill>
+                  <a:srgbClr val="FFFFFF"/>
+                </a:solidFill>
+                <a:latin typeface="Arial"/>
+                <a:ea typeface="Arial"/>
+                <a:cs typeface="Arial"/>
+                <a:sym typeface="Arial"/>
+              </a:rPr>
+              <a:t>0</a:t>
+            </a:r>
+            <a:r>
+              <a:rPr lang="it" sz="1000" b="1">
+                <a:solidFill>
+                  <a:srgbClr val="FFFFFF"/>
+                </a:solidFill>
+              </a:rPr>
+              <a:t>4</a:t>
+            </a:r>
+            <a:endParaRPr sz="1000"/>
+          </a:p>
+        </p:txBody>
+      </p:sp>
+      <p:sp>
+        <p:nvSpPr>
+          <p:cNvPr id="947" name="Google Shape;947;p87"/>
+          <p:cNvSpPr txBox="1"/>
+          <p:nvPr/>
+        </p:nvSpPr>
+        <p:spPr>
+          <a:xfrm>
+            <a:off x="7353960" y="149012"/>
+            <a:ext cx="322200" cy="228900"/>
+          </a:xfrm>
+          <a:prstGeom prst="rect">
+            <a:avLst/>
+          </a:prstGeom>
+          <a:noFill/>
+          <a:ln>
+            <a:noFill/>
+          </a:ln>
+          <a:effectLst>
+            <a:outerShdw blurRad="57150" dist="19050" dir="5400000" algn="bl" rotWithShape="0">
+              <a:srgbClr val="000000">
+                <a:alpha val="50000"/>
+              </a:srgbClr>
+            </a:outerShdw>
+          </a:effectLst>
+        </p:spPr>
+        <p:txBody>
+          <a:bodyPr spcFirstLastPara="1" wrap="square" lIns="68575" tIns="34275" rIns="68575" bIns="34275" anchor="t" anchorCtr="0">
+            <a:noAutofit/>
+          </a:bodyPr>
+          <a:lstStyle/>
+          <a:p>
+            <a:pPr marL="0" marR="0" lvl="0" indent="0" algn="ctr" rtl="0">
+              <a:lnSpc>
+                <a:spcPct val="100000"/>
+              </a:lnSpc>
+              <a:spcBef>
+                <a:spcPts val="0"/>
+              </a:spcBef>
+              <a:spcAft>
+                <a:spcPts val="0"/>
+              </a:spcAft>
+              <a:buClr>
+                <a:srgbClr val="FFFFFF"/>
+              </a:buClr>
+              <a:buSzPts val="6000"/>
+              <a:buFont typeface="Arial"/>
+              <a:buNone/>
+            </a:pPr>
+            <a:r>
+              <a:rPr lang="it" sz="1000" b="1" i="0" u="none" strike="noStrike" cap="none">
+                <a:solidFill>
+                  <a:srgbClr val="FFFFFF"/>
+                </a:solidFill>
+                <a:latin typeface="Arial"/>
+                <a:ea typeface="Arial"/>
+                <a:cs typeface="Arial"/>
+                <a:sym typeface="Arial"/>
+              </a:rPr>
+              <a:t>01</a:t>
+            </a:r>
+            <a:endParaRPr sz="1000"/>
+          </a:p>
+        </p:txBody>
+      </p:sp>
+      <p:sp>
+        <p:nvSpPr>
+          <p:cNvPr id="948" name="Google Shape;948;p87"/>
+          <p:cNvSpPr txBox="1"/>
+          <p:nvPr/>
+        </p:nvSpPr>
+        <p:spPr>
+          <a:xfrm>
+            <a:off x="7644681" y="149012"/>
+            <a:ext cx="322200" cy="228900"/>
+          </a:xfrm>
+          <a:prstGeom prst="rect">
+            <a:avLst/>
+          </a:prstGeom>
+          <a:noFill/>
+          <a:ln>
+            <a:noFill/>
+          </a:ln>
+          <a:effectLst>
+            <a:outerShdw blurRad="57150" dist="19050" dir="5400000" algn="bl" rotWithShape="0">
+              <a:srgbClr val="000000">
+                <a:alpha val="50000"/>
+              </a:srgbClr>
+            </a:outerShdw>
+          </a:effectLst>
+        </p:spPr>
+        <p:txBody>
+          <a:bodyPr spcFirstLastPara="1" wrap="square" lIns="68575" tIns="34275" rIns="68575" bIns="34275" anchor="t" anchorCtr="0">
+            <a:noAutofit/>
+          </a:bodyPr>
+          <a:lstStyle/>
+          <a:p>
+            <a:pPr marL="0" marR="0" lvl="0" indent="0" algn="ctr" rtl="0">
+              <a:lnSpc>
+                <a:spcPct val="100000"/>
+              </a:lnSpc>
+              <a:spcBef>
+                <a:spcPts val="0"/>
+              </a:spcBef>
+              <a:spcAft>
+                <a:spcPts val="0"/>
+              </a:spcAft>
+              <a:buClr>
+                <a:srgbClr val="FFFFFF"/>
+              </a:buClr>
+              <a:buSzPts val="6000"/>
+              <a:buFont typeface="Arial"/>
+              <a:buNone/>
+            </a:pPr>
+            <a:r>
+              <a:rPr lang="it" sz="1000" b="1" i="0" u="none" strike="noStrike" cap="none">
+                <a:solidFill>
+                  <a:srgbClr val="FFFFFF"/>
+                </a:solidFill>
+                <a:latin typeface="Arial"/>
+                <a:ea typeface="Arial"/>
+                <a:cs typeface="Arial"/>
+                <a:sym typeface="Arial"/>
+              </a:rPr>
+              <a:t>02</a:t>
+            </a:r>
+            <a:endParaRPr sz="1000"/>
+          </a:p>
+        </p:txBody>
+      </p:sp>
+      <p:pic>
+        <p:nvPicPr>
+          <p:cNvPr id="3" name="Immagine 2">
+            <a:extLst>
+              <a:ext uri="{FF2B5EF4-FFF2-40B4-BE49-F238E27FC236}">
                 <a16:creationId xmlns:a16="http://schemas.microsoft.com/office/drawing/2014/main" id="{2AD7E1B5-BE5C-447E-8B6F-6BCC1E68411C}"/>
               </a:ext>
             </a:extLst>
@@ -31649,6 +34030,79 @@
           </a:effectLst>
         </p:spPr>
       </p:pic>
+      <p:sp>
+        <p:nvSpPr>
+          <p:cNvPr id="949" name="Google Shape;949;p87"/>
+          <p:cNvSpPr txBox="1"/>
+          <p:nvPr/>
+        </p:nvSpPr>
+        <p:spPr>
+          <a:xfrm>
+            <a:off x="7986170" y="149012"/>
+            <a:ext cx="322200" cy="228900"/>
+          </a:xfrm>
+          <a:prstGeom prst="rect">
+            <a:avLst/>
+          </a:prstGeom>
+          <a:noFill/>
+          <a:ln>
+            <a:noFill/>
+          </a:ln>
+          <a:effectLst>
+            <a:outerShdw blurRad="57150" dist="19050" dir="5400000" algn="bl" rotWithShape="0">
+              <a:srgbClr val="000000">
+                <a:alpha val="50000"/>
+              </a:srgbClr>
+            </a:outerShdw>
+          </a:effectLst>
+        </p:spPr>
+        <p:txBody>
+          <a:bodyPr spcFirstLastPara="1" wrap="square" lIns="68575" tIns="34275" rIns="68575" bIns="34275" anchor="t" anchorCtr="0">
+            <a:noAutofit/>
+          </a:bodyPr>
+          <a:lstStyle/>
+          <a:p>
+            <a:pPr marL="0" marR="0" lvl="0" indent="0" algn="ctr" rtl="0">
+              <a:lnSpc>
+                <a:spcPct val="100000"/>
+              </a:lnSpc>
+              <a:spcBef>
+                <a:spcPts val="0"/>
+              </a:spcBef>
+              <a:spcAft>
+                <a:spcPts val="0"/>
+              </a:spcAft>
+              <a:buClr>
+                <a:srgbClr val="FFFFFF"/>
+              </a:buClr>
+              <a:buSzPts val="6000"/>
+              <a:buFont typeface="Arial"/>
+              <a:buNone/>
+            </a:pPr>
+            <a:r>
+              <a:rPr lang="it" sz="1000" b="1" i="0" u="none" strike="noStrike" cap="none">
+                <a:solidFill>
+                  <a:srgbClr val="FFFFFF"/>
+                </a:solidFill>
+                <a:latin typeface="Arial"/>
+                <a:ea typeface="Arial"/>
+                <a:cs typeface="Arial"/>
+                <a:sym typeface="Arial"/>
+              </a:rPr>
+              <a:t>0</a:t>
+            </a:r>
+            <a:r>
+              <a:rPr lang="it" sz="1000" b="1">
+                <a:solidFill>
+                  <a:srgbClr val="FFFFFF"/>
+                </a:solidFill>
+              </a:rPr>
+              <a:t>3</a:t>
+            </a:r>
+            <a:endParaRPr sz="1000"/>
+          </a:p>
+        </p:txBody>
+      </p:sp>
       <p:sp>
         <p:nvSpPr>
           <p:cNvPr id="29" name="CasellaDiTesto 28">
@@ -31834,45 +34288,6 @@
           </a:p>
         </p:txBody>
       </p:sp>
-      <p:sp>
-        <p:nvSpPr>
-          <p:cNvPr id="32" name="CasellaDiTesto 31">
-            <a:extLst>
-              <a:ext uri="{FF2B5EF4-FFF2-40B4-BE49-F238E27FC236}">
-                <a16:creationId xmlns:a16="http://schemas.microsoft.com/office/drawing/2014/main" id="{545AF0B6-47F4-4F56-B1AD-757B98BDB263}"/>
-              </a:ext>
-            </a:extLst>
-          </p:cNvPr>
-          <p:cNvSpPr txBox="1"/>
-          <p:nvPr/>
-        </p:nvSpPr>
-        <p:spPr>
-          <a:xfrm>
-            <a:off x="7202655" y="2407465"/>
-            <a:ext cx="1046099" cy="523220"/>
-          </a:xfrm>
-          <a:prstGeom prst="rect">
-            <a:avLst/>
-          </a:prstGeom>
-          <a:noFill/>
-        </p:spPr>
-        <p:txBody>
-          <a:bodyPr wrap="square" rtlCol="0">
-            <a:spAutoFit/>
-          </a:bodyPr>
-          <a:lstStyle/>
-          <a:p>
-            <a:r>
-              <a:rPr lang="it-IT" b="1" dirty="0">
-                <a:solidFill>
-                  <a:srgbClr val="FF0000"/>
-                </a:solidFill>
-              </a:rPr>
-              <a:t>Oppure Grafico?!</a:t>
-            </a:r>
-          </a:p>
-        </p:txBody>
-      </p:sp>
     </p:spTree>
     <p:extLst>
       <p:ext uri="{BB962C8B-B14F-4D97-AF65-F5344CB8AC3E}">
@@ -31883,10 +34298,1346 @@
   <p:clrMapOvr>
     <a:masterClrMapping/>
   </p:clrMapOvr>
+  <p:timing>
+    <p:tnLst>
+      <p:par>
+        <p:cTn id="1" dur="indefinite" restart="never" nodeType="tmRoot">
+          <p:childTnLst>
+            <p:seq concurrent="1" nextAc="seek">
+              <p:cTn id="2" dur="indefinite" nodeType="mainSeq">
+                <p:childTnLst>
+                  <p:par>
+                    <p:cTn id="3" fill="hold">
+                      <p:stCondLst>
+                        <p:cond delay="indefinite"/>
+                      </p:stCondLst>
+                      <p:childTnLst>
+                        <p:par>
+                          <p:cTn id="4" fill="hold">
+                            <p:stCondLst>
+                              <p:cond delay="0"/>
+                            </p:stCondLst>
+                            <p:childTnLst>
+                              <p:par>
+                                <p:cTn id="5" presetID="10" presetClass="entr" presetSubtype="0" fill="hold" grpId="0" nodeType="clickEffect">
+                                  <p:stCondLst>
+                                    <p:cond delay="0"/>
+                                  </p:stCondLst>
+                                  <p:childTnLst>
+                                    <p:set>
+                                      <p:cBhvr>
+                                        <p:cTn id="6" dur="1" fill="hold">
+                                          <p:stCondLst>
+                                            <p:cond delay="0"/>
+                                          </p:stCondLst>
+                                        </p:cTn>
+                                        <p:tgtEl>
+                                          <p:spTgt spid="29"/>
+                                        </p:tgtEl>
+                                        <p:attrNameLst>
+                                          <p:attrName>style.visibility</p:attrName>
+                                        </p:attrNameLst>
+                                      </p:cBhvr>
+                                      <p:to>
+                                        <p:strVal val="visible"/>
+                                      </p:to>
+                                    </p:set>
+                                    <p:animEffect transition="in" filter="fade">
+                                      <p:cBhvr>
+                                        <p:cTn id="7" dur="500"/>
+                                        <p:tgtEl>
+                                          <p:spTgt spid="29"/>
+                                        </p:tgtEl>
+                                      </p:cBhvr>
+                                    </p:animEffect>
+                                  </p:childTnLst>
+                                </p:cTn>
+                              </p:par>
+                              <p:par>
+                                <p:cTn id="8" presetID="10" presetClass="entr" presetSubtype="0" fill="hold" nodeType="withEffect">
+                                  <p:stCondLst>
+                                    <p:cond delay="250"/>
+                                  </p:stCondLst>
+                                  <p:childTnLst>
+                                    <p:set>
+                                      <p:cBhvr>
+                                        <p:cTn id="9" dur="1" fill="hold">
+                                          <p:stCondLst>
+                                            <p:cond delay="0"/>
+                                          </p:stCondLst>
+                                        </p:cTn>
+                                        <p:tgtEl>
+                                          <p:spTgt spid="30"/>
+                                        </p:tgtEl>
+                                        <p:attrNameLst>
+                                          <p:attrName>style.visibility</p:attrName>
+                                        </p:attrNameLst>
+                                      </p:cBhvr>
+                                      <p:to>
+                                        <p:strVal val="visible"/>
+                                      </p:to>
+                                    </p:set>
+                                    <p:animEffect transition="in" filter="fade">
+                                      <p:cBhvr>
+                                        <p:cTn id="10" dur="500"/>
+                                        <p:tgtEl>
+                                          <p:spTgt spid="30"/>
+                                        </p:tgtEl>
+                                      </p:cBhvr>
+                                    </p:animEffect>
+                                  </p:childTnLst>
+                                </p:cTn>
+                              </p:par>
+                            </p:childTnLst>
+                          </p:cTn>
+                        </p:par>
+                      </p:childTnLst>
+                    </p:cTn>
+                  </p:par>
+                </p:childTnLst>
+              </p:cTn>
+              <p:prevCondLst>
+                <p:cond evt="onPrev" delay="0">
+                  <p:tgtEl>
+                    <p:sldTgt/>
+                  </p:tgtEl>
+                </p:cond>
+              </p:prevCondLst>
+              <p:nextCondLst>
+                <p:cond evt="onNext" delay="0">
+                  <p:tgtEl>
+                    <p:sldTgt/>
+                  </p:tgtEl>
+                </p:cond>
+              </p:nextCondLst>
+            </p:seq>
+          </p:childTnLst>
+        </p:cTn>
+      </p:par>
+    </p:tnLst>
+    <p:bldLst>
+      <p:bldP spid="29" grpId="0"/>
+    </p:bldLst>
+  </p:timing>
 </p:sld>
 </file>
 
-<file path=ppt/slides/slide16.xml><?xml version="1.0" encoding="utf-8"?>
+<file path=ppt/slides/slide17.xml><?xml version="1.0" encoding="utf-8"?>
+<p:sld xmlns:a="http://schemas.openxmlformats.org/drawingml/2006/main" xmlns:r="http://schemas.openxmlformats.org/officeDocument/2006/relationships" xmlns:p="http://schemas.openxmlformats.org/presentationml/2006/main">
+  <p:cSld>
+    <p:bg>
+      <p:bgPr>
+        <a:gradFill>
+          <a:gsLst>
+            <a:gs pos="0">
+              <a:srgbClr val="F2F2F2"/>
+            </a:gs>
+            <a:gs pos="100000">
+              <a:srgbClr val="A6A6A6"/>
+            </a:gs>
+          </a:gsLst>
+          <a:lin ang="5400012" scaled="0"/>
+        </a:gradFill>
+        <a:effectLst/>
+      </p:bgPr>
+    </p:bg>
+    <p:spTree>
+      <p:nvGrpSpPr>
+        <p:cNvPr id="1" name="Shape 913"/>
+        <p:cNvGrpSpPr/>
+        <p:nvPr/>
+      </p:nvGrpSpPr>
+      <p:grpSpPr>
+        <a:xfrm>
+          <a:off x="0" y="0"/>
+          <a:ext cx="0" cy="0"/>
+          <a:chOff x="0" y="0"/>
+          <a:chExt cx="0" cy="0"/>
+        </a:xfrm>
+      </p:grpSpPr>
+      <p:sp>
+        <p:nvSpPr>
+          <p:cNvPr id="924" name="Google Shape;924;p87"/>
+          <p:cNvSpPr txBox="1"/>
+          <p:nvPr/>
+        </p:nvSpPr>
+        <p:spPr>
+          <a:xfrm>
+            <a:off x="495254" y="299762"/>
+            <a:ext cx="6524801" cy="649500"/>
+          </a:xfrm>
+          <a:prstGeom prst="rect">
+            <a:avLst/>
+          </a:prstGeom>
+          <a:noFill/>
+          <a:ln>
+            <a:noFill/>
+          </a:ln>
+        </p:spPr>
+        <p:txBody>
+          <a:bodyPr spcFirstLastPara="1" wrap="square" lIns="68575" tIns="34275" rIns="68575" bIns="34275" anchor="t" anchorCtr="0">
+            <a:noAutofit/>
+          </a:bodyPr>
+          <a:lstStyle/>
+          <a:p>
+            <a:pPr>
+              <a:buClr>
+                <a:schemeClr val="dk1"/>
+              </a:buClr>
+              <a:buSzPts val="1100"/>
+            </a:pPr>
+            <a:r>
+              <a:rPr lang="it-IT" sz="2400" dirty="0">
+                <a:solidFill>
+                  <a:schemeClr val="accent2">
+                    <a:lumMod val="50000"/>
+                  </a:schemeClr>
+                </a:solidFill>
+                <a:latin typeface="Roboto"/>
+                <a:ea typeface="Roboto"/>
+              </a:rPr>
+              <a:t>MLP con feature nTraces - PV - Load (2)</a:t>
+            </a:r>
+          </a:p>
+          <a:p>
+            <a:pPr marL="0" marR="0" lvl="0" indent="0" algn="l" rtl="0">
+              <a:lnSpc>
+                <a:spcPct val="100000"/>
+              </a:lnSpc>
+              <a:spcBef>
+                <a:spcPts val="0"/>
+              </a:spcBef>
+              <a:spcAft>
+                <a:spcPts val="0"/>
+              </a:spcAft>
+              <a:buClr>
+                <a:schemeClr val="dk1"/>
+              </a:buClr>
+              <a:buSzPts val="3800"/>
+              <a:buFont typeface="Arial"/>
+              <a:buNone/>
+            </a:pPr>
+            <a:endParaRPr sz="2800" dirty="0"/>
+          </a:p>
+        </p:txBody>
+      </p:sp>
+      <p:grpSp>
+        <p:nvGrpSpPr>
+          <p:cNvPr id="931" name="Google Shape;931;p87"/>
+          <p:cNvGrpSpPr/>
+          <p:nvPr/>
+        </p:nvGrpSpPr>
+        <p:grpSpPr>
+          <a:xfrm>
+            <a:off x="7311774" y="73947"/>
+            <a:ext cx="1385504" cy="379137"/>
+            <a:chOff x="1001485" y="2416628"/>
+            <a:chExt cx="6338079" cy="1915800"/>
+          </a:xfrm>
+        </p:grpSpPr>
+        <p:sp>
+          <p:nvSpPr>
+            <p:cNvPr id="932" name="Google Shape;932;p87"/>
+            <p:cNvSpPr/>
+            <p:nvPr/>
+          </p:nvSpPr>
+          <p:spPr>
+            <a:xfrm>
+              <a:off x="1001485" y="2416628"/>
+              <a:ext cx="1915800" cy="1915800"/>
+            </a:xfrm>
+            <a:prstGeom prst="ellipse">
+              <a:avLst/>
+            </a:prstGeom>
+            <a:solidFill>
+              <a:srgbClr val="B7B7B7"/>
+            </a:solidFill>
+            <a:ln>
+              <a:noFill/>
+            </a:ln>
+            <a:effectLst>
+              <a:outerShdw blurRad="57150" dist="19050" dir="5400000" algn="bl" rotWithShape="0">
+                <a:srgbClr val="000000">
+                  <a:alpha val="50000"/>
+                </a:srgbClr>
+              </a:outerShdw>
+            </a:effectLst>
+          </p:spPr>
+          <p:txBody>
+            <a:bodyPr spcFirstLastPara="1" wrap="square" lIns="68575" tIns="34275" rIns="68575" bIns="34275" anchor="ctr" anchorCtr="0">
+              <a:noAutofit/>
+            </a:bodyPr>
+            <a:lstStyle/>
+            <a:p>
+              <a:pPr marL="0" marR="0" lvl="0" indent="0" algn="ctr" rtl="0">
+                <a:spcBef>
+                  <a:spcPts val="0"/>
+                </a:spcBef>
+                <a:spcAft>
+                  <a:spcPts val="0"/>
+                </a:spcAft>
+                <a:buNone/>
+              </a:pPr>
+              <a:endParaRPr sz="1400" b="0" i="0" u="none" strike="noStrike" cap="none">
+                <a:solidFill>
+                  <a:schemeClr val="lt1"/>
+                </a:solidFill>
+                <a:latin typeface="Calibri"/>
+                <a:ea typeface="Calibri"/>
+                <a:cs typeface="Calibri"/>
+                <a:sym typeface="Calibri"/>
+              </a:endParaRPr>
+            </a:p>
+          </p:txBody>
+        </p:sp>
+        <p:sp>
+          <p:nvSpPr>
+            <p:cNvPr id="933" name="Google Shape;933;p87"/>
+            <p:cNvSpPr/>
+            <p:nvPr/>
+          </p:nvSpPr>
+          <p:spPr>
+            <a:xfrm>
+              <a:off x="2351314" y="2416628"/>
+              <a:ext cx="1915800" cy="1915800"/>
+            </a:xfrm>
+            <a:prstGeom prst="ellipse">
+              <a:avLst/>
+            </a:prstGeom>
+            <a:solidFill>
+              <a:srgbClr val="B7B7B7"/>
+            </a:solidFill>
+            <a:ln>
+              <a:noFill/>
+            </a:ln>
+            <a:effectLst>
+              <a:outerShdw blurRad="57150" dist="19050" dir="5400000" algn="bl" rotWithShape="0">
+                <a:srgbClr val="000000">
+                  <a:alpha val="50000"/>
+                </a:srgbClr>
+              </a:outerShdw>
+            </a:effectLst>
+          </p:spPr>
+          <p:txBody>
+            <a:bodyPr spcFirstLastPara="1" wrap="square" lIns="68575" tIns="34275" rIns="68575" bIns="34275" anchor="ctr" anchorCtr="0">
+              <a:noAutofit/>
+            </a:bodyPr>
+            <a:lstStyle/>
+            <a:p>
+              <a:pPr marL="0" marR="0" lvl="0" indent="0" algn="ctr" rtl="0">
+                <a:spcBef>
+                  <a:spcPts val="0"/>
+                </a:spcBef>
+                <a:spcAft>
+                  <a:spcPts val="0"/>
+                </a:spcAft>
+                <a:buNone/>
+              </a:pPr>
+              <a:endParaRPr sz="1400" b="0" i="0" u="none" strike="noStrike" cap="none">
+                <a:solidFill>
+                  <a:schemeClr val="lt1"/>
+                </a:solidFill>
+                <a:latin typeface="Calibri"/>
+                <a:ea typeface="Calibri"/>
+                <a:cs typeface="Calibri"/>
+                <a:sym typeface="Calibri"/>
+              </a:endParaRPr>
+            </a:p>
+          </p:txBody>
+        </p:sp>
+        <p:sp>
+          <p:nvSpPr>
+            <p:cNvPr id="934" name="Google Shape;934;p87"/>
+            <p:cNvSpPr/>
+            <p:nvPr/>
+          </p:nvSpPr>
+          <p:spPr>
+            <a:xfrm>
+              <a:off x="3896292" y="2416628"/>
+              <a:ext cx="1915800" cy="1915800"/>
+            </a:xfrm>
+            <a:prstGeom prst="ellipse">
+              <a:avLst/>
+            </a:prstGeom>
+            <a:solidFill>
+              <a:schemeClr val="accent4"/>
+            </a:solidFill>
+            <a:ln>
+              <a:noFill/>
+            </a:ln>
+            <a:effectLst>
+              <a:outerShdw blurRad="57150" dist="19050" dir="5400000" algn="bl" rotWithShape="0">
+                <a:srgbClr val="000000">
+                  <a:alpha val="50000"/>
+                </a:srgbClr>
+              </a:outerShdw>
+            </a:effectLst>
+          </p:spPr>
+          <p:txBody>
+            <a:bodyPr spcFirstLastPara="1" wrap="square" lIns="68575" tIns="34275" rIns="68575" bIns="34275" anchor="ctr" anchorCtr="0">
+              <a:noAutofit/>
+            </a:bodyPr>
+            <a:lstStyle/>
+            <a:p>
+              <a:pPr marL="0" marR="0" lvl="0" indent="0" algn="ctr" rtl="0">
+                <a:lnSpc>
+                  <a:spcPct val="100000"/>
+                </a:lnSpc>
+                <a:spcBef>
+                  <a:spcPts val="0"/>
+                </a:spcBef>
+                <a:spcAft>
+                  <a:spcPts val="0"/>
+                </a:spcAft>
+                <a:buNone/>
+              </a:pPr>
+              <a:endParaRPr>
+                <a:solidFill>
+                  <a:schemeClr val="lt1"/>
+                </a:solidFill>
+                <a:latin typeface="Calibri"/>
+                <a:ea typeface="Calibri"/>
+                <a:cs typeface="Calibri"/>
+                <a:sym typeface="Calibri"/>
+              </a:endParaRPr>
+            </a:p>
+          </p:txBody>
+        </p:sp>
+        <p:sp>
+          <p:nvSpPr>
+            <p:cNvPr id="935" name="Google Shape;935;p87"/>
+            <p:cNvSpPr/>
+            <p:nvPr/>
+          </p:nvSpPr>
+          <p:spPr>
+            <a:xfrm>
+              <a:off x="5423764" y="2416628"/>
+              <a:ext cx="1915800" cy="1915800"/>
+            </a:xfrm>
+            <a:prstGeom prst="ellipse">
+              <a:avLst/>
+            </a:prstGeom>
+            <a:solidFill>
+              <a:srgbClr val="B7B7B7"/>
+            </a:solidFill>
+            <a:ln>
+              <a:noFill/>
+            </a:ln>
+            <a:effectLst>
+              <a:outerShdw blurRad="57150" dist="19050" dir="5400000" algn="bl" rotWithShape="0">
+                <a:srgbClr val="000000">
+                  <a:alpha val="50000"/>
+                </a:srgbClr>
+              </a:outerShdw>
+            </a:effectLst>
+          </p:spPr>
+          <p:txBody>
+            <a:bodyPr spcFirstLastPara="1" wrap="square" lIns="68575" tIns="34275" rIns="68575" bIns="34275" anchor="ctr" anchorCtr="0">
+              <a:noAutofit/>
+            </a:bodyPr>
+            <a:lstStyle/>
+            <a:p>
+              <a:pPr marL="0" lvl="0" indent="0" algn="ctr" rtl="0">
+                <a:spcBef>
+                  <a:spcPts val="0"/>
+                </a:spcBef>
+                <a:spcAft>
+                  <a:spcPts val="0"/>
+                </a:spcAft>
+                <a:buClr>
+                  <a:schemeClr val="lt1"/>
+                </a:buClr>
+                <a:buSzPts val="6000"/>
+                <a:buFont typeface="Arial"/>
+                <a:buNone/>
+              </a:pPr>
+              <a:r>
+                <a:rPr lang="it" sz="1000" b="1">
+                  <a:solidFill>
+                    <a:srgbClr val="FFFFFF"/>
+                  </a:solidFill>
+                </a:rPr>
+                <a:t>04</a:t>
+              </a:r>
+              <a:endParaRPr sz="1400" b="0" i="0" u="none" strike="noStrike" cap="none">
+                <a:solidFill>
+                  <a:schemeClr val="lt1"/>
+                </a:solidFill>
+                <a:latin typeface="Calibri"/>
+                <a:ea typeface="Calibri"/>
+                <a:cs typeface="Calibri"/>
+                <a:sym typeface="Calibri"/>
+              </a:endParaRPr>
+            </a:p>
+          </p:txBody>
+        </p:sp>
+      </p:grpSp>
+      <p:sp>
+        <p:nvSpPr>
+          <p:cNvPr id="936" name="Google Shape;936;p87"/>
+          <p:cNvSpPr txBox="1"/>
+          <p:nvPr/>
+        </p:nvSpPr>
+        <p:spPr>
+          <a:xfrm>
+            <a:off x="7353960" y="149012"/>
+            <a:ext cx="322200" cy="228900"/>
+          </a:xfrm>
+          <a:prstGeom prst="rect">
+            <a:avLst/>
+          </a:prstGeom>
+          <a:noFill/>
+          <a:ln>
+            <a:noFill/>
+          </a:ln>
+          <a:effectLst>
+            <a:outerShdw blurRad="57150" dist="19050" dir="5400000" algn="bl" rotWithShape="0">
+              <a:srgbClr val="000000">
+                <a:alpha val="50000"/>
+              </a:srgbClr>
+            </a:outerShdw>
+          </a:effectLst>
+        </p:spPr>
+        <p:txBody>
+          <a:bodyPr spcFirstLastPara="1" wrap="square" lIns="68575" tIns="34275" rIns="68575" bIns="34275" anchor="t" anchorCtr="0">
+            <a:noAutofit/>
+          </a:bodyPr>
+          <a:lstStyle/>
+          <a:p>
+            <a:pPr marL="0" marR="0" lvl="0" indent="0" algn="ctr" rtl="0">
+              <a:lnSpc>
+                <a:spcPct val="100000"/>
+              </a:lnSpc>
+              <a:spcBef>
+                <a:spcPts val="0"/>
+              </a:spcBef>
+              <a:spcAft>
+                <a:spcPts val="0"/>
+              </a:spcAft>
+              <a:buClr>
+                <a:srgbClr val="FFFFFF"/>
+              </a:buClr>
+              <a:buSzPts val="6000"/>
+              <a:buFont typeface="Arial"/>
+              <a:buNone/>
+            </a:pPr>
+            <a:r>
+              <a:rPr lang="it" sz="1000" b="1" i="0" u="none" strike="noStrike" cap="none">
+                <a:solidFill>
+                  <a:srgbClr val="FFFFFF"/>
+                </a:solidFill>
+                <a:latin typeface="Arial"/>
+                <a:ea typeface="Arial"/>
+                <a:cs typeface="Arial"/>
+                <a:sym typeface="Arial"/>
+              </a:rPr>
+              <a:t>01</a:t>
+            </a:r>
+            <a:endParaRPr sz="1000"/>
+          </a:p>
+        </p:txBody>
+      </p:sp>
+      <p:sp>
+        <p:nvSpPr>
+          <p:cNvPr id="937" name="Google Shape;937;p87"/>
+          <p:cNvSpPr txBox="1"/>
+          <p:nvPr/>
+        </p:nvSpPr>
+        <p:spPr>
+          <a:xfrm>
+            <a:off x="7644681" y="149012"/>
+            <a:ext cx="322200" cy="228900"/>
+          </a:xfrm>
+          <a:prstGeom prst="rect">
+            <a:avLst/>
+          </a:prstGeom>
+          <a:noFill/>
+          <a:ln>
+            <a:noFill/>
+          </a:ln>
+          <a:effectLst>
+            <a:outerShdw blurRad="57150" dist="19050" dir="5400000" algn="bl" rotWithShape="0">
+              <a:srgbClr val="000000">
+                <a:alpha val="50000"/>
+              </a:srgbClr>
+            </a:outerShdw>
+          </a:effectLst>
+        </p:spPr>
+        <p:txBody>
+          <a:bodyPr spcFirstLastPara="1" wrap="square" lIns="68575" tIns="34275" rIns="68575" bIns="34275" anchor="t" anchorCtr="0">
+            <a:noAutofit/>
+          </a:bodyPr>
+          <a:lstStyle/>
+          <a:p>
+            <a:pPr marL="0" marR="0" lvl="0" indent="0" algn="ctr" rtl="0">
+              <a:lnSpc>
+                <a:spcPct val="100000"/>
+              </a:lnSpc>
+              <a:spcBef>
+                <a:spcPts val="0"/>
+              </a:spcBef>
+              <a:spcAft>
+                <a:spcPts val="0"/>
+              </a:spcAft>
+              <a:buClr>
+                <a:srgbClr val="FFFFFF"/>
+              </a:buClr>
+              <a:buSzPts val="6000"/>
+              <a:buFont typeface="Arial"/>
+              <a:buNone/>
+            </a:pPr>
+            <a:r>
+              <a:rPr lang="it" sz="1000" b="1" i="0" u="none" strike="noStrike" cap="none">
+                <a:solidFill>
+                  <a:srgbClr val="FFFFFF"/>
+                </a:solidFill>
+                <a:latin typeface="Arial"/>
+                <a:ea typeface="Arial"/>
+                <a:cs typeface="Arial"/>
+                <a:sym typeface="Arial"/>
+              </a:rPr>
+              <a:t>02</a:t>
+            </a:r>
+            <a:endParaRPr sz="1000"/>
+          </a:p>
+        </p:txBody>
+      </p:sp>
+      <p:sp>
+        <p:nvSpPr>
+          <p:cNvPr id="938" name="Google Shape;938;p87"/>
+          <p:cNvSpPr txBox="1"/>
+          <p:nvPr/>
+        </p:nvSpPr>
+        <p:spPr>
+          <a:xfrm>
+            <a:off x="7986170" y="149012"/>
+            <a:ext cx="322200" cy="228900"/>
+          </a:xfrm>
+          <a:prstGeom prst="rect">
+            <a:avLst/>
+          </a:prstGeom>
+          <a:noFill/>
+          <a:ln>
+            <a:noFill/>
+          </a:ln>
+          <a:effectLst>
+            <a:outerShdw blurRad="57150" dist="19050" dir="5400000" algn="bl" rotWithShape="0">
+              <a:srgbClr val="000000">
+                <a:alpha val="50000"/>
+              </a:srgbClr>
+            </a:outerShdw>
+          </a:effectLst>
+        </p:spPr>
+        <p:txBody>
+          <a:bodyPr spcFirstLastPara="1" wrap="square" lIns="68575" tIns="34275" rIns="68575" bIns="34275" anchor="t" anchorCtr="0">
+            <a:noAutofit/>
+          </a:bodyPr>
+          <a:lstStyle/>
+          <a:p>
+            <a:pPr marL="0" marR="0" lvl="0" indent="0" algn="ctr" rtl="0">
+              <a:lnSpc>
+                <a:spcPct val="100000"/>
+              </a:lnSpc>
+              <a:spcBef>
+                <a:spcPts val="0"/>
+              </a:spcBef>
+              <a:spcAft>
+                <a:spcPts val="0"/>
+              </a:spcAft>
+              <a:buClr>
+                <a:srgbClr val="FFFFFF"/>
+              </a:buClr>
+              <a:buSzPts val="6000"/>
+              <a:buFont typeface="Arial"/>
+              <a:buNone/>
+            </a:pPr>
+            <a:r>
+              <a:rPr lang="it" sz="1000" b="1">
+                <a:solidFill>
+                  <a:srgbClr val="FFFFFF"/>
+                </a:solidFill>
+              </a:rPr>
+              <a:t>03</a:t>
+            </a:r>
+            <a:endParaRPr>
+              <a:solidFill>
+                <a:srgbClr val="FFFFFF"/>
+              </a:solidFill>
+              <a:latin typeface="Calibri"/>
+              <a:ea typeface="Calibri"/>
+              <a:cs typeface="Calibri"/>
+              <a:sym typeface="Calibri"/>
+            </a:endParaRPr>
+          </a:p>
+        </p:txBody>
+      </p:sp>
+      <p:sp>
+        <p:nvSpPr>
+          <p:cNvPr id="939" name="Google Shape;939;p87"/>
+          <p:cNvSpPr/>
+          <p:nvPr/>
+        </p:nvSpPr>
+        <p:spPr>
+          <a:xfrm>
+            <a:off x="6978175" y="543075"/>
+            <a:ext cx="2052000" cy="61800"/>
+          </a:xfrm>
+          <a:prstGeom prst="ellipse">
+            <a:avLst/>
+          </a:prstGeom>
+          <a:solidFill>
+            <a:schemeClr val="dk2">
+              <a:alpha val="9800"/>
+            </a:schemeClr>
+          </a:solidFill>
+          <a:ln>
+            <a:noFill/>
+          </a:ln>
+        </p:spPr>
+        <p:txBody>
+          <a:bodyPr spcFirstLastPara="1" wrap="square" lIns="68575" tIns="34275" rIns="68575" bIns="34275" anchor="ctr" anchorCtr="0">
+            <a:noAutofit/>
+          </a:bodyPr>
+          <a:lstStyle/>
+          <a:p>
+            <a:pPr marL="0" marR="0" lvl="0" indent="0" algn="ctr" rtl="0">
+              <a:spcBef>
+                <a:spcPts val="0"/>
+              </a:spcBef>
+              <a:spcAft>
+                <a:spcPts val="0"/>
+              </a:spcAft>
+              <a:buNone/>
+            </a:pPr>
+            <a:endParaRPr sz="1400" b="0" i="0" u="none" strike="noStrike" cap="none">
+              <a:solidFill>
+                <a:schemeClr val="lt1"/>
+              </a:solidFill>
+              <a:latin typeface="Calibri"/>
+              <a:ea typeface="Calibri"/>
+              <a:cs typeface="Calibri"/>
+              <a:sym typeface="Calibri"/>
+            </a:endParaRPr>
+          </a:p>
+        </p:txBody>
+      </p:sp>
+      <p:grpSp>
+        <p:nvGrpSpPr>
+          <p:cNvPr id="940" name="Google Shape;940;p87"/>
+          <p:cNvGrpSpPr/>
+          <p:nvPr/>
+        </p:nvGrpSpPr>
+        <p:grpSpPr>
+          <a:xfrm>
+            <a:off x="7311774" y="73947"/>
+            <a:ext cx="1385504" cy="379137"/>
+            <a:chOff x="1001485" y="2416628"/>
+            <a:chExt cx="6338079" cy="1915800"/>
+          </a:xfrm>
+        </p:grpSpPr>
+        <p:sp>
+          <p:nvSpPr>
+            <p:cNvPr id="941" name="Google Shape;941;p87"/>
+            <p:cNvSpPr/>
+            <p:nvPr/>
+          </p:nvSpPr>
+          <p:spPr>
+            <a:xfrm>
+              <a:off x="1001485" y="2416628"/>
+              <a:ext cx="1915800" cy="1915800"/>
+            </a:xfrm>
+            <a:prstGeom prst="ellipse">
+              <a:avLst/>
+            </a:prstGeom>
+            <a:solidFill>
+              <a:srgbClr val="B7B7B7"/>
+            </a:solidFill>
+            <a:ln>
+              <a:noFill/>
+            </a:ln>
+            <a:effectLst>
+              <a:outerShdw blurRad="57150" dist="19050" dir="5400000" algn="bl" rotWithShape="0">
+                <a:srgbClr val="000000">
+                  <a:alpha val="50000"/>
+                </a:srgbClr>
+              </a:outerShdw>
+            </a:effectLst>
+          </p:spPr>
+          <p:txBody>
+            <a:bodyPr spcFirstLastPara="1" wrap="square" lIns="68575" tIns="34275" rIns="68575" bIns="34275" anchor="ctr" anchorCtr="0">
+              <a:noAutofit/>
+            </a:bodyPr>
+            <a:lstStyle/>
+            <a:p>
+              <a:pPr marL="0" marR="0" lvl="0" indent="0" algn="ctr" rtl="0">
+                <a:spcBef>
+                  <a:spcPts val="0"/>
+                </a:spcBef>
+                <a:spcAft>
+                  <a:spcPts val="0"/>
+                </a:spcAft>
+                <a:buNone/>
+              </a:pPr>
+              <a:endParaRPr sz="1400" b="0" i="0" u="none" strike="noStrike" cap="none">
+                <a:solidFill>
+                  <a:schemeClr val="lt1"/>
+                </a:solidFill>
+                <a:latin typeface="Calibri"/>
+                <a:ea typeface="Calibri"/>
+                <a:cs typeface="Calibri"/>
+                <a:sym typeface="Calibri"/>
+              </a:endParaRPr>
+            </a:p>
+          </p:txBody>
+        </p:sp>
+        <p:sp>
+          <p:nvSpPr>
+            <p:cNvPr id="942" name="Google Shape;942;p87"/>
+            <p:cNvSpPr/>
+            <p:nvPr/>
+          </p:nvSpPr>
+          <p:spPr>
+            <a:xfrm>
+              <a:off x="2351314" y="2416628"/>
+              <a:ext cx="1915800" cy="1915800"/>
+            </a:xfrm>
+            <a:prstGeom prst="ellipse">
+              <a:avLst/>
+            </a:prstGeom>
+            <a:solidFill>
+              <a:srgbClr val="B7B7B7"/>
+            </a:solidFill>
+            <a:ln>
+              <a:noFill/>
+            </a:ln>
+            <a:effectLst>
+              <a:outerShdw blurRad="57150" dist="19050" dir="5400000" algn="bl" rotWithShape="0">
+                <a:srgbClr val="000000">
+                  <a:alpha val="50000"/>
+                </a:srgbClr>
+              </a:outerShdw>
+            </a:effectLst>
+          </p:spPr>
+          <p:txBody>
+            <a:bodyPr spcFirstLastPara="1" wrap="square" lIns="68575" tIns="34275" rIns="68575" bIns="34275" anchor="ctr" anchorCtr="0">
+              <a:noAutofit/>
+            </a:bodyPr>
+            <a:lstStyle/>
+            <a:p>
+              <a:pPr marL="0" marR="0" lvl="0" indent="0" algn="ctr" rtl="0">
+                <a:spcBef>
+                  <a:spcPts val="0"/>
+                </a:spcBef>
+                <a:spcAft>
+                  <a:spcPts val="0"/>
+                </a:spcAft>
+                <a:buNone/>
+              </a:pPr>
+              <a:endParaRPr sz="1400" b="0" i="0" u="none" strike="noStrike" cap="none">
+                <a:solidFill>
+                  <a:schemeClr val="lt1"/>
+                </a:solidFill>
+                <a:latin typeface="Calibri"/>
+                <a:ea typeface="Calibri"/>
+                <a:cs typeface="Calibri"/>
+                <a:sym typeface="Calibri"/>
+              </a:endParaRPr>
+            </a:p>
+          </p:txBody>
+        </p:sp>
+        <p:sp>
+          <p:nvSpPr>
+            <p:cNvPr id="943" name="Google Shape;943;p87"/>
+            <p:cNvSpPr/>
+            <p:nvPr/>
+          </p:nvSpPr>
+          <p:spPr>
+            <a:xfrm>
+              <a:off x="3896292" y="2416628"/>
+              <a:ext cx="1915800" cy="1915800"/>
+            </a:xfrm>
+            <a:prstGeom prst="ellipse">
+              <a:avLst/>
+            </a:prstGeom>
+            <a:solidFill>
+              <a:srgbClr val="FF9900"/>
+            </a:solidFill>
+            <a:ln>
+              <a:noFill/>
+            </a:ln>
+            <a:effectLst>
+              <a:outerShdw blurRad="57150" dist="19050" dir="5400000" algn="bl" rotWithShape="0">
+                <a:srgbClr val="000000">
+                  <a:alpha val="50000"/>
+                </a:srgbClr>
+              </a:outerShdw>
+            </a:effectLst>
+          </p:spPr>
+          <p:txBody>
+            <a:bodyPr spcFirstLastPara="1" wrap="square" lIns="68575" tIns="34275" rIns="68575" bIns="34275" anchor="ctr" anchorCtr="0">
+              <a:noAutofit/>
+            </a:bodyPr>
+            <a:lstStyle/>
+            <a:p>
+              <a:pPr marL="0" marR="0" lvl="0" indent="0" algn="ctr" rtl="0">
+                <a:spcBef>
+                  <a:spcPts val="0"/>
+                </a:spcBef>
+                <a:spcAft>
+                  <a:spcPts val="0"/>
+                </a:spcAft>
+                <a:buNone/>
+              </a:pPr>
+              <a:endParaRPr sz="1400" b="0" i="0" u="none" strike="noStrike" cap="none">
+                <a:solidFill>
+                  <a:schemeClr val="lt1"/>
+                </a:solidFill>
+                <a:latin typeface="Calibri"/>
+                <a:ea typeface="Calibri"/>
+                <a:cs typeface="Calibri"/>
+                <a:sym typeface="Calibri"/>
+              </a:endParaRPr>
+            </a:p>
+          </p:txBody>
+        </p:sp>
+        <p:sp>
+          <p:nvSpPr>
+            <p:cNvPr id="944" name="Google Shape;944;p87"/>
+            <p:cNvSpPr/>
+            <p:nvPr/>
+          </p:nvSpPr>
+          <p:spPr>
+            <a:xfrm>
+              <a:off x="5423764" y="2416628"/>
+              <a:ext cx="1915800" cy="1915800"/>
+            </a:xfrm>
+            <a:prstGeom prst="ellipse">
+              <a:avLst/>
+            </a:prstGeom>
+            <a:solidFill>
+              <a:srgbClr val="B7B7B7"/>
+            </a:solidFill>
+            <a:ln>
+              <a:noFill/>
+            </a:ln>
+            <a:effectLst>
+              <a:outerShdw blurRad="57150" dist="19050" dir="5400000" algn="bl" rotWithShape="0">
+                <a:srgbClr val="000000">
+                  <a:alpha val="50000"/>
+                </a:srgbClr>
+              </a:outerShdw>
+            </a:effectLst>
+          </p:spPr>
+          <p:txBody>
+            <a:bodyPr spcFirstLastPara="1" wrap="square" lIns="68575" tIns="34275" rIns="68575" bIns="34275" anchor="ctr" anchorCtr="0">
+              <a:noAutofit/>
+            </a:bodyPr>
+            <a:lstStyle/>
+            <a:p>
+              <a:pPr marL="0" lvl="0" indent="0" algn="ctr" rtl="0">
+                <a:spcBef>
+                  <a:spcPts val="0"/>
+                </a:spcBef>
+                <a:spcAft>
+                  <a:spcPts val="0"/>
+                </a:spcAft>
+                <a:buClr>
+                  <a:schemeClr val="lt1"/>
+                </a:buClr>
+                <a:buSzPts val="6000"/>
+                <a:buFont typeface="Arial"/>
+                <a:buNone/>
+              </a:pPr>
+              <a:endParaRPr sz="1400" b="0" i="0" u="none" strike="noStrike" cap="none">
+                <a:solidFill>
+                  <a:schemeClr val="lt1"/>
+                </a:solidFill>
+                <a:latin typeface="Calibri"/>
+                <a:ea typeface="Calibri"/>
+                <a:cs typeface="Calibri"/>
+                <a:sym typeface="Calibri"/>
+              </a:endParaRPr>
+            </a:p>
+          </p:txBody>
+        </p:sp>
+      </p:grpSp>
+      <p:sp>
+        <p:nvSpPr>
+          <p:cNvPr id="945" name="Google Shape;945;p87"/>
+          <p:cNvSpPr/>
+          <p:nvPr/>
+        </p:nvSpPr>
+        <p:spPr>
+          <a:xfrm>
+            <a:off x="6978175" y="543075"/>
+            <a:ext cx="2052000" cy="61800"/>
+          </a:xfrm>
+          <a:prstGeom prst="ellipse">
+            <a:avLst/>
+          </a:prstGeom>
+          <a:solidFill>
+            <a:schemeClr val="dk2">
+              <a:alpha val="9800"/>
+            </a:schemeClr>
+          </a:solidFill>
+          <a:ln>
+            <a:noFill/>
+          </a:ln>
+        </p:spPr>
+        <p:txBody>
+          <a:bodyPr spcFirstLastPara="1" wrap="square" lIns="68575" tIns="34275" rIns="68575" bIns="34275" anchor="ctr" anchorCtr="0">
+            <a:noAutofit/>
+          </a:bodyPr>
+          <a:lstStyle/>
+          <a:p>
+            <a:pPr marL="0" marR="0" lvl="0" indent="0" algn="ctr" rtl="0">
+              <a:spcBef>
+                <a:spcPts val="0"/>
+              </a:spcBef>
+              <a:spcAft>
+                <a:spcPts val="0"/>
+              </a:spcAft>
+              <a:buNone/>
+            </a:pPr>
+            <a:endParaRPr sz="1400" b="0" i="0" u="none" strike="noStrike" cap="none">
+              <a:solidFill>
+                <a:schemeClr val="lt1"/>
+              </a:solidFill>
+              <a:latin typeface="Calibri"/>
+              <a:ea typeface="Calibri"/>
+              <a:cs typeface="Calibri"/>
+              <a:sym typeface="Calibri"/>
+            </a:endParaRPr>
+          </a:p>
+        </p:txBody>
+      </p:sp>
+      <p:sp>
+        <p:nvSpPr>
+          <p:cNvPr id="946" name="Google Shape;946;p87"/>
+          <p:cNvSpPr txBox="1"/>
+          <p:nvPr/>
+        </p:nvSpPr>
+        <p:spPr>
+          <a:xfrm>
+            <a:off x="8326545" y="149012"/>
+            <a:ext cx="322200" cy="228900"/>
+          </a:xfrm>
+          <a:prstGeom prst="rect">
+            <a:avLst/>
+          </a:prstGeom>
+          <a:noFill/>
+          <a:ln>
+            <a:noFill/>
+          </a:ln>
+          <a:effectLst>
+            <a:outerShdw blurRad="57150" dist="19050" dir="5400000" algn="bl" rotWithShape="0">
+              <a:srgbClr val="000000">
+                <a:alpha val="50000"/>
+              </a:srgbClr>
+            </a:outerShdw>
+          </a:effectLst>
+        </p:spPr>
+        <p:txBody>
+          <a:bodyPr spcFirstLastPara="1" wrap="square" lIns="68575" tIns="34275" rIns="68575" bIns="34275" anchor="t" anchorCtr="0">
+            <a:noAutofit/>
+          </a:bodyPr>
+          <a:lstStyle/>
+          <a:p>
+            <a:pPr marL="0" marR="0" lvl="0" indent="0" algn="ctr" rtl="0">
+              <a:lnSpc>
+                <a:spcPct val="100000"/>
+              </a:lnSpc>
+              <a:spcBef>
+                <a:spcPts val="0"/>
+              </a:spcBef>
+              <a:spcAft>
+                <a:spcPts val="0"/>
+              </a:spcAft>
+              <a:buClr>
+                <a:srgbClr val="FFFFFF"/>
+              </a:buClr>
+              <a:buSzPts val="6000"/>
+              <a:buFont typeface="Arial"/>
+              <a:buNone/>
+            </a:pPr>
+            <a:r>
+              <a:rPr lang="it" sz="1000" b="1" i="0" u="none" strike="noStrike" cap="none">
+                <a:solidFill>
+                  <a:srgbClr val="FFFFFF"/>
+                </a:solidFill>
+                <a:latin typeface="Arial"/>
+                <a:ea typeface="Arial"/>
+                <a:cs typeface="Arial"/>
+                <a:sym typeface="Arial"/>
+              </a:rPr>
+              <a:t>0</a:t>
+            </a:r>
+            <a:r>
+              <a:rPr lang="it" sz="1000" b="1">
+                <a:solidFill>
+                  <a:srgbClr val="FFFFFF"/>
+                </a:solidFill>
+              </a:rPr>
+              <a:t>4</a:t>
+            </a:r>
+            <a:endParaRPr sz="1000"/>
+          </a:p>
+        </p:txBody>
+      </p:sp>
+      <p:sp>
+        <p:nvSpPr>
+          <p:cNvPr id="947" name="Google Shape;947;p87"/>
+          <p:cNvSpPr txBox="1"/>
+          <p:nvPr/>
+        </p:nvSpPr>
+        <p:spPr>
+          <a:xfrm>
+            <a:off x="7353960" y="149012"/>
+            <a:ext cx="322200" cy="228900"/>
+          </a:xfrm>
+          <a:prstGeom prst="rect">
+            <a:avLst/>
+          </a:prstGeom>
+          <a:noFill/>
+          <a:ln>
+            <a:noFill/>
+          </a:ln>
+          <a:effectLst>
+            <a:outerShdw blurRad="57150" dist="19050" dir="5400000" algn="bl" rotWithShape="0">
+              <a:srgbClr val="000000">
+                <a:alpha val="50000"/>
+              </a:srgbClr>
+            </a:outerShdw>
+          </a:effectLst>
+        </p:spPr>
+        <p:txBody>
+          <a:bodyPr spcFirstLastPara="1" wrap="square" lIns="68575" tIns="34275" rIns="68575" bIns="34275" anchor="t" anchorCtr="0">
+            <a:noAutofit/>
+          </a:bodyPr>
+          <a:lstStyle/>
+          <a:p>
+            <a:pPr marL="0" marR="0" lvl="0" indent="0" algn="ctr" rtl="0">
+              <a:lnSpc>
+                <a:spcPct val="100000"/>
+              </a:lnSpc>
+              <a:spcBef>
+                <a:spcPts val="0"/>
+              </a:spcBef>
+              <a:spcAft>
+                <a:spcPts val="0"/>
+              </a:spcAft>
+              <a:buClr>
+                <a:srgbClr val="FFFFFF"/>
+              </a:buClr>
+              <a:buSzPts val="6000"/>
+              <a:buFont typeface="Arial"/>
+              <a:buNone/>
+            </a:pPr>
+            <a:r>
+              <a:rPr lang="it" sz="1000" b="1" i="0" u="none" strike="noStrike" cap="none">
+                <a:solidFill>
+                  <a:srgbClr val="FFFFFF"/>
+                </a:solidFill>
+                <a:latin typeface="Arial"/>
+                <a:ea typeface="Arial"/>
+                <a:cs typeface="Arial"/>
+                <a:sym typeface="Arial"/>
+              </a:rPr>
+              <a:t>01</a:t>
+            </a:r>
+            <a:endParaRPr sz="1000"/>
+          </a:p>
+        </p:txBody>
+      </p:sp>
+      <p:sp>
+        <p:nvSpPr>
+          <p:cNvPr id="948" name="Google Shape;948;p87"/>
+          <p:cNvSpPr txBox="1"/>
+          <p:nvPr/>
+        </p:nvSpPr>
+        <p:spPr>
+          <a:xfrm>
+            <a:off x="7644681" y="149012"/>
+            <a:ext cx="322200" cy="228900"/>
+          </a:xfrm>
+          <a:prstGeom prst="rect">
+            <a:avLst/>
+          </a:prstGeom>
+          <a:noFill/>
+          <a:ln>
+            <a:noFill/>
+          </a:ln>
+          <a:effectLst>
+            <a:outerShdw blurRad="57150" dist="19050" dir="5400000" algn="bl" rotWithShape="0">
+              <a:srgbClr val="000000">
+                <a:alpha val="50000"/>
+              </a:srgbClr>
+            </a:outerShdw>
+          </a:effectLst>
+        </p:spPr>
+        <p:txBody>
+          <a:bodyPr spcFirstLastPara="1" wrap="square" lIns="68575" tIns="34275" rIns="68575" bIns="34275" anchor="t" anchorCtr="0">
+            <a:noAutofit/>
+          </a:bodyPr>
+          <a:lstStyle/>
+          <a:p>
+            <a:pPr marL="0" marR="0" lvl="0" indent="0" algn="ctr" rtl="0">
+              <a:lnSpc>
+                <a:spcPct val="100000"/>
+              </a:lnSpc>
+              <a:spcBef>
+                <a:spcPts val="0"/>
+              </a:spcBef>
+              <a:spcAft>
+                <a:spcPts val="0"/>
+              </a:spcAft>
+              <a:buClr>
+                <a:srgbClr val="FFFFFF"/>
+              </a:buClr>
+              <a:buSzPts val="6000"/>
+              <a:buFont typeface="Arial"/>
+              <a:buNone/>
+            </a:pPr>
+            <a:r>
+              <a:rPr lang="it" sz="1000" b="1" i="0" u="none" strike="noStrike" cap="none">
+                <a:solidFill>
+                  <a:srgbClr val="FFFFFF"/>
+                </a:solidFill>
+                <a:latin typeface="Arial"/>
+                <a:ea typeface="Arial"/>
+                <a:cs typeface="Arial"/>
+                <a:sym typeface="Arial"/>
+              </a:rPr>
+              <a:t>02</a:t>
+            </a:r>
+            <a:endParaRPr sz="1000"/>
+          </a:p>
+        </p:txBody>
+      </p:sp>
+      <p:sp>
+        <p:nvSpPr>
+          <p:cNvPr id="949" name="Google Shape;949;p87"/>
+          <p:cNvSpPr txBox="1"/>
+          <p:nvPr/>
+        </p:nvSpPr>
+        <p:spPr>
+          <a:xfrm>
+            <a:off x="7986170" y="149012"/>
+            <a:ext cx="322200" cy="228900"/>
+          </a:xfrm>
+          <a:prstGeom prst="rect">
+            <a:avLst/>
+          </a:prstGeom>
+          <a:noFill/>
+          <a:ln>
+            <a:noFill/>
+          </a:ln>
+          <a:effectLst>
+            <a:outerShdw blurRad="57150" dist="19050" dir="5400000" algn="bl" rotWithShape="0">
+              <a:srgbClr val="000000">
+                <a:alpha val="50000"/>
+              </a:srgbClr>
+            </a:outerShdw>
+          </a:effectLst>
+        </p:spPr>
+        <p:txBody>
+          <a:bodyPr spcFirstLastPara="1" wrap="square" lIns="68575" tIns="34275" rIns="68575" bIns="34275" anchor="t" anchorCtr="0">
+            <a:noAutofit/>
+          </a:bodyPr>
+          <a:lstStyle/>
+          <a:p>
+            <a:pPr marL="0" marR="0" lvl="0" indent="0" algn="ctr" rtl="0">
+              <a:lnSpc>
+                <a:spcPct val="100000"/>
+              </a:lnSpc>
+              <a:spcBef>
+                <a:spcPts val="0"/>
+              </a:spcBef>
+              <a:spcAft>
+                <a:spcPts val="0"/>
+              </a:spcAft>
+              <a:buClr>
+                <a:srgbClr val="FFFFFF"/>
+              </a:buClr>
+              <a:buSzPts val="6000"/>
+              <a:buFont typeface="Arial"/>
+              <a:buNone/>
+            </a:pPr>
+            <a:r>
+              <a:rPr lang="it" sz="1000" b="1" i="0" u="none" strike="noStrike" cap="none">
+                <a:solidFill>
+                  <a:srgbClr val="FFFFFF"/>
+                </a:solidFill>
+                <a:latin typeface="Arial"/>
+                <a:ea typeface="Arial"/>
+                <a:cs typeface="Arial"/>
+                <a:sym typeface="Arial"/>
+              </a:rPr>
+              <a:t>0</a:t>
+            </a:r>
+            <a:r>
+              <a:rPr lang="it" sz="1000" b="1">
+                <a:solidFill>
+                  <a:srgbClr val="FFFFFF"/>
+                </a:solidFill>
+              </a:rPr>
+              <a:t>3</a:t>
+            </a:r>
+            <a:endParaRPr sz="1000"/>
+          </a:p>
+        </p:txBody>
+      </p:sp>
+      <p:pic>
+        <p:nvPicPr>
+          <p:cNvPr id="4" name="Immagine 3">
+            <a:extLst>
+              <a:ext uri="{FF2B5EF4-FFF2-40B4-BE49-F238E27FC236}">
+                <a16:creationId xmlns:a16="http://schemas.microsoft.com/office/drawing/2014/main" id="{BCB32BA8-5572-434D-9744-BD008F02D850}"/>
+              </a:ext>
+            </a:extLst>
+          </p:cNvPr>
+          <p:cNvPicPr>
+            <a:picLocks noChangeAspect="1"/>
+          </p:cNvPicPr>
+          <p:nvPr/>
+        </p:nvPicPr>
+        <p:blipFill>
+          <a:blip r:embed="rId3"/>
+          <a:stretch>
+            <a:fillRect/>
+          </a:stretch>
+        </p:blipFill>
+        <p:spPr>
+          <a:xfrm>
+            <a:off x="1587999" y="909624"/>
+            <a:ext cx="5968002" cy="3988267"/>
+          </a:xfrm>
+          <a:prstGeom prst="rect">
+            <a:avLst/>
+          </a:prstGeom>
+          <a:effectLst>
+            <a:outerShdw blurRad="50800" dist="38100" dir="8100000" algn="tr" rotWithShape="0">
+              <a:prstClr val="black">
+                <a:alpha val="40000"/>
+              </a:prstClr>
+            </a:outerShdw>
+          </a:effectLst>
+        </p:spPr>
+      </p:pic>
+    </p:spTree>
+    <p:extLst>
+      <p:ext uri="{BB962C8B-B14F-4D97-AF65-F5344CB8AC3E}">
+        <p14:creationId xmlns:p14="http://schemas.microsoft.com/office/powerpoint/2010/main" val="1441903891"/>
+      </p:ext>
+    </p:extLst>
+  </p:cSld>
+  <p:clrMapOvr>
+    <a:masterClrMapping/>
+  </p:clrMapOvr>
+</p:sld>
+</file>
+
+<file path=ppt/slides/slide18.xml><?xml version="1.0" encoding="utf-8"?>
 <p:sld xmlns:a="http://schemas.openxmlformats.org/drawingml/2006/main" xmlns:r="http://schemas.openxmlformats.org/officeDocument/2006/relationships" xmlns:p="http://schemas.openxmlformats.org/presentationml/2006/main">
   <p:cSld>
     <p:bg>
@@ -34048,7 +37799,7 @@
 </p:sld>
 </file>
 
-<file path=ppt/slides/slide17.xml><?xml version="1.0" encoding="utf-8"?>
+<file path=ppt/slides/slide19.xml><?xml version="1.0" encoding="utf-8"?>
 <p:sld xmlns:a="http://schemas.openxmlformats.org/drawingml/2006/main" xmlns:r="http://schemas.openxmlformats.org/officeDocument/2006/relationships" xmlns:p="http://schemas.openxmlformats.org/presentationml/2006/main">
   <p:cSld>
     <p:bg>
@@ -35459,10 +39210,10 @@
       </p:sp>
       <p:pic>
         <p:nvPicPr>
-          <p:cNvPr id="35" name="Immagine 34">
+          <p:cNvPr id="3" name="Immagine 2">
             <a:extLst>
               <a:ext uri="{FF2B5EF4-FFF2-40B4-BE49-F238E27FC236}">
-                <a16:creationId xmlns:a16="http://schemas.microsoft.com/office/drawing/2014/main" id="{FCB839F9-4C8C-4B37-9851-4D1C0FCBF061}"/>
+                <a16:creationId xmlns:a16="http://schemas.microsoft.com/office/drawing/2014/main" id="{BE7A185B-4493-4061-A35D-8743FC7DE0A5}"/>
               </a:ext>
             </a:extLst>
           </p:cNvPr>
@@ -35471,21 +39222,16 @@
           </p:cNvPicPr>
           <p:nvPr/>
         </p:nvPicPr>
-        <p:blipFill rotWithShape="1">
-          <a:blip r:embed="rId3">
-            <a:extLst>
-              <a:ext uri="{28A0092B-C50C-407E-A947-70E740481C1C}">
-                <a14:useLocalDpi xmlns:a14="http://schemas.microsoft.com/office/drawing/2010/main" val="0"/>
-              </a:ext>
-            </a:extLst>
-          </a:blip>
-          <a:srcRect b="6465"/>
-          <a:stretch/>
+        <p:blipFill>
+          <a:blip r:embed="rId3"/>
+          <a:stretch>
+            <a:fillRect/>
+          </a:stretch>
         </p:blipFill>
         <p:spPr>
           <a:xfrm>
-            <a:off x="641432" y="1831341"/>
-            <a:ext cx="3710322" cy="3091758"/>
+            <a:off x="606695" y="1699171"/>
+            <a:ext cx="3965305" cy="3187450"/>
           </a:xfrm>
           <a:prstGeom prst="rect">
             <a:avLst/>
@@ -35501,10 +39247,10 @@
       </p:pic>
       <p:pic>
         <p:nvPicPr>
-          <p:cNvPr id="37" name="Immagine 36">
+          <p:cNvPr id="5" name="Immagine 4">
             <a:extLst>
               <a:ext uri="{FF2B5EF4-FFF2-40B4-BE49-F238E27FC236}">
-                <a16:creationId xmlns:a16="http://schemas.microsoft.com/office/drawing/2014/main" id="{250AE98D-554A-44AA-B01D-89DE6947A522}"/>
+                <a16:creationId xmlns:a16="http://schemas.microsoft.com/office/drawing/2014/main" id="{50594F0E-2B71-4451-91AC-8D62448F01CD}"/>
               </a:ext>
             </a:extLst>
           </p:cNvPr>
@@ -35514,20 +39260,14 @@
           <p:nvPr/>
         </p:nvPicPr>
         <p:blipFill rotWithShape="1">
-          <a:blip r:embed="rId4">
-            <a:extLst>
-              <a:ext uri="{28A0092B-C50C-407E-A947-70E740481C1C}">
-                <a14:useLocalDpi xmlns:a14="http://schemas.microsoft.com/office/drawing/2010/main" val="0"/>
-              </a:ext>
-            </a:extLst>
-          </a:blip>
-          <a:srcRect b="5967"/>
+          <a:blip r:embed="rId4"/>
+          <a:srcRect/>
           <a:stretch/>
         </p:blipFill>
         <p:spPr>
           <a:xfrm>
-            <a:off x="4839339" y="1831341"/>
-            <a:ext cx="3813387" cy="3094292"/>
+            <a:off x="4879332" y="1699171"/>
+            <a:ext cx="3936761" cy="3187451"/>
           </a:xfrm>
           <a:prstGeom prst="rect">
             <a:avLst/>
@@ -35551,96 +39291,198 @@
   <p:clrMapOvr>
     <a:masterClrMapping/>
   </p:clrMapOvr>
-</p:sld>
-</file>
-
-<file path=ppt/slides/slide18.xml><?xml version="1.0" encoding="utf-8"?>
-<p:sld xmlns:a="http://schemas.openxmlformats.org/drawingml/2006/main" xmlns:r="http://schemas.openxmlformats.org/officeDocument/2006/relationships" xmlns:p="http://schemas.openxmlformats.org/presentationml/2006/main">
-  <p:cSld>
-    <p:bg>
-      <p:bgPr>
-        <a:gradFill>
-          <a:gsLst>
-            <a:gs pos="0">
-              <a:srgbClr val="F2F2F2"/>
-            </a:gs>
-            <a:gs pos="100000">
-              <a:srgbClr val="A6A6A6"/>
-            </a:gs>
-          </a:gsLst>
-          <a:lin ang="5400012" scaled="0"/>
-        </a:gradFill>
-        <a:effectLst/>
-      </p:bgPr>
-    </p:bg>
-    <p:spTree>
-      <p:nvGrpSpPr>
-        <p:cNvPr id="1" name="Shape 1205"/>
-        <p:cNvGrpSpPr/>
-        <p:nvPr/>
-      </p:nvGrpSpPr>
-      <p:grpSpPr>
-        <a:xfrm>
-          <a:off x="0" y="0"/>
-          <a:ext cx="0" cy="0"/>
-          <a:chOff x="0" y="0"/>
-          <a:chExt cx="0" cy="0"/>
-        </a:xfrm>
-      </p:grpSpPr>
-      <p:sp>
-        <p:nvSpPr>
-          <p:cNvPr id="2" name="Segnaposto testo 1">
-            <a:extLst>
-              <a:ext uri="{FF2B5EF4-FFF2-40B4-BE49-F238E27FC236}">
-                <a16:creationId xmlns:a16="http://schemas.microsoft.com/office/drawing/2014/main" id="{13B93B03-EBDC-493D-8A8D-D690A3329813}"/>
-              </a:ext>
-            </a:extLst>
-          </p:cNvPr>
-          <p:cNvSpPr>
-            <a:spLocks noGrp="1"/>
-          </p:cNvSpPr>
-          <p:nvPr>
-            <p:ph type="body" idx="1"/>
-          </p:nvPr>
-        </p:nvSpPr>
-        <p:spPr>
-          <a:xfrm>
-            <a:off x="0" y="3482340"/>
-            <a:ext cx="9144000" cy="743827"/>
-          </a:xfrm>
-        </p:spPr>
-        <p:txBody>
-          <a:bodyPr/>
-          <a:lstStyle/>
-          <a:p>
-            <a:pPr marL="0" marR="0" lvl="0" indent="0" algn="ctr" rtl="0">
-              <a:spcBef>
-                <a:spcPts val="0"/>
-              </a:spcBef>
-              <a:spcAft>
-                <a:spcPts val="0"/>
-              </a:spcAft>
-              <a:buNone/>
-            </a:pPr>
-            <a:r>
-              <a:rPr lang="it-IT" sz="3600" dirty="0">
-                <a:solidFill>
-                  <a:schemeClr val="accent2">
-                    <a:lumMod val="50000"/>
-                  </a:schemeClr>
-                </a:solidFill>
-                <a:latin typeface="Bahnschrift SemiBold SemiConden" panose="020B0502040204020203" pitchFamily="34" charset="0"/>
-              </a:rPr>
-              <a:t>Grazie per l’attenzione!</a:t>
-            </a:r>
-          </a:p>
-        </p:txBody>
-      </p:sp>
-    </p:spTree>
-  </p:cSld>
-  <p:clrMapOvr>
-    <a:masterClrMapping/>
-  </p:clrMapOvr>
+  <p:timing>
+    <p:tnLst>
+      <p:par>
+        <p:cTn id="1" dur="indefinite" restart="never" nodeType="tmRoot">
+          <p:childTnLst>
+            <p:seq concurrent="1" nextAc="seek">
+              <p:cTn id="2" dur="indefinite" nodeType="mainSeq">
+                <p:childTnLst>
+                  <p:par>
+                    <p:cTn id="3" fill="hold">
+                      <p:stCondLst>
+                        <p:cond delay="indefinite"/>
+                      </p:stCondLst>
+                      <p:childTnLst>
+                        <p:par>
+                          <p:cTn id="4" fill="hold">
+                            <p:stCondLst>
+                              <p:cond delay="0"/>
+                            </p:stCondLst>
+                            <p:childTnLst>
+                              <p:par>
+                                <p:cTn id="5" presetID="10" presetClass="entr" presetSubtype="0" fill="hold" nodeType="clickEffect">
+                                  <p:stCondLst>
+                                    <p:cond delay="2750"/>
+                                  </p:stCondLst>
+                                  <p:childTnLst>
+                                    <p:set>
+                                      <p:cBhvr>
+                                        <p:cTn id="6" dur="1" fill="hold">
+                                          <p:stCondLst>
+                                            <p:cond delay="0"/>
+                                          </p:stCondLst>
+                                        </p:cTn>
+                                        <p:tgtEl>
+                                          <p:spTgt spid="3"/>
+                                        </p:tgtEl>
+                                        <p:attrNameLst>
+                                          <p:attrName>style.visibility</p:attrName>
+                                        </p:attrNameLst>
+                                      </p:cBhvr>
+                                      <p:to>
+                                        <p:strVal val="visible"/>
+                                      </p:to>
+                                    </p:set>
+                                    <p:animEffect transition="in" filter="fade">
+                                      <p:cBhvr>
+                                        <p:cTn id="7" dur="500"/>
+                                        <p:tgtEl>
+                                          <p:spTgt spid="3"/>
+                                        </p:tgtEl>
+                                      </p:cBhvr>
+                                    </p:animEffect>
+                                  </p:childTnLst>
+                                </p:cTn>
+                              </p:par>
+                              <p:par>
+                                <p:cTn id="8" presetID="10" presetClass="entr" presetSubtype="0" fill="hold" nodeType="withEffect">
+                                  <p:stCondLst>
+                                    <p:cond delay="2750"/>
+                                  </p:stCondLst>
+                                  <p:childTnLst>
+                                    <p:set>
+                                      <p:cBhvr>
+                                        <p:cTn id="9" dur="1" fill="hold">
+                                          <p:stCondLst>
+                                            <p:cond delay="0"/>
+                                          </p:stCondLst>
+                                        </p:cTn>
+                                        <p:tgtEl>
+                                          <p:spTgt spid="5"/>
+                                        </p:tgtEl>
+                                        <p:attrNameLst>
+                                          <p:attrName>style.visibility</p:attrName>
+                                        </p:attrNameLst>
+                                      </p:cBhvr>
+                                      <p:to>
+                                        <p:strVal val="visible"/>
+                                      </p:to>
+                                    </p:set>
+                                    <p:animEffect transition="in" filter="fade">
+                                      <p:cBhvr>
+                                        <p:cTn id="10" dur="500"/>
+                                        <p:tgtEl>
+                                          <p:spTgt spid="5"/>
+                                        </p:tgtEl>
+                                      </p:cBhvr>
+                                    </p:animEffect>
+                                  </p:childTnLst>
+                                </p:cTn>
+                              </p:par>
+                              <p:par>
+                                <p:cTn id="11" presetID="10" presetClass="entr" presetSubtype="0" fill="hold" grpId="0" nodeType="withEffect">
+                                  <p:stCondLst>
+                                    <p:cond delay="0"/>
+                                  </p:stCondLst>
+                                  <p:childTnLst>
+                                    <p:set>
+                                      <p:cBhvr>
+                                        <p:cTn id="12" dur="1" fill="hold">
+                                          <p:stCondLst>
+                                            <p:cond delay="0"/>
+                                          </p:stCondLst>
+                                        </p:cTn>
+                                        <p:tgtEl>
+                                          <p:spTgt spid="29"/>
+                                        </p:tgtEl>
+                                        <p:attrNameLst>
+                                          <p:attrName>style.visibility</p:attrName>
+                                        </p:attrNameLst>
+                                      </p:cBhvr>
+                                      <p:to>
+                                        <p:strVal val="visible"/>
+                                      </p:to>
+                                    </p:set>
+                                    <p:animEffect transition="in" filter="fade">
+                                      <p:cBhvr>
+                                        <p:cTn id="13" dur="750"/>
+                                        <p:tgtEl>
+                                          <p:spTgt spid="29"/>
+                                        </p:tgtEl>
+                                      </p:cBhvr>
+                                    </p:animEffect>
+                                  </p:childTnLst>
+                                </p:cTn>
+                              </p:par>
+                              <p:par>
+                                <p:cTn id="14" presetID="10" presetClass="entr" presetSubtype="0" fill="hold" grpId="0" nodeType="withEffect">
+                                  <p:stCondLst>
+                                    <p:cond delay="750"/>
+                                  </p:stCondLst>
+                                  <p:childTnLst>
+                                    <p:set>
+                                      <p:cBhvr>
+                                        <p:cTn id="15" dur="1" fill="hold">
+                                          <p:stCondLst>
+                                            <p:cond delay="0"/>
+                                          </p:stCondLst>
+                                        </p:cTn>
+                                        <p:tgtEl>
+                                          <p:spTgt spid="32"/>
+                                        </p:tgtEl>
+                                        <p:attrNameLst>
+                                          <p:attrName>style.visibility</p:attrName>
+                                        </p:attrNameLst>
+                                      </p:cBhvr>
+                                      <p:to>
+                                        <p:strVal val="visible"/>
+                                      </p:to>
+                                    </p:set>
+                                    <p:animEffect transition="in" filter="fade">
+                                      <p:cBhvr>
+                                        <p:cTn id="16" dur="500"/>
+                                        <p:tgtEl>
+                                          <p:spTgt spid="32"/>
+                                        </p:tgtEl>
+                                      </p:cBhvr>
+                                    </p:animEffect>
+                                  </p:childTnLst>
+                                </p:cTn>
+                              </p:par>
+                            </p:childTnLst>
+                          </p:cTn>
+                        </p:par>
+                      </p:childTnLst>
+                    </p:cTn>
+                  </p:par>
+                </p:childTnLst>
+              </p:cTn>
+              <p:prevCondLst>
+                <p:cond evt="onPrev" delay="0">
+                  <p:tgtEl>
+                    <p:sldTgt/>
+                  </p:tgtEl>
+                </p:cond>
+              </p:prevCondLst>
+              <p:nextCondLst>
+                <p:cond evt="onNext" delay="0">
+                  <p:tgtEl>
+                    <p:sldTgt/>
+                  </p:tgtEl>
+                </p:cond>
+              </p:nextCondLst>
+            </p:seq>
+          </p:childTnLst>
+        </p:cTn>
+      </p:par>
+    </p:tnLst>
+    <p:bldLst>
+      <p:bldP spid="29" grpId="0" animBg="1"/>
+      <p:bldP spid="32" grpId="0"/>
+    </p:bldLst>
+  </p:timing>
 </p:sld>
 </file>
 
@@ -40308,6 +44150,1787 @@
   <p:clrMapOvr>
     <a:masterClrMapping/>
   </p:clrMapOvr>
+  <p:timing>
+    <p:tnLst>
+      <p:par>
+        <p:cTn id="1" dur="indefinite" restart="never" nodeType="tmRoot">
+          <p:childTnLst>
+            <p:seq concurrent="1" nextAc="seek">
+              <p:cTn id="2" dur="indefinite" nodeType="mainSeq">
+                <p:childTnLst>
+                  <p:par>
+                    <p:cTn id="3" fill="hold">
+                      <p:stCondLst>
+                        <p:cond delay="indefinite"/>
+                        <p:cond evt="onBegin" delay="0">
+                          <p:tn val="2"/>
+                        </p:cond>
+                      </p:stCondLst>
+                      <p:childTnLst>
+                        <p:par>
+                          <p:cTn id="4" fill="hold">
+                            <p:stCondLst>
+                              <p:cond delay="0"/>
+                            </p:stCondLst>
+                            <p:childTnLst>
+                              <p:par>
+                                <p:cTn id="5" presetID="42" presetClass="entr" presetSubtype="0" fill="hold" grpId="0" nodeType="withEffect">
+                                  <p:stCondLst>
+                                    <p:cond delay="0"/>
+                                  </p:stCondLst>
+                                  <p:childTnLst>
+                                    <p:set>
+                                      <p:cBhvr>
+                                        <p:cTn id="6" dur="1" fill="hold">
+                                          <p:stCondLst>
+                                            <p:cond delay="0"/>
+                                          </p:stCondLst>
+                                        </p:cTn>
+                                        <p:tgtEl>
+                                          <p:spTgt spid="510"/>
+                                        </p:tgtEl>
+                                        <p:attrNameLst>
+                                          <p:attrName>style.visibility</p:attrName>
+                                        </p:attrNameLst>
+                                      </p:cBhvr>
+                                      <p:to>
+                                        <p:strVal val="visible"/>
+                                      </p:to>
+                                    </p:set>
+                                    <p:animEffect transition="in" filter="fade">
+                                      <p:cBhvr>
+                                        <p:cTn id="7" dur="750"/>
+                                        <p:tgtEl>
+                                          <p:spTgt spid="510"/>
+                                        </p:tgtEl>
+                                      </p:cBhvr>
+                                    </p:animEffect>
+                                    <p:anim calcmode="lin" valueType="num">
+                                      <p:cBhvr>
+                                        <p:cTn id="8" dur="750" fill="hold"/>
+                                        <p:tgtEl>
+                                          <p:spTgt spid="510"/>
+                                        </p:tgtEl>
+                                        <p:attrNameLst>
+                                          <p:attrName>ppt_x</p:attrName>
+                                        </p:attrNameLst>
+                                      </p:cBhvr>
+                                      <p:tavLst>
+                                        <p:tav tm="0">
+                                          <p:val>
+                                            <p:strVal val="#ppt_x"/>
+                                          </p:val>
+                                        </p:tav>
+                                        <p:tav tm="100000">
+                                          <p:val>
+                                            <p:strVal val="#ppt_x"/>
+                                          </p:val>
+                                        </p:tav>
+                                      </p:tavLst>
+                                    </p:anim>
+                                    <p:anim calcmode="lin" valueType="num">
+                                      <p:cBhvr>
+                                        <p:cTn id="9" dur="750" fill="hold"/>
+                                        <p:tgtEl>
+                                          <p:spTgt spid="510"/>
+                                        </p:tgtEl>
+                                        <p:attrNameLst>
+                                          <p:attrName>ppt_y</p:attrName>
+                                        </p:attrNameLst>
+                                      </p:cBhvr>
+                                      <p:tavLst>
+                                        <p:tav tm="0">
+                                          <p:val>
+                                            <p:strVal val="#ppt_y+.1"/>
+                                          </p:val>
+                                        </p:tav>
+                                        <p:tav tm="100000">
+                                          <p:val>
+                                            <p:strVal val="#ppt_y"/>
+                                          </p:val>
+                                        </p:tav>
+                                      </p:tavLst>
+                                    </p:anim>
+                                  </p:childTnLst>
+                                </p:cTn>
+                              </p:par>
+                              <p:par>
+                                <p:cTn id="10" presetID="42" presetClass="entr" presetSubtype="0" fill="hold" grpId="0" nodeType="withEffect">
+                                  <p:stCondLst>
+                                    <p:cond delay="0"/>
+                                  </p:stCondLst>
+                                  <p:childTnLst>
+                                    <p:set>
+                                      <p:cBhvr>
+                                        <p:cTn id="11" dur="1" fill="hold">
+                                          <p:stCondLst>
+                                            <p:cond delay="0"/>
+                                          </p:stCondLst>
+                                        </p:cTn>
+                                        <p:tgtEl>
+                                          <p:spTgt spid="518"/>
+                                        </p:tgtEl>
+                                        <p:attrNameLst>
+                                          <p:attrName>style.visibility</p:attrName>
+                                        </p:attrNameLst>
+                                      </p:cBhvr>
+                                      <p:to>
+                                        <p:strVal val="visible"/>
+                                      </p:to>
+                                    </p:set>
+                                    <p:animEffect transition="in" filter="fade">
+                                      <p:cBhvr>
+                                        <p:cTn id="12" dur="750"/>
+                                        <p:tgtEl>
+                                          <p:spTgt spid="518"/>
+                                        </p:tgtEl>
+                                      </p:cBhvr>
+                                    </p:animEffect>
+                                    <p:anim calcmode="lin" valueType="num">
+                                      <p:cBhvr>
+                                        <p:cTn id="13" dur="750" fill="hold"/>
+                                        <p:tgtEl>
+                                          <p:spTgt spid="518"/>
+                                        </p:tgtEl>
+                                        <p:attrNameLst>
+                                          <p:attrName>ppt_x</p:attrName>
+                                        </p:attrNameLst>
+                                      </p:cBhvr>
+                                      <p:tavLst>
+                                        <p:tav tm="0">
+                                          <p:val>
+                                            <p:strVal val="#ppt_x"/>
+                                          </p:val>
+                                        </p:tav>
+                                        <p:tav tm="100000">
+                                          <p:val>
+                                            <p:strVal val="#ppt_x"/>
+                                          </p:val>
+                                        </p:tav>
+                                      </p:tavLst>
+                                    </p:anim>
+                                    <p:anim calcmode="lin" valueType="num">
+                                      <p:cBhvr>
+                                        <p:cTn id="14" dur="750" fill="hold"/>
+                                        <p:tgtEl>
+                                          <p:spTgt spid="518"/>
+                                        </p:tgtEl>
+                                        <p:attrNameLst>
+                                          <p:attrName>ppt_y</p:attrName>
+                                        </p:attrNameLst>
+                                      </p:cBhvr>
+                                      <p:tavLst>
+                                        <p:tav tm="0">
+                                          <p:val>
+                                            <p:strVal val="#ppt_y+.1"/>
+                                          </p:val>
+                                        </p:tav>
+                                        <p:tav tm="100000">
+                                          <p:val>
+                                            <p:strVal val="#ppt_y"/>
+                                          </p:val>
+                                        </p:tav>
+                                      </p:tavLst>
+                                    </p:anim>
+                                  </p:childTnLst>
+                                </p:cTn>
+                              </p:par>
+                              <p:par>
+                                <p:cTn id="15" presetID="42" presetClass="entr" presetSubtype="0" fill="hold" grpId="0" nodeType="withEffect">
+                                  <p:stCondLst>
+                                    <p:cond delay="0"/>
+                                  </p:stCondLst>
+                                  <p:childTnLst>
+                                    <p:set>
+                                      <p:cBhvr>
+                                        <p:cTn id="16" dur="1" fill="hold">
+                                          <p:stCondLst>
+                                            <p:cond delay="0"/>
+                                          </p:stCondLst>
+                                        </p:cTn>
+                                        <p:tgtEl>
+                                          <p:spTgt spid="542"/>
+                                        </p:tgtEl>
+                                        <p:attrNameLst>
+                                          <p:attrName>style.visibility</p:attrName>
+                                        </p:attrNameLst>
+                                      </p:cBhvr>
+                                      <p:to>
+                                        <p:strVal val="visible"/>
+                                      </p:to>
+                                    </p:set>
+                                    <p:animEffect transition="in" filter="fade">
+                                      <p:cBhvr>
+                                        <p:cTn id="17" dur="750"/>
+                                        <p:tgtEl>
+                                          <p:spTgt spid="542"/>
+                                        </p:tgtEl>
+                                      </p:cBhvr>
+                                    </p:animEffect>
+                                    <p:anim calcmode="lin" valueType="num">
+                                      <p:cBhvr>
+                                        <p:cTn id="18" dur="750" fill="hold"/>
+                                        <p:tgtEl>
+                                          <p:spTgt spid="542"/>
+                                        </p:tgtEl>
+                                        <p:attrNameLst>
+                                          <p:attrName>ppt_x</p:attrName>
+                                        </p:attrNameLst>
+                                      </p:cBhvr>
+                                      <p:tavLst>
+                                        <p:tav tm="0">
+                                          <p:val>
+                                            <p:strVal val="#ppt_x"/>
+                                          </p:val>
+                                        </p:tav>
+                                        <p:tav tm="100000">
+                                          <p:val>
+                                            <p:strVal val="#ppt_x"/>
+                                          </p:val>
+                                        </p:tav>
+                                      </p:tavLst>
+                                    </p:anim>
+                                    <p:anim calcmode="lin" valueType="num">
+                                      <p:cBhvr>
+                                        <p:cTn id="19" dur="750" fill="hold"/>
+                                        <p:tgtEl>
+                                          <p:spTgt spid="542"/>
+                                        </p:tgtEl>
+                                        <p:attrNameLst>
+                                          <p:attrName>ppt_y</p:attrName>
+                                        </p:attrNameLst>
+                                      </p:cBhvr>
+                                      <p:tavLst>
+                                        <p:tav tm="0">
+                                          <p:val>
+                                            <p:strVal val="#ppt_y+.1"/>
+                                          </p:val>
+                                        </p:tav>
+                                        <p:tav tm="100000">
+                                          <p:val>
+                                            <p:strVal val="#ppt_y"/>
+                                          </p:val>
+                                        </p:tav>
+                                      </p:tavLst>
+                                    </p:anim>
+                                  </p:childTnLst>
+                                </p:cTn>
+                              </p:par>
+                              <p:par>
+                                <p:cTn id="20" presetID="42" presetClass="entr" presetSubtype="0" fill="hold" grpId="0" nodeType="withEffect">
+                                  <p:stCondLst>
+                                    <p:cond delay="0"/>
+                                  </p:stCondLst>
+                                  <p:childTnLst>
+                                    <p:set>
+                                      <p:cBhvr>
+                                        <p:cTn id="21" dur="1" fill="hold">
+                                          <p:stCondLst>
+                                            <p:cond delay="0"/>
+                                          </p:stCondLst>
+                                        </p:cTn>
+                                        <p:tgtEl>
+                                          <p:spTgt spid="547"/>
+                                        </p:tgtEl>
+                                        <p:attrNameLst>
+                                          <p:attrName>style.visibility</p:attrName>
+                                        </p:attrNameLst>
+                                      </p:cBhvr>
+                                      <p:to>
+                                        <p:strVal val="visible"/>
+                                      </p:to>
+                                    </p:set>
+                                    <p:animEffect transition="in" filter="fade">
+                                      <p:cBhvr>
+                                        <p:cTn id="22" dur="750"/>
+                                        <p:tgtEl>
+                                          <p:spTgt spid="547"/>
+                                        </p:tgtEl>
+                                      </p:cBhvr>
+                                    </p:animEffect>
+                                    <p:anim calcmode="lin" valueType="num">
+                                      <p:cBhvr>
+                                        <p:cTn id="23" dur="750" fill="hold"/>
+                                        <p:tgtEl>
+                                          <p:spTgt spid="547"/>
+                                        </p:tgtEl>
+                                        <p:attrNameLst>
+                                          <p:attrName>ppt_x</p:attrName>
+                                        </p:attrNameLst>
+                                      </p:cBhvr>
+                                      <p:tavLst>
+                                        <p:tav tm="0">
+                                          <p:val>
+                                            <p:strVal val="#ppt_x"/>
+                                          </p:val>
+                                        </p:tav>
+                                        <p:tav tm="100000">
+                                          <p:val>
+                                            <p:strVal val="#ppt_x"/>
+                                          </p:val>
+                                        </p:tav>
+                                      </p:tavLst>
+                                    </p:anim>
+                                    <p:anim calcmode="lin" valueType="num">
+                                      <p:cBhvr>
+                                        <p:cTn id="24" dur="750" fill="hold"/>
+                                        <p:tgtEl>
+                                          <p:spTgt spid="547"/>
+                                        </p:tgtEl>
+                                        <p:attrNameLst>
+                                          <p:attrName>ppt_y</p:attrName>
+                                        </p:attrNameLst>
+                                      </p:cBhvr>
+                                      <p:tavLst>
+                                        <p:tav tm="0">
+                                          <p:val>
+                                            <p:strVal val="#ppt_y+.1"/>
+                                          </p:val>
+                                        </p:tav>
+                                        <p:tav tm="100000">
+                                          <p:val>
+                                            <p:strVal val="#ppt_y"/>
+                                          </p:val>
+                                        </p:tav>
+                                      </p:tavLst>
+                                    </p:anim>
+                                  </p:childTnLst>
+                                </p:cTn>
+                              </p:par>
+                              <p:par>
+                                <p:cTn id="25" presetID="42" presetClass="entr" presetSubtype="0" fill="hold" grpId="0" nodeType="withEffect">
+                                  <p:stCondLst>
+                                    <p:cond delay="0"/>
+                                  </p:stCondLst>
+                                  <p:childTnLst>
+                                    <p:set>
+                                      <p:cBhvr>
+                                        <p:cTn id="26" dur="1" fill="hold">
+                                          <p:stCondLst>
+                                            <p:cond delay="0"/>
+                                          </p:stCondLst>
+                                        </p:cTn>
+                                        <p:tgtEl>
+                                          <p:spTgt spid="515"/>
+                                        </p:tgtEl>
+                                        <p:attrNameLst>
+                                          <p:attrName>style.visibility</p:attrName>
+                                        </p:attrNameLst>
+                                      </p:cBhvr>
+                                      <p:to>
+                                        <p:strVal val="visible"/>
+                                      </p:to>
+                                    </p:set>
+                                    <p:animEffect transition="in" filter="fade">
+                                      <p:cBhvr>
+                                        <p:cTn id="27" dur="750"/>
+                                        <p:tgtEl>
+                                          <p:spTgt spid="515"/>
+                                        </p:tgtEl>
+                                      </p:cBhvr>
+                                    </p:animEffect>
+                                    <p:anim calcmode="lin" valueType="num">
+                                      <p:cBhvr>
+                                        <p:cTn id="28" dur="750" fill="hold"/>
+                                        <p:tgtEl>
+                                          <p:spTgt spid="515"/>
+                                        </p:tgtEl>
+                                        <p:attrNameLst>
+                                          <p:attrName>ppt_x</p:attrName>
+                                        </p:attrNameLst>
+                                      </p:cBhvr>
+                                      <p:tavLst>
+                                        <p:tav tm="0">
+                                          <p:val>
+                                            <p:strVal val="#ppt_x"/>
+                                          </p:val>
+                                        </p:tav>
+                                        <p:tav tm="100000">
+                                          <p:val>
+                                            <p:strVal val="#ppt_x"/>
+                                          </p:val>
+                                        </p:tav>
+                                      </p:tavLst>
+                                    </p:anim>
+                                    <p:anim calcmode="lin" valueType="num">
+                                      <p:cBhvr>
+                                        <p:cTn id="29" dur="750" fill="hold"/>
+                                        <p:tgtEl>
+                                          <p:spTgt spid="515"/>
+                                        </p:tgtEl>
+                                        <p:attrNameLst>
+                                          <p:attrName>ppt_y</p:attrName>
+                                        </p:attrNameLst>
+                                      </p:cBhvr>
+                                      <p:tavLst>
+                                        <p:tav tm="0">
+                                          <p:val>
+                                            <p:strVal val="#ppt_y+.1"/>
+                                          </p:val>
+                                        </p:tav>
+                                        <p:tav tm="100000">
+                                          <p:val>
+                                            <p:strVal val="#ppt_y"/>
+                                          </p:val>
+                                        </p:tav>
+                                      </p:tavLst>
+                                    </p:anim>
+                                  </p:childTnLst>
+                                </p:cTn>
+                              </p:par>
+                              <p:par>
+                                <p:cTn id="30" presetID="42" presetClass="entr" presetSubtype="0" fill="hold" grpId="0" nodeType="withEffect">
+                                  <p:stCondLst>
+                                    <p:cond delay="500"/>
+                                  </p:stCondLst>
+                                  <p:childTnLst>
+                                    <p:set>
+                                      <p:cBhvr>
+                                        <p:cTn id="31" dur="1" fill="hold">
+                                          <p:stCondLst>
+                                            <p:cond delay="0"/>
+                                          </p:stCondLst>
+                                        </p:cTn>
+                                        <p:tgtEl>
+                                          <p:spTgt spid="511"/>
+                                        </p:tgtEl>
+                                        <p:attrNameLst>
+                                          <p:attrName>style.visibility</p:attrName>
+                                        </p:attrNameLst>
+                                      </p:cBhvr>
+                                      <p:to>
+                                        <p:strVal val="visible"/>
+                                      </p:to>
+                                    </p:set>
+                                    <p:animEffect transition="in" filter="fade">
+                                      <p:cBhvr>
+                                        <p:cTn id="32" dur="750"/>
+                                        <p:tgtEl>
+                                          <p:spTgt spid="511"/>
+                                        </p:tgtEl>
+                                      </p:cBhvr>
+                                    </p:animEffect>
+                                    <p:anim calcmode="lin" valueType="num">
+                                      <p:cBhvr>
+                                        <p:cTn id="33" dur="750" fill="hold"/>
+                                        <p:tgtEl>
+                                          <p:spTgt spid="511"/>
+                                        </p:tgtEl>
+                                        <p:attrNameLst>
+                                          <p:attrName>ppt_x</p:attrName>
+                                        </p:attrNameLst>
+                                      </p:cBhvr>
+                                      <p:tavLst>
+                                        <p:tav tm="0">
+                                          <p:val>
+                                            <p:strVal val="#ppt_x"/>
+                                          </p:val>
+                                        </p:tav>
+                                        <p:tav tm="100000">
+                                          <p:val>
+                                            <p:strVal val="#ppt_x"/>
+                                          </p:val>
+                                        </p:tav>
+                                      </p:tavLst>
+                                    </p:anim>
+                                    <p:anim calcmode="lin" valueType="num">
+                                      <p:cBhvr>
+                                        <p:cTn id="34" dur="750" fill="hold"/>
+                                        <p:tgtEl>
+                                          <p:spTgt spid="511"/>
+                                        </p:tgtEl>
+                                        <p:attrNameLst>
+                                          <p:attrName>ppt_y</p:attrName>
+                                        </p:attrNameLst>
+                                      </p:cBhvr>
+                                      <p:tavLst>
+                                        <p:tav tm="0">
+                                          <p:val>
+                                            <p:strVal val="#ppt_y+.1"/>
+                                          </p:val>
+                                        </p:tav>
+                                        <p:tav tm="100000">
+                                          <p:val>
+                                            <p:strVal val="#ppt_y"/>
+                                          </p:val>
+                                        </p:tav>
+                                      </p:tavLst>
+                                    </p:anim>
+                                  </p:childTnLst>
+                                </p:cTn>
+                              </p:par>
+                              <p:par>
+                                <p:cTn id="35" presetID="42" presetClass="entr" presetSubtype="0" fill="hold" grpId="0" nodeType="withEffect">
+                                  <p:stCondLst>
+                                    <p:cond delay="500"/>
+                                  </p:stCondLst>
+                                  <p:childTnLst>
+                                    <p:set>
+                                      <p:cBhvr>
+                                        <p:cTn id="36" dur="1" fill="hold">
+                                          <p:stCondLst>
+                                            <p:cond delay="0"/>
+                                          </p:stCondLst>
+                                        </p:cTn>
+                                        <p:tgtEl>
+                                          <p:spTgt spid="514"/>
+                                        </p:tgtEl>
+                                        <p:attrNameLst>
+                                          <p:attrName>style.visibility</p:attrName>
+                                        </p:attrNameLst>
+                                      </p:cBhvr>
+                                      <p:to>
+                                        <p:strVal val="visible"/>
+                                      </p:to>
+                                    </p:set>
+                                    <p:animEffect transition="in" filter="fade">
+                                      <p:cBhvr>
+                                        <p:cTn id="37" dur="750"/>
+                                        <p:tgtEl>
+                                          <p:spTgt spid="514"/>
+                                        </p:tgtEl>
+                                      </p:cBhvr>
+                                    </p:animEffect>
+                                    <p:anim calcmode="lin" valueType="num">
+                                      <p:cBhvr>
+                                        <p:cTn id="38" dur="750" fill="hold"/>
+                                        <p:tgtEl>
+                                          <p:spTgt spid="514"/>
+                                        </p:tgtEl>
+                                        <p:attrNameLst>
+                                          <p:attrName>ppt_x</p:attrName>
+                                        </p:attrNameLst>
+                                      </p:cBhvr>
+                                      <p:tavLst>
+                                        <p:tav tm="0">
+                                          <p:val>
+                                            <p:strVal val="#ppt_x"/>
+                                          </p:val>
+                                        </p:tav>
+                                        <p:tav tm="100000">
+                                          <p:val>
+                                            <p:strVal val="#ppt_x"/>
+                                          </p:val>
+                                        </p:tav>
+                                      </p:tavLst>
+                                    </p:anim>
+                                    <p:anim calcmode="lin" valueType="num">
+                                      <p:cBhvr>
+                                        <p:cTn id="39" dur="750" fill="hold"/>
+                                        <p:tgtEl>
+                                          <p:spTgt spid="514"/>
+                                        </p:tgtEl>
+                                        <p:attrNameLst>
+                                          <p:attrName>ppt_y</p:attrName>
+                                        </p:attrNameLst>
+                                      </p:cBhvr>
+                                      <p:tavLst>
+                                        <p:tav tm="0">
+                                          <p:val>
+                                            <p:strVal val="#ppt_y+.1"/>
+                                          </p:val>
+                                        </p:tav>
+                                        <p:tav tm="100000">
+                                          <p:val>
+                                            <p:strVal val="#ppt_y"/>
+                                          </p:val>
+                                        </p:tav>
+                                      </p:tavLst>
+                                    </p:anim>
+                                  </p:childTnLst>
+                                </p:cTn>
+                              </p:par>
+                              <p:par>
+                                <p:cTn id="40" presetID="42" presetClass="entr" presetSubtype="0" fill="hold" grpId="0" nodeType="withEffect">
+                                  <p:stCondLst>
+                                    <p:cond delay="500"/>
+                                  </p:stCondLst>
+                                  <p:childTnLst>
+                                    <p:set>
+                                      <p:cBhvr>
+                                        <p:cTn id="41" dur="1" fill="hold">
+                                          <p:stCondLst>
+                                            <p:cond delay="0"/>
+                                          </p:stCondLst>
+                                        </p:cTn>
+                                        <p:tgtEl>
+                                          <p:spTgt spid="519"/>
+                                        </p:tgtEl>
+                                        <p:attrNameLst>
+                                          <p:attrName>style.visibility</p:attrName>
+                                        </p:attrNameLst>
+                                      </p:cBhvr>
+                                      <p:to>
+                                        <p:strVal val="visible"/>
+                                      </p:to>
+                                    </p:set>
+                                    <p:animEffect transition="in" filter="fade">
+                                      <p:cBhvr>
+                                        <p:cTn id="42" dur="750"/>
+                                        <p:tgtEl>
+                                          <p:spTgt spid="519"/>
+                                        </p:tgtEl>
+                                      </p:cBhvr>
+                                    </p:animEffect>
+                                    <p:anim calcmode="lin" valueType="num">
+                                      <p:cBhvr>
+                                        <p:cTn id="43" dur="750" fill="hold"/>
+                                        <p:tgtEl>
+                                          <p:spTgt spid="519"/>
+                                        </p:tgtEl>
+                                        <p:attrNameLst>
+                                          <p:attrName>ppt_x</p:attrName>
+                                        </p:attrNameLst>
+                                      </p:cBhvr>
+                                      <p:tavLst>
+                                        <p:tav tm="0">
+                                          <p:val>
+                                            <p:strVal val="#ppt_x"/>
+                                          </p:val>
+                                        </p:tav>
+                                        <p:tav tm="100000">
+                                          <p:val>
+                                            <p:strVal val="#ppt_x"/>
+                                          </p:val>
+                                        </p:tav>
+                                      </p:tavLst>
+                                    </p:anim>
+                                    <p:anim calcmode="lin" valueType="num">
+                                      <p:cBhvr>
+                                        <p:cTn id="44" dur="750" fill="hold"/>
+                                        <p:tgtEl>
+                                          <p:spTgt spid="519"/>
+                                        </p:tgtEl>
+                                        <p:attrNameLst>
+                                          <p:attrName>ppt_y</p:attrName>
+                                        </p:attrNameLst>
+                                      </p:cBhvr>
+                                      <p:tavLst>
+                                        <p:tav tm="0">
+                                          <p:val>
+                                            <p:strVal val="#ppt_y+.1"/>
+                                          </p:val>
+                                        </p:tav>
+                                        <p:tav tm="100000">
+                                          <p:val>
+                                            <p:strVal val="#ppt_y"/>
+                                          </p:val>
+                                        </p:tav>
+                                      </p:tavLst>
+                                    </p:anim>
+                                  </p:childTnLst>
+                                </p:cTn>
+                              </p:par>
+                              <p:par>
+                                <p:cTn id="45" presetID="42" presetClass="entr" presetSubtype="0" fill="hold" grpId="0" nodeType="withEffect">
+                                  <p:stCondLst>
+                                    <p:cond delay="500"/>
+                                  </p:stCondLst>
+                                  <p:childTnLst>
+                                    <p:set>
+                                      <p:cBhvr>
+                                        <p:cTn id="46" dur="1" fill="hold">
+                                          <p:stCondLst>
+                                            <p:cond delay="0"/>
+                                          </p:stCondLst>
+                                        </p:cTn>
+                                        <p:tgtEl>
+                                          <p:spTgt spid="543"/>
+                                        </p:tgtEl>
+                                        <p:attrNameLst>
+                                          <p:attrName>style.visibility</p:attrName>
+                                        </p:attrNameLst>
+                                      </p:cBhvr>
+                                      <p:to>
+                                        <p:strVal val="visible"/>
+                                      </p:to>
+                                    </p:set>
+                                    <p:animEffect transition="in" filter="fade">
+                                      <p:cBhvr>
+                                        <p:cTn id="47" dur="750"/>
+                                        <p:tgtEl>
+                                          <p:spTgt spid="543"/>
+                                        </p:tgtEl>
+                                      </p:cBhvr>
+                                    </p:animEffect>
+                                    <p:anim calcmode="lin" valueType="num">
+                                      <p:cBhvr>
+                                        <p:cTn id="48" dur="750" fill="hold"/>
+                                        <p:tgtEl>
+                                          <p:spTgt spid="543"/>
+                                        </p:tgtEl>
+                                        <p:attrNameLst>
+                                          <p:attrName>ppt_x</p:attrName>
+                                        </p:attrNameLst>
+                                      </p:cBhvr>
+                                      <p:tavLst>
+                                        <p:tav tm="0">
+                                          <p:val>
+                                            <p:strVal val="#ppt_x"/>
+                                          </p:val>
+                                        </p:tav>
+                                        <p:tav tm="100000">
+                                          <p:val>
+                                            <p:strVal val="#ppt_x"/>
+                                          </p:val>
+                                        </p:tav>
+                                      </p:tavLst>
+                                    </p:anim>
+                                    <p:anim calcmode="lin" valueType="num">
+                                      <p:cBhvr>
+                                        <p:cTn id="49" dur="750" fill="hold"/>
+                                        <p:tgtEl>
+                                          <p:spTgt spid="543"/>
+                                        </p:tgtEl>
+                                        <p:attrNameLst>
+                                          <p:attrName>ppt_y</p:attrName>
+                                        </p:attrNameLst>
+                                      </p:cBhvr>
+                                      <p:tavLst>
+                                        <p:tav tm="0">
+                                          <p:val>
+                                            <p:strVal val="#ppt_y+.1"/>
+                                          </p:val>
+                                        </p:tav>
+                                        <p:tav tm="100000">
+                                          <p:val>
+                                            <p:strVal val="#ppt_y"/>
+                                          </p:val>
+                                        </p:tav>
+                                      </p:tavLst>
+                                    </p:anim>
+                                  </p:childTnLst>
+                                </p:cTn>
+                              </p:par>
+                              <p:par>
+                                <p:cTn id="50" presetID="42" presetClass="entr" presetSubtype="0" fill="hold" grpId="0" nodeType="withEffect">
+                                  <p:stCondLst>
+                                    <p:cond delay="500"/>
+                                  </p:stCondLst>
+                                  <p:childTnLst>
+                                    <p:set>
+                                      <p:cBhvr>
+                                        <p:cTn id="51" dur="1" fill="hold">
+                                          <p:stCondLst>
+                                            <p:cond delay="0"/>
+                                          </p:stCondLst>
+                                        </p:cTn>
+                                        <p:tgtEl>
+                                          <p:spTgt spid="546"/>
+                                        </p:tgtEl>
+                                        <p:attrNameLst>
+                                          <p:attrName>style.visibility</p:attrName>
+                                        </p:attrNameLst>
+                                      </p:cBhvr>
+                                      <p:to>
+                                        <p:strVal val="visible"/>
+                                      </p:to>
+                                    </p:set>
+                                    <p:animEffect transition="in" filter="fade">
+                                      <p:cBhvr>
+                                        <p:cTn id="52" dur="750"/>
+                                        <p:tgtEl>
+                                          <p:spTgt spid="546"/>
+                                        </p:tgtEl>
+                                      </p:cBhvr>
+                                    </p:animEffect>
+                                    <p:anim calcmode="lin" valueType="num">
+                                      <p:cBhvr>
+                                        <p:cTn id="53" dur="750" fill="hold"/>
+                                        <p:tgtEl>
+                                          <p:spTgt spid="546"/>
+                                        </p:tgtEl>
+                                        <p:attrNameLst>
+                                          <p:attrName>ppt_x</p:attrName>
+                                        </p:attrNameLst>
+                                      </p:cBhvr>
+                                      <p:tavLst>
+                                        <p:tav tm="0">
+                                          <p:val>
+                                            <p:strVal val="#ppt_x"/>
+                                          </p:val>
+                                        </p:tav>
+                                        <p:tav tm="100000">
+                                          <p:val>
+                                            <p:strVal val="#ppt_x"/>
+                                          </p:val>
+                                        </p:tav>
+                                      </p:tavLst>
+                                    </p:anim>
+                                    <p:anim calcmode="lin" valueType="num">
+                                      <p:cBhvr>
+                                        <p:cTn id="54" dur="750" fill="hold"/>
+                                        <p:tgtEl>
+                                          <p:spTgt spid="546"/>
+                                        </p:tgtEl>
+                                        <p:attrNameLst>
+                                          <p:attrName>ppt_y</p:attrName>
+                                        </p:attrNameLst>
+                                      </p:cBhvr>
+                                      <p:tavLst>
+                                        <p:tav tm="0">
+                                          <p:val>
+                                            <p:strVal val="#ppt_y+.1"/>
+                                          </p:val>
+                                        </p:tav>
+                                        <p:tav tm="100000">
+                                          <p:val>
+                                            <p:strVal val="#ppt_y"/>
+                                          </p:val>
+                                        </p:tav>
+                                      </p:tavLst>
+                                    </p:anim>
+                                  </p:childTnLst>
+                                </p:cTn>
+                              </p:par>
+                              <p:par>
+                                <p:cTn id="55" presetID="42" presetClass="entr" presetSubtype="0" fill="hold" grpId="0" nodeType="withEffect">
+                                  <p:stCondLst>
+                                    <p:cond delay="1000"/>
+                                  </p:stCondLst>
+                                  <p:childTnLst>
+                                    <p:set>
+                                      <p:cBhvr>
+                                        <p:cTn id="56" dur="1" fill="hold">
+                                          <p:stCondLst>
+                                            <p:cond delay="0"/>
+                                          </p:stCondLst>
+                                        </p:cTn>
+                                        <p:tgtEl>
+                                          <p:spTgt spid="512"/>
+                                        </p:tgtEl>
+                                        <p:attrNameLst>
+                                          <p:attrName>style.visibility</p:attrName>
+                                        </p:attrNameLst>
+                                      </p:cBhvr>
+                                      <p:to>
+                                        <p:strVal val="visible"/>
+                                      </p:to>
+                                    </p:set>
+                                    <p:animEffect transition="in" filter="fade">
+                                      <p:cBhvr>
+                                        <p:cTn id="57" dur="750"/>
+                                        <p:tgtEl>
+                                          <p:spTgt spid="512"/>
+                                        </p:tgtEl>
+                                      </p:cBhvr>
+                                    </p:animEffect>
+                                    <p:anim calcmode="lin" valueType="num">
+                                      <p:cBhvr>
+                                        <p:cTn id="58" dur="750" fill="hold"/>
+                                        <p:tgtEl>
+                                          <p:spTgt spid="512"/>
+                                        </p:tgtEl>
+                                        <p:attrNameLst>
+                                          <p:attrName>ppt_x</p:attrName>
+                                        </p:attrNameLst>
+                                      </p:cBhvr>
+                                      <p:tavLst>
+                                        <p:tav tm="0">
+                                          <p:val>
+                                            <p:strVal val="#ppt_x"/>
+                                          </p:val>
+                                        </p:tav>
+                                        <p:tav tm="100000">
+                                          <p:val>
+                                            <p:strVal val="#ppt_x"/>
+                                          </p:val>
+                                        </p:tav>
+                                      </p:tavLst>
+                                    </p:anim>
+                                    <p:anim calcmode="lin" valueType="num">
+                                      <p:cBhvr>
+                                        <p:cTn id="59" dur="750" fill="hold"/>
+                                        <p:tgtEl>
+                                          <p:spTgt spid="512"/>
+                                        </p:tgtEl>
+                                        <p:attrNameLst>
+                                          <p:attrName>ppt_y</p:attrName>
+                                        </p:attrNameLst>
+                                      </p:cBhvr>
+                                      <p:tavLst>
+                                        <p:tav tm="0">
+                                          <p:val>
+                                            <p:strVal val="#ppt_y+.1"/>
+                                          </p:val>
+                                        </p:tav>
+                                        <p:tav tm="100000">
+                                          <p:val>
+                                            <p:strVal val="#ppt_y"/>
+                                          </p:val>
+                                        </p:tav>
+                                      </p:tavLst>
+                                    </p:anim>
+                                  </p:childTnLst>
+                                </p:cTn>
+                              </p:par>
+                              <p:par>
+                                <p:cTn id="60" presetID="42" presetClass="entr" presetSubtype="0" fill="hold" grpId="0" nodeType="withEffect">
+                                  <p:stCondLst>
+                                    <p:cond delay="1000"/>
+                                  </p:stCondLst>
+                                  <p:childTnLst>
+                                    <p:set>
+                                      <p:cBhvr>
+                                        <p:cTn id="61" dur="1" fill="hold">
+                                          <p:stCondLst>
+                                            <p:cond delay="0"/>
+                                          </p:stCondLst>
+                                        </p:cTn>
+                                        <p:tgtEl>
+                                          <p:spTgt spid="516"/>
+                                        </p:tgtEl>
+                                        <p:attrNameLst>
+                                          <p:attrName>style.visibility</p:attrName>
+                                        </p:attrNameLst>
+                                      </p:cBhvr>
+                                      <p:to>
+                                        <p:strVal val="visible"/>
+                                      </p:to>
+                                    </p:set>
+                                    <p:animEffect transition="in" filter="fade">
+                                      <p:cBhvr>
+                                        <p:cTn id="62" dur="750"/>
+                                        <p:tgtEl>
+                                          <p:spTgt spid="516"/>
+                                        </p:tgtEl>
+                                      </p:cBhvr>
+                                    </p:animEffect>
+                                    <p:anim calcmode="lin" valueType="num">
+                                      <p:cBhvr>
+                                        <p:cTn id="63" dur="750" fill="hold"/>
+                                        <p:tgtEl>
+                                          <p:spTgt spid="516"/>
+                                        </p:tgtEl>
+                                        <p:attrNameLst>
+                                          <p:attrName>ppt_x</p:attrName>
+                                        </p:attrNameLst>
+                                      </p:cBhvr>
+                                      <p:tavLst>
+                                        <p:tav tm="0">
+                                          <p:val>
+                                            <p:strVal val="#ppt_x"/>
+                                          </p:val>
+                                        </p:tav>
+                                        <p:tav tm="100000">
+                                          <p:val>
+                                            <p:strVal val="#ppt_x"/>
+                                          </p:val>
+                                        </p:tav>
+                                      </p:tavLst>
+                                    </p:anim>
+                                    <p:anim calcmode="lin" valueType="num">
+                                      <p:cBhvr>
+                                        <p:cTn id="64" dur="750" fill="hold"/>
+                                        <p:tgtEl>
+                                          <p:spTgt spid="516"/>
+                                        </p:tgtEl>
+                                        <p:attrNameLst>
+                                          <p:attrName>ppt_y</p:attrName>
+                                        </p:attrNameLst>
+                                      </p:cBhvr>
+                                      <p:tavLst>
+                                        <p:tav tm="0">
+                                          <p:val>
+                                            <p:strVal val="#ppt_y+.1"/>
+                                          </p:val>
+                                        </p:tav>
+                                        <p:tav tm="100000">
+                                          <p:val>
+                                            <p:strVal val="#ppt_y"/>
+                                          </p:val>
+                                        </p:tav>
+                                      </p:tavLst>
+                                    </p:anim>
+                                  </p:childTnLst>
+                                </p:cTn>
+                              </p:par>
+                              <p:par>
+                                <p:cTn id="65" presetID="42" presetClass="entr" presetSubtype="0" fill="hold" grpId="0" nodeType="withEffect">
+                                  <p:stCondLst>
+                                    <p:cond delay="1000"/>
+                                  </p:stCondLst>
+                                  <p:childTnLst>
+                                    <p:set>
+                                      <p:cBhvr>
+                                        <p:cTn id="66" dur="1" fill="hold">
+                                          <p:stCondLst>
+                                            <p:cond delay="0"/>
+                                          </p:stCondLst>
+                                        </p:cTn>
+                                        <p:tgtEl>
+                                          <p:spTgt spid="520"/>
+                                        </p:tgtEl>
+                                        <p:attrNameLst>
+                                          <p:attrName>style.visibility</p:attrName>
+                                        </p:attrNameLst>
+                                      </p:cBhvr>
+                                      <p:to>
+                                        <p:strVal val="visible"/>
+                                      </p:to>
+                                    </p:set>
+                                    <p:animEffect transition="in" filter="fade">
+                                      <p:cBhvr>
+                                        <p:cTn id="67" dur="750"/>
+                                        <p:tgtEl>
+                                          <p:spTgt spid="520"/>
+                                        </p:tgtEl>
+                                      </p:cBhvr>
+                                    </p:animEffect>
+                                    <p:anim calcmode="lin" valueType="num">
+                                      <p:cBhvr>
+                                        <p:cTn id="68" dur="750" fill="hold"/>
+                                        <p:tgtEl>
+                                          <p:spTgt spid="520"/>
+                                        </p:tgtEl>
+                                        <p:attrNameLst>
+                                          <p:attrName>ppt_x</p:attrName>
+                                        </p:attrNameLst>
+                                      </p:cBhvr>
+                                      <p:tavLst>
+                                        <p:tav tm="0">
+                                          <p:val>
+                                            <p:strVal val="#ppt_x"/>
+                                          </p:val>
+                                        </p:tav>
+                                        <p:tav tm="100000">
+                                          <p:val>
+                                            <p:strVal val="#ppt_x"/>
+                                          </p:val>
+                                        </p:tav>
+                                      </p:tavLst>
+                                    </p:anim>
+                                    <p:anim calcmode="lin" valueType="num">
+                                      <p:cBhvr>
+                                        <p:cTn id="69" dur="750" fill="hold"/>
+                                        <p:tgtEl>
+                                          <p:spTgt spid="520"/>
+                                        </p:tgtEl>
+                                        <p:attrNameLst>
+                                          <p:attrName>ppt_y</p:attrName>
+                                        </p:attrNameLst>
+                                      </p:cBhvr>
+                                      <p:tavLst>
+                                        <p:tav tm="0">
+                                          <p:val>
+                                            <p:strVal val="#ppt_y+.1"/>
+                                          </p:val>
+                                        </p:tav>
+                                        <p:tav tm="100000">
+                                          <p:val>
+                                            <p:strVal val="#ppt_y"/>
+                                          </p:val>
+                                        </p:tav>
+                                      </p:tavLst>
+                                    </p:anim>
+                                  </p:childTnLst>
+                                </p:cTn>
+                              </p:par>
+                              <p:par>
+                                <p:cTn id="70" presetID="42" presetClass="entr" presetSubtype="0" fill="hold" nodeType="withEffect">
+                                  <p:stCondLst>
+                                    <p:cond delay="1000"/>
+                                  </p:stCondLst>
+                                  <p:childTnLst>
+                                    <p:set>
+                                      <p:cBhvr>
+                                        <p:cTn id="71" dur="1" fill="hold">
+                                          <p:stCondLst>
+                                            <p:cond delay="0"/>
+                                          </p:stCondLst>
+                                        </p:cTn>
+                                        <p:tgtEl>
+                                          <p:spTgt spid="522"/>
+                                        </p:tgtEl>
+                                        <p:attrNameLst>
+                                          <p:attrName>style.visibility</p:attrName>
+                                        </p:attrNameLst>
+                                      </p:cBhvr>
+                                      <p:to>
+                                        <p:strVal val="visible"/>
+                                      </p:to>
+                                    </p:set>
+                                    <p:animEffect transition="in" filter="fade">
+                                      <p:cBhvr>
+                                        <p:cTn id="72" dur="750"/>
+                                        <p:tgtEl>
+                                          <p:spTgt spid="522"/>
+                                        </p:tgtEl>
+                                      </p:cBhvr>
+                                    </p:animEffect>
+                                    <p:anim calcmode="lin" valueType="num">
+                                      <p:cBhvr>
+                                        <p:cTn id="73" dur="750" fill="hold"/>
+                                        <p:tgtEl>
+                                          <p:spTgt spid="522"/>
+                                        </p:tgtEl>
+                                        <p:attrNameLst>
+                                          <p:attrName>ppt_x</p:attrName>
+                                        </p:attrNameLst>
+                                      </p:cBhvr>
+                                      <p:tavLst>
+                                        <p:tav tm="0">
+                                          <p:val>
+                                            <p:strVal val="#ppt_x"/>
+                                          </p:val>
+                                        </p:tav>
+                                        <p:tav tm="100000">
+                                          <p:val>
+                                            <p:strVal val="#ppt_x"/>
+                                          </p:val>
+                                        </p:tav>
+                                      </p:tavLst>
+                                    </p:anim>
+                                    <p:anim calcmode="lin" valueType="num">
+                                      <p:cBhvr>
+                                        <p:cTn id="74" dur="750" fill="hold"/>
+                                        <p:tgtEl>
+                                          <p:spTgt spid="522"/>
+                                        </p:tgtEl>
+                                        <p:attrNameLst>
+                                          <p:attrName>ppt_y</p:attrName>
+                                        </p:attrNameLst>
+                                      </p:cBhvr>
+                                      <p:tavLst>
+                                        <p:tav tm="0">
+                                          <p:val>
+                                            <p:strVal val="#ppt_y+.1"/>
+                                          </p:val>
+                                        </p:tav>
+                                        <p:tav tm="100000">
+                                          <p:val>
+                                            <p:strVal val="#ppt_y"/>
+                                          </p:val>
+                                        </p:tav>
+                                      </p:tavLst>
+                                    </p:anim>
+                                  </p:childTnLst>
+                                </p:cTn>
+                              </p:par>
+                              <p:par>
+                                <p:cTn id="75" presetID="42" presetClass="entr" presetSubtype="0" fill="hold" grpId="0" nodeType="withEffect">
+                                  <p:stCondLst>
+                                    <p:cond delay="1000"/>
+                                  </p:stCondLst>
+                                  <p:childTnLst>
+                                    <p:set>
+                                      <p:cBhvr>
+                                        <p:cTn id="76" dur="1" fill="hold">
+                                          <p:stCondLst>
+                                            <p:cond delay="0"/>
+                                          </p:stCondLst>
+                                        </p:cTn>
+                                        <p:tgtEl>
+                                          <p:spTgt spid="544"/>
+                                        </p:tgtEl>
+                                        <p:attrNameLst>
+                                          <p:attrName>style.visibility</p:attrName>
+                                        </p:attrNameLst>
+                                      </p:cBhvr>
+                                      <p:to>
+                                        <p:strVal val="visible"/>
+                                      </p:to>
+                                    </p:set>
+                                    <p:animEffect transition="in" filter="fade">
+                                      <p:cBhvr>
+                                        <p:cTn id="77" dur="750"/>
+                                        <p:tgtEl>
+                                          <p:spTgt spid="544"/>
+                                        </p:tgtEl>
+                                      </p:cBhvr>
+                                    </p:animEffect>
+                                    <p:anim calcmode="lin" valueType="num">
+                                      <p:cBhvr>
+                                        <p:cTn id="78" dur="750" fill="hold"/>
+                                        <p:tgtEl>
+                                          <p:spTgt spid="544"/>
+                                        </p:tgtEl>
+                                        <p:attrNameLst>
+                                          <p:attrName>ppt_x</p:attrName>
+                                        </p:attrNameLst>
+                                      </p:cBhvr>
+                                      <p:tavLst>
+                                        <p:tav tm="0">
+                                          <p:val>
+                                            <p:strVal val="#ppt_x"/>
+                                          </p:val>
+                                        </p:tav>
+                                        <p:tav tm="100000">
+                                          <p:val>
+                                            <p:strVal val="#ppt_x"/>
+                                          </p:val>
+                                        </p:tav>
+                                      </p:tavLst>
+                                    </p:anim>
+                                    <p:anim calcmode="lin" valueType="num">
+                                      <p:cBhvr>
+                                        <p:cTn id="79" dur="750" fill="hold"/>
+                                        <p:tgtEl>
+                                          <p:spTgt spid="544"/>
+                                        </p:tgtEl>
+                                        <p:attrNameLst>
+                                          <p:attrName>ppt_y</p:attrName>
+                                        </p:attrNameLst>
+                                      </p:cBhvr>
+                                      <p:tavLst>
+                                        <p:tav tm="0">
+                                          <p:val>
+                                            <p:strVal val="#ppt_y+.1"/>
+                                          </p:val>
+                                        </p:tav>
+                                        <p:tav tm="100000">
+                                          <p:val>
+                                            <p:strVal val="#ppt_y"/>
+                                          </p:val>
+                                        </p:tav>
+                                      </p:tavLst>
+                                    </p:anim>
+                                  </p:childTnLst>
+                                </p:cTn>
+                              </p:par>
+                              <p:par>
+                                <p:cTn id="80" presetID="42" presetClass="entr" presetSubtype="0" fill="hold" grpId="0" nodeType="withEffect">
+                                  <p:stCondLst>
+                                    <p:cond delay="1500"/>
+                                  </p:stCondLst>
+                                  <p:childTnLst>
+                                    <p:set>
+                                      <p:cBhvr>
+                                        <p:cTn id="81" dur="1" fill="hold">
+                                          <p:stCondLst>
+                                            <p:cond delay="0"/>
+                                          </p:stCondLst>
+                                        </p:cTn>
+                                        <p:tgtEl>
+                                          <p:spTgt spid="513"/>
+                                        </p:tgtEl>
+                                        <p:attrNameLst>
+                                          <p:attrName>style.visibility</p:attrName>
+                                        </p:attrNameLst>
+                                      </p:cBhvr>
+                                      <p:to>
+                                        <p:strVal val="visible"/>
+                                      </p:to>
+                                    </p:set>
+                                    <p:animEffect transition="in" filter="fade">
+                                      <p:cBhvr>
+                                        <p:cTn id="82" dur="750"/>
+                                        <p:tgtEl>
+                                          <p:spTgt spid="513"/>
+                                        </p:tgtEl>
+                                      </p:cBhvr>
+                                    </p:animEffect>
+                                    <p:anim calcmode="lin" valueType="num">
+                                      <p:cBhvr>
+                                        <p:cTn id="83" dur="750" fill="hold"/>
+                                        <p:tgtEl>
+                                          <p:spTgt spid="513"/>
+                                        </p:tgtEl>
+                                        <p:attrNameLst>
+                                          <p:attrName>ppt_x</p:attrName>
+                                        </p:attrNameLst>
+                                      </p:cBhvr>
+                                      <p:tavLst>
+                                        <p:tav tm="0">
+                                          <p:val>
+                                            <p:strVal val="#ppt_x"/>
+                                          </p:val>
+                                        </p:tav>
+                                        <p:tav tm="100000">
+                                          <p:val>
+                                            <p:strVal val="#ppt_x"/>
+                                          </p:val>
+                                        </p:tav>
+                                      </p:tavLst>
+                                    </p:anim>
+                                    <p:anim calcmode="lin" valueType="num">
+                                      <p:cBhvr>
+                                        <p:cTn id="84" dur="750" fill="hold"/>
+                                        <p:tgtEl>
+                                          <p:spTgt spid="513"/>
+                                        </p:tgtEl>
+                                        <p:attrNameLst>
+                                          <p:attrName>ppt_y</p:attrName>
+                                        </p:attrNameLst>
+                                      </p:cBhvr>
+                                      <p:tavLst>
+                                        <p:tav tm="0">
+                                          <p:val>
+                                            <p:strVal val="#ppt_y+.1"/>
+                                          </p:val>
+                                        </p:tav>
+                                        <p:tav tm="100000">
+                                          <p:val>
+                                            <p:strVal val="#ppt_y"/>
+                                          </p:val>
+                                        </p:tav>
+                                      </p:tavLst>
+                                    </p:anim>
+                                  </p:childTnLst>
+                                </p:cTn>
+                              </p:par>
+                              <p:par>
+                                <p:cTn id="85" presetID="42" presetClass="entr" presetSubtype="0" fill="hold" grpId="0" nodeType="withEffect">
+                                  <p:stCondLst>
+                                    <p:cond delay="1500"/>
+                                  </p:stCondLst>
+                                  <p:childTnLst>
+                                    <p:set>
+                                      <p:cBhvr>
+                                        <p:cTn id="86" dur="1" fill="hold">
+                                          <p:stCondLst>
+                                            <p:cond delay="0"/>
+                                          </p:stCondLst>
+                                        </p:cTn>
+                                        <p:tgtEl>
+                                          <p:spTgt spid="521"/>
+                                        </p:tgtEl>
+                                        <p:attrNameLst>
+                                          <p:attrName>style.visibility</p:attrName>
+                                        </p:attrNameLst>
+                                      </p:cBhvr>
+                                      <p:to>
+                                        <p:strVal val="visible"/>
+                                      </p:to>
+                                    </p:set>
+                                    <p:animEffect transition="in" filter="fade">
+                                      <p:cBhvr>
+                                        <p:cTn id="87" dur="750"/>
+                                        <p:tgtEl>
+                                          <p:spTgt spid="521"/>
+                                        </p:tgtEl>
+                                      </p:cBhvr>
+                                    </p:animEffect>
+                                    <p:anim calcmode="lin" valueType="num">
+                                      <p:cBhvr>
+                                        <p:cTn id="88" dur="750" fill="hold"/>
+                                        <p:tgtEl>
+                                          <p:spTgt spid="521"/>
+                                        </p:tgtEl>
+                                        <p:attrNameLst>
+                                          <p:attrName>ppt_x</p:attrName>
+                                        </p:attrNameLst>
+                                      </p:cBhvr>
+                                      <p:tavLst>
+                                        <p:tav tm="0">
+                                          <p:val>
+                                            <p:strVal val="#ppt_x"/>
+                                          </p:val>
+                                        </p:tav>
+                                        <p:tav tm="100000">
+                                          <p:val>
+                                            <p:strVal val="#ppt_x"/>
+                                          </p:val>
+                                        </p:tav>
+                                      </p:tavLst>
+                                    </p:anim>
+                                    <p:anim calcmode="lin" valueType="num">
+                                      <p:cBhvr>
+                                        <p:cTn id="89" dur="750" fill="hold"/>
+                                        <p:tgtEl>
+                                          <p:spTgt spid="521"/>
+                                        </p:tgtEl>
+                                        <p:attrNameLst>
+                                          <p:attrName>ppt_y</p:attrName>
+                                        </p:attrNameLst>
+                                      </p:cBhvr>
+                                      <p:tavLst>
+                                        <p:tav tm="0">
+                                          <p:val>
+                                            <p:strVal val="#ppt_y+.1"/>
+                                          </p:val>
+                                        </p:tav>
+                                        <p:tav tm="100000">
+                                          <p:val>
+                                            <p:strVal val="#ppt_y"/>
+                                          </p:val>
+                                        </p:tav>
+                                      </p:tavLst>
+                                    </p:anim>
+                                  </p:childTnLst>
+                                </p:cTn>
+                              </p:par>
+                              <p:par>
+                                <p:cTn id="90" presetID="42" presetClass="entr" presetSubtype="0" fill="hold" nodeType="withEffect">
+                                  <p:stCondLst>
+                                    <p:cond delay="1500"/>
+                                  </p:stCondLst>
+                                  <p:childTnLst>
+                                    <p:set>
+                                      <p:cBhvr>
+                                        <p:cTn id="91" dur="1" fill="hold">
+                                          <p:stCondLst>
+                                            <p:cond delay="0"/>
+                                          </p:stCondLst>
+                                        </p:cTn>
+                                        <p:tgtEl>
+                                          <p:spTgt spid="527"/>
+                                        </p:tgtEl>
+                                        <p:attrNameLst>
+                                          <p:attrName>style.visibility</p:attrName>
+                                        </p:attrNameLst>
+                                      </p:cBhvr>
+                                      <p:to>
+                                        <p:strVal val="visible"/>
+                                      </p:to>
+                                    </p:set>
+                                    <p:animEffect transition="in" filter="fade">
+                                      <p:cBhvr>
+                                        <p:cTn id="92" dur="750"/>
+                                        <p:tgtEl>
+                                          <p:spTgt spid="527"/>
+                                        </p:tgtEl>
+                                      </p:cBhvr>
+                                    </p:animEffect>
+                                    <p:anim calcmode="lin" valueType="num">
+                                      <p:cBhvr>
+                                        <p:cTn id="93" dur="750" fill="hold"/>
+                                        <p:tgtEl>
+                                          <p:spTgt spid="527"/>
+                                        </p:tgtEl>
+                                        <p:attrNameLst>
+                                          <p:attrName>ppt_x</p:attrName>
+                                        </p:attrNameLst>
+                                      </p:cBhvr>
+                                      <p:tavLst>
+                                        <p:tav tm="0">
+                                          <p:val>
+                                            <p:strVal val="#ppt_x"/>
+                                          </p:val>
+                                        </p:tav>
+                                        <p:tav tm="100000">
+                                          <p:val>
+                                            <p:strVal val="#ppt_x"/>
+                                          </p:val>
+                                        </p:tav>
+                                      </p:tavLst>
+                                    </p:anim>
+                                    <p:anim calcmode="lin" valueType="num">
+                                      <p:cBhvr>
+                                        <p:cTn id="94" dur="750" fill="hold"/>
+                                        <p:tgtEl>
+                                          <p:spTgt spid="527"/>
+                                        </p:tgtEl>
+                                        <p:attrNameLst>
+                                          <p:attrName>ppt_y</p:attrName>
+                                        </p:attrNameLst>
+                                      </p:cBhvr>
+                                      <p:tavLst>
+                                        <p:tav tm="0">
+                                          <p:val>
+                                            <p:strVal val="#ppt_y+.1"/>
+                                          </p:val>
+                                        </p:tav>
+                                        <p:tav tm="100000">
+                                          <p:val>
+                                            <p:strVal val="#ppt_y"/>
+                                          </p:val>
+                                        </p:tav>
+                                      </p:tavLst>
+                                    </p:anim>
+                                  </p:childTnLst>
+                                </p:cTn>
+                              </p:par>
+                              <p:par>
+                                <p:cTn id="95" presetID="42" presetClass="entr" presetSubtype="0" fill="hold" grpId="0" nodeType="withEffect">
+                                  <p:stCondLst>
+                                    <p:cond delay="1500"/>
+                                  </p:stCondLst>
+                                  <p:childTnLst>
+                                    <p:set>
+                                      <p:cBhvr>
+                                        <p:cTn id="96" dur="1" fill="hold">
+                                          <p:stCondLst>
+                                            <p:cond delay="0"/>
+                                          </p:stCondLst>
+                                        </p:cTn>
+                                        <p:tgtEl>
+                                          <p:spTgt spid="545"/>
+                                        </p:tgtEl>
+                                        <p:attrNameLst>
+                                          <p:attrName>style.visibility</p:attrName>
+                                        </p:attrNameLst>
+                                      </p:cBhvr>
+                                      <p:to>
+                                        <p:strVal val="visible"/>
+                                      </p:to>
+                                    </p:set>
+                                    <p:animEffect transition="in" filter="fade">
+                                      <p:cBhvr>
+                                        <p:cTn id="97" dur="750"/>
+                                        <p:tgtEl>
+                                          <p:spTgt spid="545"/>
+                                        </p:tgtEl>
+                                      </p:cBhvr>
+                                    </p:animEffect>
+                                    <p:anim calcmode="lin" valueType="num">
+                                      <p:cBhvr>
+                                        <p:cTn id="98" dur="750" fill="hold"/>
+                                        <p:tgtEl>
+                                          <p:spTgt spid="545"/>
+                                        </p:tgtEl>
+                                        <p:attrNameLst>
+                                          <p:attrName>ppt_x</p:attrName>
+                                        </p:attrNameLst>
+                                      </p:cBhvr>
+                                      <p:tavLst>
+                                        <p:tav tm="0">
+                                          <p:val>
+                                            <p:strVal val="#ppt_x"/>
+                                          </p:val>
+                                        </p:tav>
+                                        <p:tav tm="100000">
+                                          <p:val>
+                                            <p:strVal val="#ppt_x"/>
+                                          </p:val>
+                                        </p:tav>
+                                      </p:tavLst>
+                                    </p:anim>
+                                    <p:anim calcmode="lin" valueType="num">
+                                      <p:cBhvr>
+                                        <p:cTn id="99" dur="750" fill="hold"/>
+                                        <p:tgtEl>
+                                          <p:spTgt spid="545"/>
+                                        </p:tgtEl>
+                                        <p:attrNameLst>
+                                          <p:attrName>ppt_y</p:attrName>
+                                        </p:attrNameLst>
+                                      </p:cBhvr>
+                                      <p:tavLst>
+                                        <p:tav tm="0">
+                                          <p:val>
+                                            <p:strVal val="#ppt_y+.1"/>
+                                          </p:val>
+                                        </p:tav>
+                                        <p:tav tm="100000">
+                                          <p:val>
+                                            <p:strVal val="#ppt_y"/>
+                                          </p:val>
+                                        </p:tav>
+                                      </p:tavLst>
+                                    </p:anim>
+                                  </p:childTnLst>
+                                </p:cTn>
+                              </p:par>
+                              <p:par>
+                                <p:cTn id="100" presetID="42" presetClass="entr" presetSubtype="0" fill="hold" grpId="0" nodeType="withEffect">
+                                  <p:stCondLst>
+                                    <p:cond delay="1500"/>
+                                  </p:stCondLst>
+                                  <p:childTnLst>
+                                    <p:set>
+                                      <p:cBhvr>
+                                        <p:cTn id="101" dur="1" fill="hold">
+                                          <p:stCondLst>
+                                            <p:cond delay="0"/>
+                                          </p:stCondLst>
+                                        </p:cTn>
+                                        <p:tgtEl>
+                                          <p:spTgt spid="517"/>
+                                        </p:tgtEl>
+                                        <p:attrNameLst>
+                                          <p:attrName>style.visibility</p:attrName>
+                                        </p:attrNameLst>
+                                      </p:cBhvr>
+                                      <p:to>
+                                        <p:strVal val="visible"/>
+                                      </p:to>
+                                    </p:set>
+                                    <p:animEffect transition="in" filter="fade">
+                                      <p:cBhvr>
+                                        <p:cTn id="102" dur="750"/>
+                                        <p:tgtEl>
+                                          <p:spTgt spid="517"/>
+                                        </p:tgtEl>
+                                      </p:cBhvr>
+                                    </p:animEffect>
+                                    <p:anim calcmode="lin" valueType="num">
+                                      <p:cBhvr>
+                                        <p:cTn id="103" dur="750" fill="hold"/>
+                                        <p:tgtEl>
+                                          <p:spTgt spid="517"/>
+                                        </p:tgtEl>
+                                        <p:attrNameLst>
+                                          <p:attrName>ppt_x</p:attrName>
+                                        </p:attrNameLst>
+                                      </p:cBhvr>
+                                      <p:tavLst>
+                                        <p:tav tm="0">
+                                          <p:val>
+                                            <p:strVal val="#ppt_x"/>
+                                          </p:val>
+                                        </p:tav>
+                                        <p:tav tm="100000">
+                                          <p:val>
+                                            <p:strVal val="#ppt_x"/>
+                                          </p:val>
+                                        </p:tav>
+                                      </p:tavLst>
+                                    </p:anim>
+                                    <p:anim calcmode="lin" valueType="num">
+                                      <p:cBhvr>
+                                        <p:cTn id="104" dur="750" fill="hold"/>
+                                        <p:tgtEl>
+                                          <p:spTgt spid="517"/>
+                                        </p:tgtEl>
+                                        <p:attrNameLst>
+                                          <p:attrName>ppt_y</p:attrName>
+                                        </p:attrNameLst>
+                                      </p:cBhvr>
+                                      <p:tavLst>
+                                        <p:tav tm="0">
+                                          <p:val>
+                                            <p:strVal val="#ppt_y+.1"/>
+                                          </p:val>
+                                        </p:tav>
+                                        <p:tav tm="100000">
+                                          <p:val>
+                                            <p:strVal val="#ppt_y"/>
+                                          </p:val>
+                                        </p:tav>
+                                      </p:tavLst>
+                                    </p:anim>
+                                  </p:childTnLst>
+                                </p:cTn>
+                              </p:par>
+                            </p:childTnLst>
+                          </p:cTn>
+                        </p:par>
+                      </p:childTnLst>
+                    </p:cTn>
+                  </p:par>
+                </p:childTnLst>
+              </p:cTn>
+              <p:prevCondLst>
+                <p:cond evt="onPrev" delay="0">
+                  <p:tgtEl>
+                    <p:sldTgt/>
+                  </p:tgtEl>
+                </p:cond>
+              </p:prevCondLst>
+              <p:nextCondLst>
+                <p:cond evt="onNext" delay="0">
+                  <p:tgtEl>
+                    <p:sldTgt/>
+                  </p:tgtEl>
+                </p:cond>
+              </p:nextCondLst>
+            </p:seq>
+          </p:childTnLst>
+        </p:cTn>
+      </p:par>
+    </p:tnLst>
+    <p:bldLst>
+      <p:bldP spid="510" grpId="0" animBg="1"/>
+      <p:bldP spid="511" grpId="0" animBg="1"/>
+      <p:bldP spid="512" grpId="0" animBg="1"/>
+      <p:bldP spid="513" grpId="0" animBg="1"/>
+      <p:bldP spid="514" grpId="0" animBg="1"/>
+      <p:bldP spid="515" grpId="0" animBg="1"/>
+      <p:bldP spid="516" grpId="0" animBg="1"/>
+      <p:bldP spid="517" grpId="0" animBg="1"/>
+      <p:bldP spid="518" grpId="0"/>
+      <p:bldP spid="519" grpId="0"/>
+      <p:bldP spid="520" grpId="0"/>
+      <p:bldP spid="521" grpId="0"/>
+      <p:bldP spid="542" grpId="0"/>
+      <p:bldP spid="543" grpId="0"/>
+      <p:bldP spid="544" grpId="0"/>
+      <p:bldP spid="545" grpId="0"/>
+      <p:bldP spid="546" grpId="0" animBg="1"/>
+      <p:bldP spid="547" grpId="0" animBg="1"/>
+    </p:bldLst>
+  </p:timing>
+</p:sld>
+</file>
+
+<file path=ppt/slides/slide20.xml><?xml version="1.0" encoding="utf-8"?>
+<p:sld xmlns:a="http://schemas.openxmlformats.org/drawingml/2006/main" xmlns:r="http://schemas.openxmlformats.org/officeDocument/2006/relationships" xmlns:p="http://schemas.openxmlformats.org/presentationml/2006/main">
+  <p:cSld>
+    <p:bg>
+      <p:bgPr>
+        <a:gradFill>
+          <a:gsLst>
+            <a:gs pos="0">
+              <a:srgbClr val="F2F2F2"/>
+            </a:gs>
+            <a:gs pos="100000">
+              <a:srgbClr val="A6A6A6"/>
+            </a:gs>
+          </a:gsLst>
+          <a:lin ang="5400012" scaled="0"/>
+        </a:gradFill>
+        <a:effectLst/>
+      </p:bgPr>
+    </p:bg>
+    <p:spTree>
+      <p:nvGrpSpPr>
+        <p:cNvPr id="1" name="Shape 1205"/>
+        <p:cNvGrpSpPr/>
+        <p:nvPr/>
+      </p:nvGrpSpPr>
+      <p:grpSpPr>
+        <a:xfrm>
+          <a:off x="0" y="0"/>
+          <a:ext cx="0" cy="0"/>
+          <a:chOff x="0" y="0"/>
+          <a:chExt cx="0" cy="0"/>
+        </a:xfrm>
+      </p:grpSpPr>
+      <p:sp>
+        <p:nvSpPr>
+          <p:cNvPr id="2" name="Segnaposto testo 1">
+            <a:extLst>
+              <a:ext uri="{FF2B5EF4-FFF2-40B4-BE49-F238E27FC236}">
+                <a16:creationId xmlns:a16="http://schemas.microsoft.com/office/drawing/2014/main" id="{13B93B03-EBDC-493D-8A8D-D690A3329813}"/>
+              </a:ext>
+            </a:extLst>
+          </p:cNvPr>
+          <p:cNvSpPr>
+            <a:spLocks noGrp="1"/>
+          </p:cNvSpPr>
+          <p:nvPr>
+            <p:ph type="body" idx="1"/>
+          </p:nvPr>
+        </p:nvSpPr>
+        <p:spPr>
+          <a:xfrm>
+            <a:off x="0" y="3482340"/>
+            <a:ext cx="9144000" cy="743827"/>
+          </a:xfrm>
+        </p:spPr>
+        <p:txBody>
+          <a:bodyPr/>
+          <a:lstStyle/>
+          <a:p>
+            <a:pPr marL="0" marR="0" lvl="0" indent="0" algn="ctr" rtl="0">
+              <a:spcBef>
+                <a:spcPts val="0"/>
+              </a:spcBef>
+              <a:spcAft>
+                <a:spcPts val="0"/>
+              </a:spcAft>
+              <a:buNone/>
+            </a:pPr>
+            <a:r>
+              <a:rPr lang="it-IT" sz="3600" dirty="0">
+                <a:solidFill>
+                  <a:schemeClr val="accent2">
+                    <a:lumMod val="50000"/>
+                  </a:schemeClr>
+                </a:solidFill>
+                <a:latin typeface="Bahnschrift SemiBold SemiConden" panose="020B0502040204020203" pitchFamily="34" charset="0"/>
+              </a:rPr>
+              <a:t>Grazie per l’attenzione!</a:t>
+            </a:r>
+          </a:p>
+        </p:txBody>
+      </p:sp>
+    </p:spTree>
+  </p:cSld>
+  <p:clrMapOvr>
+    <a:masterClrMapping/>
+  </p:clrMapOvr>
 </p:sld>
 </file>
 
@@ -41751,8 +47374,8 @@
         </p:nvSpPr>
         <p:spPr>
           <a:xfrm>
-            <a:off x="1713500" y="2579370"/>
-            <a:ext cx="6983778" cy="1166153"/>
+            <a:off x="1703754" y="2579370"/>
+            <a:ext cx="6993524" cy="1166153"/>
           </a:xfrm>
           <a:prstGeom prst="rect">
             <a:avLst/>
@@ -43710,156 +49333,135 @@
           </a:p>
         </p:txBody>
       </p:sp>
-      <p:grpSp>
-        <p:nvGrpSpPr>
-          <p:cNvPr id="12" name="Gruppo 11">
+      <p:pic>
+        <p:nvPicPr>
+          <p:cNvPr id="9" name="Immagine 8">
             <a:extLst>
               <a:ext uri="{FF2B5EF4-FFF2-40B4-BE49-F238E27FC236}">
-                <a16:creationId xmlns:a16="http://schemas.microsoft.com/office/drawing/2014/main" id="{373E6659-2262-42E2-A0D1-5EAF589E841F}"/>
+                <a16:creationId xmlns:a16="http://schemas.microsoft.com/office/drawing/2014/main" id="{3C8D60C3-BC6F-4155-B6B4-CC6E0A7278CA}"/>
               </a:ext>
             </a:extLst>
           </p:cNvPr>
-          <p:cNvGrpSpPr/>
+          <p:cNvPicPr>
+            <a:picLocks noChangeAspect="1"/>
+          </p:cNvPicPr>
           <p:nvPr/>
-        </p:nvGrpSpPr>
-        <p:grpSpPr>
+        </p:nvPicPr>
+        <p:blipFill>
+          <a:blip r:embed="rId4"/>
+          <a:stretch>
+            <a:fillRect/>
+          </a:stretch>
+        </p:blipFill>
+        <p:spPr>
           <a:xfrm>
             <a:off x="1363371" y="3595608"/>
-            <a:ext cx="5913094" cy="1089754"/>
-            <a:chOff x="942901" y="3795083"/>
-            <a:chExt cx="5913094" cy="1089754"/>
+            <a:ext cx="2385267" cy="1089754"/>
           </a:xfrm>
-        </p:grpSpPr>
-        <p:pic>
-          <p:nvPicPr>
-            <p:cNvPr id="9" name="Immagine 8">
-              <a:extLst>
-                <a:ext uri="{FF2B5EF4-FFF2-40B4-BE49-F238E27FC236}">
-                  <a16:creationId xmlns:a16="http://schemas.microsoft.com/office/drawing/2014/main" id="{3C8D60C3-BC6F-4155-B6B4-CC6E0A7278CA}"/>
-                </a:ext>
-              </a:extLst>
-            </p:cNvPr>
-            <p:cNvPicPr>
-              <a:picLocks noChangeAspect="1"/>
-            </p:cNvPicPr>
-            <p:nvPr/>
-          </p:nvPicPr>
-          <p:blipFill>
-            <a:blip r:embed="rId4"/>
-            <a:stretch>
-              <a:fillRect/>
-            </a:stretch>
-          </p:blipFill>
-          <p:spPr>
-            <a:xfrm>
-              <a:off x="942901" y="3795083"/>
-              <a:ext cx="2385267" cy="1089754"/>
-            </a:xfrm>
-            <a:prstGeom prst="roundRect">
-              <a:avLst>
-                <a:gd name="adj" fmla="val 8594"/>
-              </a:avLst>
-            </a:prstGeom>
-            <a:solidFill>
-              <a:srgbClr val="FFFFFF">
-                <a:shade val="85000"/>
-              </a:srgbClr>
-            </a:solidFill>
-            <a:ln>
-              <a:noFill/>
-            </a:ln>
-            <a:effectLst>
-              <a:reflection blurRad="12700" stA="38000" endPos="28000" dist="5000" dir="5400000" sy="-100000" algn="bl" rotWithShape="0"/>
-            </a:effectLst>
-          </p:spPr>
-        </p:pic>
-        <p:pic>
-          <p:nvPicPr>
-            <p:cNvPr id="11" name="Immagine 10">
-              <a:extLst>
-                <a:ext uri="{FF2B5EF4-FFF2-40B4-BE49-F238E27FC236}">
-                  <a16:creationId xmlns:a16="http://schemas.microsoft.com/office/drawing/2014/main" id="{3DAB2C3B-DFA3-4FF2-A6BF-4015F058BEAF}"/>
-                </a:ext>
-              </a:extLst>
-            </p:cNvPr>
-            <p:cNvPicPr>
-              <a:picLocks noChangeAspect="1"/>
-            </p:cNvPicPr>
-            <p:nvPr/>
-          </p:nvPicPr>
-          <p:blipFill rotWithShape="1">
-            <a:blip r:embed="rId5"/>
-            <a:srcRect l="1824" t="3598"/>
-            <a:stretch/>
-          </p:blipFill>
-          <p:spPr>
-            <a:xfrm>
-              <a:off x="5344706" y="3961698"/>
-              <a:ext cx="1511289" cy="741990"/>
-            </a:xfrm>
-            <a:prstGeom prst="roundRect">
-              <a:avLst>
-                <a:gd name="adj" fmla="val 8594"/>
-              </a:avLst>
-            </a:prstGeom>
-            <a:solidFill>
-              <a:srgbClr val="FFFFFF">
-                <a:shade val="85000"/>
-              </a:srgbClr>
-            </a:solidFill>
-            <a:ln>
-              <a:noFill/>
-            </a:ln>
-            <a:effectLst>
-              <a:reflection blurRad="12700" stA="38000" endPos="28000" dist="5000" dir="5400000" sy="-100000" algn="bl" rotWithShape="0"/>
-            </a:effectLst>
-          </p:spPr>
-        </p:pic>
-        <p:sp>
-          <p:nvSpPr>
-            <p:cNvPr id="40" name="Freccia in giù 39">
-              <a:extLst>
-                <a:ext uri="{FF2B5EF4-FFF2-40B4-BE49-F238E27FC236}">
-                  <a16:creationId xmlns:a16="http://schemas.microsoft.com/office/drawing/2014/main" id="{426539BE-2BFE-4026-A749-963BF4B08C3C}"/>
-                </a:ext>
-              </a:extLst>
-            </p:cNvPr>
-            <p:cNvSpPr/>
-            <p:nvPr/>
-          </p:nvSpPr>
-          <p:spPr>
-            <a:xfrm rot="16200000">
-              <a:off x="4126000" y="3907123"/>
-              <a:ext cx="420874" cy="851141"/>
-            </a:xfrm>
-            <a:prstGeom prst="downArrow">
-              <a:avLst/>
-            </a:prstGeom>
-          </p:spPr>
-          <p:style>
-            <a:lnRef idx="1">
-              <a:schemeClr val="accent1"/>
-            </a:lnRef>
-            <a:fillRef idx="3">
-              <a:schemeClr val="accent1"/>
-            </a:fillRef>
-            <a:effectRef idx="2">
-              <a:schemeClr val="accent1"/>
-            </a:effectRef>
-            <a:fontRef idx="minor">
-              <a:schemeClr val="lt1"/>
-            </a:fontRef>
-          </p:style>
-          <p:txBody>
-            <a:bodyPr rtlCol="0" anchor="ctr"/>
-            <a:lstStyle/>
-            <a:p>
-              <a:pPr algn="ctr"/>
-              <a:endParaRPr lang="it-IT"/>
-            </a:p>
-          </p:txBody>
-        </p:sp>
-      </p:grpSp>
+          <a:prstGeom prst="roundRect">
+            <a:avLst>
+              <a:gd name="adj" fmla="val 8594"/>
+            </a:avLst>
+          </a:prstGeom>
+          <a:solidFill>
+            <a:srgbClr val="FFFFFF">
+              <a:shade val="85000"/>
+            </a:srgbClr>
+          </a:solidFill>
+          <a:ln>
+            <a:noFill/>
+          </a:ln>
+          <a:effectLst>
+            <a:reflection blurRad="12700" stA="38000" endPos="28000" dist="5000" dir="5400000" sy="-100000" algn="bl" rotWithShape="0"/>
+          </a:effectLst>
+        </p:spPr>
+      </p:pic>
+      <p:pic>
+        <p:nvPicPr>
+          <p:cNvPr id="11" name="Immagine 10">
+            <a:extLst>
+              <a:ext uri="{FF2B5EF4-FFF2-40B4-BE49-F238E27FC236}">
+                <a16:creationId xmlns:a16="http://schemas.microsoft.com/office/drawing/2014/main" id="{3DAB2C3B-DFA3-4FF2-A6BF-4015F058BEAF}"/>
+              </a:ext>
+            </a:extLst>
+          </p:cNvPr>
+          <p:cNvPicPr>
+            <a:picLocks noChangeAspect="1"/>
+          </p:cNvPicPr>
+          <p:nvPr/>
+        </p:nvPicPr>
+        <p:blipFill rotWithShape="1">
+          <a:blip r:embed="rId5"/>
+          <a:srcRect l="1824" t="3598"/>
+          <a:stretch/>
+        </p:blipFill>
+        <p:spPr>
+          <a:xfrm>
+            <a:off x="5765176" y="3762223"/>
+            <a:ext cx="1511289" cy="741990"/>
+          </a:xfrm>
+          <a:prstGeom prst="roundRect">
+            <a:avLst>
+              <a:gd name="adj" fmla="val 8594"/>
+            </a:avLst>
+          </a:prstGeom>
+          <a:solidFill>
+            <a:srgbClr val="FFFFFF">
+              <a:shade val="85000"/>
+            </a:srgbClr>
+          </a:solidFill>
+          <a:ln>
+            <a:noFill/>
+          </a:ln>
+          <a:effectLst>
+            <a:reflection blurRad="12700" stA="38000" endPos="28000" dist="5000" dir="5400000" sy="-100000" algn="bl" rotWithShape="0"/>
+          </a:effectLst>
+        </p:spPr>
+      </p:pic>
+      <p:sp>
+        <p:nvSpPr>
+          <p:cNvPr id="40" name="Freccia in giù 39">
+            <a:extLst>
+              <a:ext uri="{FF2B5EF4-FFF2-40B4-BE49-F238E27FC236}">
+                <a16:creationId xmlns:a16="http://schemas.microsoft.com/office/drawing/2014/main" id="{426539BE-2BFE-4026-A749-963BF4B08C3C}"/>
+              </a:ext>
+            </a:extLst>
+          </p:cNvPr>
+          <p:cNvSpPr/>
+          <p:nvPr/>
+        </p:nvSpPr>
+        <p:spPr>
+          <a:xfrm rot="16200000">
+            <a:off x="4546470" y="3707648"/>
+            <a:ext cx="420874" cy="851141"/>
+          </a:xfrm>
+          <a:prstGeom prst="downArrow">
+            <a:avLst/>
+          </a:prstGeom>
+        </p:spPr>
+        <p:style>
+          <a:lnRef idx="1">
+            <a:schemeClr val="accent1"/>
+          </a:lnRef>
+          <a:fillRef idx="3">
+            <a:schemeClr val="accent1"/>
+          </a:fillRef>
+          <a:effectRef idx="2">
+            <a:schemeClr val="accent1"/>
+          </a:effectRef>
+          <a:fontRef idx="minor">
+            <a:schemeClr val="lt1"/>
+          </a:fontRef>
+        </p:style>
+        <p:txBody>
+          <a:bodyPr rtlCol="0" anchor="ctr"/>
+          <a:lstStyle/>
+          <a:p>
+            <a:pPr algn="ctr"/>
+            <a:endParaRPr lang="it-IT"/>
+          </a:p>
+        </p:txBody>
+      </p:sp>
     </p:spTree>
     <p:extLst>
       <p:ext uri="{BB962C8B-B14F-4D97-AF65-F5344CB8AC3E}">
@@ -43870,6 +49472,127 @@
   <p:clrMapOvr>
     <a:masterClrMapping/>
   </p:clrMapOvr>
+  <p:timing>
+    <p:tnLst>
+      <p:par>
+        <p:cTn id="1" dur="indefinite" restart="never" nodeType="tmRoot">
+          <p:childTnLst>
+            <p:seq concurrent="1" nextAc="seek">
+              <p:cTn id="2" dur="indefinite" nodeType="mainSeq">
+                <p:childTnLst>
+                  <p:par>
+                    <p:cTn id="3" fill="hold">
+                      <p:stCondLst>
+                        <p:cond delay="indefinite"/>
+                      </p:stCondLst>
+                      <p:childTnLst>
+                        <p:par>
+                          <p:cTn id="4" fill="hold">
+                            <p:stCondLst>
+                              <p:cond delay="0"/>
+                            </p:stCondLst>
+                            <p:childTnLst>
+                              <p:par>
+                                <p:cTn id="5" presetID="10" presetClass="entr" presetSubtype="0" fill="hold" grpId="0" nodeType="clickEffect">
+                                  <p:stCondLst>
+                                    <p:cond delay="0"/>
+                                  </p:stCondLst>
+                                  <p:childTnLst>
+                                    <p:set>
+                                      <p:cBhvr>
+                                        <p:cTn id="6" dur="1" fill="hold">
+                                          <p:stCondLst>
+                                            <p:cond delay="0"/>
+                                          </p:stCondLst>
+                                        </p:cTn>
+                                        <p:tgtEl>
+                                          <p:spTgt spid="40"/>
+                                        </p:tgtEl>
+                                        <p:attrNameLst>
+                                          <p:attrName>style.visibility</p:attrName>
+                                        </p:attrNameLst>
+                                      </p:cBhvr>
+                                      <p:to>
+                                        <p:strVal val="visible"/>
+                                      </p:to>
+                                    </p:set>
+                                    <p:animEffect transition="in" filter="fade">
+                                      <p:cBhvr>
+                                        <p:cTn id="7" dur="500"/>
+                                        <p:tgtEl>
+                                          <p:spTgt spid="40"/>
+                                        </p:tgtEl>
+                                      </p:cBhvr>
+                                    </p:animEffect>
+                                  </p:childTnLst>
+                                </p:cTn>
+                              </p:par>
+                              <p:par>
+                                <p:cTn id="8" presetID="10" presetClass="entr" presetSubtype="0" fill="hold" nodeType="withEffect">
+                                  <p:stCondLst>
+                                    <p:cond delay="0"/>
+                                  </p:stCondLst>
+                                  <p:childTnLst>
+                                    <p:set>
+                                      <p:cBhvr>
+                                        <p:cTn id="9" dur="1" fill="hold">
+                                          <p:stCondLst>
+                                            <p:cond delay="0"/>
+                                          </p:stCondLst>
+                                        </p:cTn>
+                                        <p:tgtEl>
+                                          <p:spTgt spid="11"/>
+                                        </p:tgtEl>
+                                        <p:attrNameLst>
+                                          <p:attrName>style.visibility</p:attrName>
+                                        </p:attrNameLst>
+                                      </p:cBhvr>
+                                      <p:to>
+                                        <p:strVal val="visible"/>
+                                      </p:to>
+                                    </p:set>
+                                    <p:animEffect transition="in" filter="fade">
+                                      <p:cBhvr>
+                                        <p:cTn id="10" dur="500"/>
+                                        <p:tgtEl>
+                                          <p:spTgt spid="11"/>
+                                        </p:tgtEl>
+                                      </p:cBhvr>
+                                    </p:animEffect>
+                                  </p:childTnLst>
+                                </p:cTn>
+                              </p:par>
+                            </p:childTnLst>
+                          </p:cTn>
+                        </p:par>
+                      </p:childTnLst>
+                    </p:cTn>
+                  </p:par>
+                </p:childTnLst>
+              </p:cTn>
+              <p:prevCondLst>
+                <p:cond evt="onPrev" delay="0">
+                  <p:tgtEl>
+                    <p:sldTgt/>
+                  </p:tgtEl>
+                </p:cond>
+              </p:prevCondLst>
+              <p:nextCondLst>
+                <p:cond evt="onNext" delay="0">
+                  <p:tgtEl>
+                    <p:sldTgt/>
+                  </p:tgtEl>
+                </p:cond>
+              </p:nextCondLst>
+            </p:seq>
+          </p:childTnLst>
+        </p:cTn>
+      </p:par>
+    </p:tnLst>
+    <p:bldLst>
+      <p:bldP spid="40" grpId="0" animBg="1"/>
+    </p:bldLst>
+  </p:timing>
 </p:sld>
 </file>
 
@@ -47125,7 +52848,7 @@
                 <a:latin typeface="Roboto"/>
                 <a:ea typeface="Roboto"/>
               </a:rPr>
-              <a:t>Linear Regression e Regression Tree</a:t>
+              <a:t>3.1) Linear Regression e Regression Tree</a:t>
             </a:r>
           </a:p>
           <a:p>
@@ -48295,8 +54018,8 @@
           </a:p>
         </p:txBody>
       </p:sp>
-      <mc:AlternateContent xmlns:mc="http://schemas.openxmlformats.org/markup-compatibility/2006">
-        <mc:Choice xmlns:a14="http://schemas.microsoft.com/office/drawing/2010/main" Requires="a14">
+      <mc:AlternateContent xmlns:mc="http://schemas.openxmlformats.org/markup-compatibility/2006" xmlns:a14="http://schemas.microsoft.com/office/drawing/2010/main">
+        <mc:Choice Requires="a14">
           <p:sp>
             <p:nvSpPr>
               <p:cNvPr id="26" name="CasellaDiTesto 25">
@@ -48759,7 +54482,7 @@
             </p:txBody>
           </p:sp>
         </mc:Choice>
-        <mc:Fallback>
+        <mc:Fallback xmlns="">
           <p:sp>
             <p:nvSpPr>
               <p:cNvPr id="26" name="CasellaDiTesto 25">
@@ -48804,8 +54527,8 @@
           </p:sp>
         </mc:Fallback>
       </mc:AlternateContent>
-      <mc:AlternateContent xmlns:mc="http://schemas.openxmlformats.org/markup-compatibility/2006">
-        <mc:Choice xmlns:a14="http://schemas.microsoft.com/office/drawing/2010/main" Requires="a14">
+      <mc:AlternateContent xmlns:mc="http://schemas.openxmlformats.org/markup-compatibility/2006" xmlns:a14="http://schemas.microsoft.com/office/drawing/2010/main">
+        <mc:Choice Requires="a14">
           <p:sp>
             <p:nvSpPr>
               <p:cNvPr id="28" name="CasellaDiTesto 27">
@@ -48834,6 +54557,7 @@
               </a:bodyPr>
               <a:lstStyle/>
               <a:p>
+                <a:pPr/>
                 <a14:m>
                   <m:oMathPara xmlns:m="http://schemas.openxmlformats.org/officeDocument/2006/math">
                     <m:oMathParaPr>
@@ -49228,7 +54952,7 @@
             </p:txBody>
           </p:sp>
         </mc:Choice>
-        <mc:Fallback>
+        <mc:Fallback xmlns="">
           <p:sp>
             <p:nvSpPr>
               <p:cNvPr id="28" name="CasellaDiTesto 27">
@@ -49555,6 +55279,182 @@
   <p:clrMapOvr>
     <a:masterClrMapping/>
   </p:clrMapOvr>
+  <p:timing>
+    <p:tnLst>
+      <p:par>
+        <p:cTn id="1" dur="indefinite" restart="never" nodeType="tmRoot">
+          <p:childTnLst>
+            <p:seq concurrent="1" nextAc="seek">
+              <p:cTn id="2" dur="indefinite" nodeType="mainSeq">
+                <p:childTnLst>
+                  <p:par>
+                    <p:cTn id="3" fill="hold">
+                      <p:stCondLst>
+                        <p:cond delay="indefinite"/>
+                      </p:stCondLst>
+                      <p:childTnLst>
+                        <p:par>
+                          <p:cTn id="4" fill="hold">
+                            <p:stCondLst>
+                              <p:cond delay="0"/>
+                            </p:stCondLst>
+                            <p:childTnLst>
+                              <p:par>
+                                <p:cTn id="5" presetID="10" presetClass="entr" presetSubtype="0" fill="hold" grpId="0" nodeType="clickEffect">
+                                  <p:stCondLst>
+                                    <p:cond delay="0"/>
+                                  </p:stCondLst>
+                                  <p:childTnLst>
+                                    <p:set>
+                                      <p:cBhvr>
+                                        <p:cTn id="6" dur="1" fill="hold">
+                                          <p:stCondLst>
+                                            <p:cond delay="0"/>
+                                          </p:stCondLst>
+                                        </p:cTn>
+                                        <p:tgtEl>
+                                          <p:spTgt spid="24"/>
+                                        </p:tgtEl>
+                                        <p:attrNameLst>
+                                          <p:attrName>style.visibility</p:attrName>
+                                        </p:attrNameLst>
+                                      </p:cBhvr>
+                                      <p:to>
+                                        <p:strVal val="visible"/>
+                                      </p:to>
+                                    </p:set>
+                                    <p:animEffect transition="in" filter="fade">
+                                      <p:cBhvr>
+                                        <p:cTn id="7" dur="500"/>
+                                        <p:tgtEl>
+                                          <p:spTgt spid="24"/>
+                                        </p:tgtEl>
+                                      </p:cBhvr>
+                                    </p:animEffect>
+                                  </p:childTnLst>
+                                </p:cTn>
+                              </p:par>
+                            </p:childTnLst>
+                          </p:cTn>
+                        </p:par>
+                      </p:childTnLst>
+                    </p:cTn>
+                  </p:par>
+                  <p:par>
+                    <p:cTn id="8" fill="hold">
+                      <p:stCondLst>
+                        <p:cond delay="indefinite"/>
+                      </p:stCondLst>
+                      <p:childTnLst>
+                        <p:par>
+                          <p:cTn id="9" fill="hold">
+                            <p:stCondLst>
+                              <p:cond delay="0"/>
+                            </p:stCondLst>
+                            <p:childTnLst>
+                              <p:par>
+                                <p:cTn id="10" presetID="10" presetClass="entr" presetSubtype="0" fill="hold" grpId="0" nodeType="clickEffect">
+                                  <p:stCondLst>
+                                    <p:cond delay="0"/>
+                                  </p:stCondLst>
+                                  <p:childTnLst>
+                                    <p:set>
+                                      <p:cBhvr>
+                                        <p:cTn id="11" dur="1" fill="hold">
+                                          <p:stCondLst>
+                                            <p:cond delay="0"/>
+                                          </p:stCondLst>
+                                        </p:cTn>
+                                        <p:tgtEl>
+                                          <p:spTgt spid="26"/>
+                                        </p:tgtEl>
+                                        <p:attrNameLst>
+                                          <p:attrName>style.visibility</p:attrName>
+                                        </p:attrNameLst>
+                                      </p:cBhvr>
+                                      <p:to>
+                                        <p:strVal val="visible"/>
+                                      </p:to>
+                                    </p:set>
+                                    <p:animEffect transition="in" filter="fade">
+                                      <p:cBhvr>
+                                        <p:cTn id="12" dur="500"/>
+                                        <p:tgtEl>
+                                          <p:spTgt spid="26"/>
+                                        </p:tgtEl>
+                                      </p:cBhvr>
+                                    </p:animEffect>
+                                  </p:childTnLst>
+                                </p:cTn>
+                              </p:par>
+                              <p:par>
+                                <p:cTn id="13" presetID="10" presetClass="entr" presetSubtype="0" fill="hold" grpId="0" nodeType="withEffect">
+                                  <p:stCondLst>
+                                    <p:cond delay="0"/>
+                                  </p:stCondLst>
+                                  <p:childTnLst>
+                                    <p:set>
+                                      <p:cBhvr>
+                                        <p:cTn id="14" dur="1" fill="hold">
+                                          <p:stCondLst>
+                                            <p:cond delay="0"/>
+                                          </p:stCondLst>
+                                        </p:cTn>
+                                        <p:tgtEl>
+                                          <p:spTgt spid="28"/>
+                                        </p:tgtEl>
+                                        <p:attrNameLst>
+                                          <p:attrName>style.visibility</p:attrName>
+                                        </p:attrNameLst>
+                                      </p:cBhvr>
+                                      <p:to>
+                                        <p:strVal val="visible"/>
+                                      </p:to>
+                                    </p:set>
+                                    <p:animEffect transition="in" filter="fade">
+                                      <p:cBhvr>
+                                        <p:cTn id="15" dur="500"/>
+                                        <p:tgtEl>
+                                          <p:spTgt spid="28"/>
+                                        </p:tgtEl>
+                                      </p:cBhvr>
+                                    </p:animEffect>
+                                  </p:childTnLst>
+                                </p:cTn>
+                              </p:par>
+                            </p:childTnLst>
+                          </p:cTn>
+                        </p:par>
+                      </p:childTnLst>
+                    </p:cTn>
+                  </p:par>
+                </p:childTnLst>
+              </p:cTn>
+              <p:prevCondLst>
+                <p:cond evt="onPrev" delay="0">
+                  <p:tgtEl>
+                    <p:sldTgt/>
+                  </p:tgtEl>
+                </p:cond>
+              </p:prevCondLst>
+              <p:nextCondLst>
+                <p:cond evt="onNext" delay="0">
+                  <p:tgtEl>
+                    <p:sldTgt/>
+                  </p:tgtEl>
+                </p:cond>
+              </p:nextCondLst>
+            </p:seq>
+          </p:childTnLst>
+        </p:cTn>
+      </p:par>
+    </p:tnLst>
+    <p:bldLst>
+      <p:bldP spid="24" grpId="0"/>
+      <p:bldP spid="26" grpId="0"/>
+      <p:bldP spid="28" grpId="0"/>
+    </p:bldLst>
+  </p:timing>
 </p:sld>
 </file>
 
